--- a/notes/FFP.pptx
+++ b/notes/FFP.pptx
@@ -5,23 +5,24 @@
     <p:sldMasterId id="2147483648" r:id="rId1"/>
   </p:sldMasterIdLst>
   <p:notesMasterIdLst>
-    <p:notesMasterId r:id="rId16"/>
+    <p:notesMasterId r:id="rId17"/>
   </p:notesMasterIdLst>
   <p:sldIdLst>
     <p:sldId id="256" r:id="rId2"/>
     <p:sldId id="257" r:id="rId3"/>
-    <p:sldId id="258" r:id="rId4"/>
-    <p:sldId id="260" r:id="rId5"/>
-    <p:sldId id="261" r:id="rId6"/>
-    <p:sldId id="262" r:id="rId7"/>
-    <p:sldId id="263" r:id="rId8"/>
-    <p:sldId id="264" r:id="rId9"/>
-    <p:sldId id="259" r:id="rId10"/>
-    <p:sldId id="265" r:id="rId11"/>
-    <p:sldId id="267" r:id="rId12"/>
-    <p:sldId id="268" r:id="rId13"/>
-    <p:sldId id="269" r:id="rId14"/>
-    <p:sldId id="266" r:id="rId15"/>
+    <p:sldId id="270" r:id="rId4"/>
+    <p:sldId id="258" r:id="rId5"/>
+    <p:sldId id="260" r:id="rId6"/>
+    <p:sldId id="261" r:id="rId7"/>
+    <p:sldId id="262" r:id="rId8"/>
+    <p:sldId id="263" r:id="rId9"/>
+    <p:sldId id="264" r:id="rId10"/>
+    <p:sldId id="259" r:id="rId11"/>
+    <p:sldId id="265" r:id="rId12"/>
+    <p:sldId id="267" r:id="rId13"/>
+    <p:sldId id="268" r:id="rId14"/>
+    <p:sldId id="269" r:id="rId15"/>
+    <p:sldId id="266" r:id="rId16"/>
   </p:sldIdLst>
   <p:sldSz cx="9144000" cy="6858000" type="screen4x3"/>
   <p:notesSz cx="6858000" cy="9144000"/>
@@ -540,7 +541,7 @@
             <a:fld id="{4593CA5A-112A-442E-8B95-2094B50EEB26}" type="slidenum">
               <a:rPr lang="zh-CN" altLang="en-US" smtClean="0"/>
               <a:pPr/>
-              <a:t>10</a:t>
+              <a:t>11</a:t>
             </a:fld>
             <a:endParaRPr lang="zh-CN" altLang="en-US"/>
           </a:p>
@@ -3517,42 +3518,6 @@
       </p:grpSpPr>
       <p:sp>
         <p:nvSpPr>
-          <p:cNvPr id="4" name="TextBox 3"/>
-          <p:cNvSpPr txBox="1"/>
-          <p:nvPr/>
-        </p:nvSpPr>
-        <p:spPr>
-          <a:xfrm>
-            <a:off x="1792233" y="1951348"/>
-            <a:ext cx="5442516" cy="584775"/>
-          </a:xfrm>
-          <a:prstGeom prst="rect">
-            <a:avLst/>
-          </a:prstGeom>
-          <a:noFill/>
-        </p:spPr>
-        <p:txBody>
-          <a:bodyPr wrap="none" rtlCol="0">
-            <a:spAutoFit/>
-          </a:bodyPr>
-          <a:lstStyle/>
-          <a:p>
-            <a:r>
-              <a:rPr lang="en-US" altLang="zh-CN" sz="3200" dirty="0" smtClean="0">
-                <a:latin typeface="Cooper Std Black" pitchFamily="18" charset="0"/>
-                <a:ea typeface="DFPKanTeiRyu-XB" pitchFamily="66" charset="-128"/>
-              </a:rPr>
-              <a:t>Fixed Function Pipeline</a:t>
-            </a:r>
-            <a:endParaRPr lang="zh-CN" altLang="en-US" sz="3200" dirty="0">
-              <a:latin typeface="Cooper Std Black" pitchFamily="18" charset="0"/>
-              <a:ea typeface="DFPKanTeiRyu-XB" pitchFamily="66" charset="-128"/>
-            </a:endParaRPr>
-          </a:p>
-        </p:txBody>
-      </p:sp>
-      <p:sp>
-        <p:nvSpPr>
           <p:cNvPr id="5" name="TextBox 4"/>
           <p:cNvSpPr txBox="1"/>
           <p:nvPr/>
@@ -3581,6 +3546,39 @@
           </a:p>
         </p:txBody>
       </p:sp>
+      <p:pic>
+        <p:nvPicPr>
+          <p:cNvPr id="16385" name="Picture 1"/>
+          <p:cNvPicPr>
+            <a:picLocks noChangeAspect="1" noChangeArrowheads="1"/>
+          </p:cNvPicPr>
+          <p:nvPr/>
+        </p:nvPicPr>
+        <p:blipFill>
+          <a:blip r:embed="rId2"/>
+          <a:srcRect/>
+          <a:stretch>
+            <a:fillRect/>
+          </a:stretch>
+        </p:blipFill>
+        <p:spPr bwMode="auto">
+          <a:xfrm>
+            <a:off x="376238" y="1843088"/>
+            <a:ext cx="8353425" cy="923925"/>
+          </a:xfrm>
+          <a:prstGeom prst="rect">
+            <a:avLst/>
+          </a:prstGeom>
+          <a:noFill/>
+          <a:ln w="9525">
+            <a:noFill/>
+            <a:miter lim="800000"/>
+            <a:headEnd/>
+            <a:tailEnd/>
+          </a:ln>
+          <a:effectLst/>
+        </p:spPr>
+      </p:pic>
     </p:spTree>
   </p:cSld>
   <p:clrMapOvr>
@@ -3597,6 +3595,84 @@
 </file>
 
 <file path=ppt/slides/slide10.xml><?xml version="1.0" encoding="utf-8"?>
+<p:sld xmlns:a="http://schemas.openxmlformats.org/drawingml/2006/main" xmlns:r="http://schemas.openxmlformats.org/officeDocument/2006/relationships" xmlns:p="http://schemas.openxmlformats.org/presentationml/2006/main">
+  <p:cSld>
+    <p:spTree>
+      <p:nvGrpSpPr>
+        <p:cNvPr id="1" name=""/>
+        <p:cNvGrpSpPr/>
+        <p:nvPr/>
+      </p:nvGrpSpPr>
+      <p:grpSpPr>
+        <a:xfrm>
+          <a:off x="0" y="0"/>
+          <a:ext cx="0" cy="0"/>
+          <a:chOff x="0" y="0"/>
+          <a:chExt cx="0" cy="0"/>
+        </a:xfrm>
+      </p:grpSpPr>
+      <p:sp>
+        <p:nvSpPr>
+          <p:cNvPr id="3" name="内容占位符 2"/>
+          <p:cNvSpPr>
+            <a:spLocks noGrp="1"/>
+          </p:cNvSpPr>
+          <p:nvPr>
+            <p:ph idx="1"/>
+          </p:nvPr>
+        </p:nvSpPr>
+        <p:spPr>
+          <a:xfrm>
+            <a:off x="1264370" y="2538659"/>
+            <a:ext cx="6727105" cy="604592"/>
+          </a:xfrm>
+        </p:spPr>
+        <p:txBody>
+          <a:bodyPr/>
+          <a:lstStyle/>
+          <a:p>
+            <a:pPr>
+              <a:buNone/>
+            </a:pPr>
+            <a:r>
+              <a:rPr lang="en-US" altLang="zh-CN" b="1" dirty="0" smtClean="0">
+                <a:latin typeface="Times New Roman" pitchFamily="18" charset="0"/>
+                <a:cs typeface="Times New Roman" pitchFamily="18" charset="0"/>
+              </a:rPr>
+              <a:t>III.  </a:t>
+            </a:r>
+            <a:r>
+              <a:rPr lang="en-US" altLang="zh-CN" b="1" dirty="0" smtClean="0"/>
+              <a:t>Hello, </a:t>
+            </a:r>
+            <a:r>
+              <a:rPr lang="en-US" altLang="zh-CN" b="1" dirty="0" smtClean="0"/>
+              <a:t>world.   Hello</a:t>
+            </a:r>
+            <a:r>
+              <a:rPr lang="en-US" altLang="zh-CN" b="1" dirty="0" smtClean="0"/>
+              <a:t>, triangles.</a:t>
+            </a:r>
+            <a:endParaRPr lang="zh-CN" altLang="en-US" b="1" dirty="0"/>
+          </a:p>
+        </p:txBody>
+      </p:sp>
+    </p:spTree>
+  </p:cSld>
+  <p:clrMapOvr>
+    <a:masterClrMapping/>
+  </p:clrMapOvr>
+  <p:timing>
+    <p:tnLst>
+      <p:par>
+        <p:cTn id="1" dur="indefinite" restart="never" nodeType="tmRoot"/>
+      </p:par>
+    </p:tnLst>
+  </p:timing>
+</p:sld>
+</file>
+
+<file path=ppt/slides/slide11.xml><?xml version="1.0" encoding="utf-8"?>
 <p:sld xmlns:a="http://schemas.openxmlformats.org/drawingml/2006/main" xmlns:r="http://schemas.openxmlformats.org/officeDocument/2006/relationships" xmlns:p="http://schemas.openxmlformats.org/presentationml/2006/main">
   <p:cSld>
     <p:spTree>
@@ -3947,8 +4023,8 @@
         </p:nvSpPr>
         <p:spPr>
           <a:xfrm>
-            <a:off x="3610466" y="1348033"/>
-            <a:ext cx="1725106" cy="810705"/>
+            <a:off x="3477115" y="1348033"/>
+            <a:ext cx="2018809" cy="810705"/>
           </a:xfrm>
           <a:prstGeom prst="rightArrow">
             <a:avLst/>
@@ -3992,7 +4068,7 @@
         <p:spPr>
           <a:xfrm>
             <a:off x="3535052" y="4751109"/>
-            <a:ext cx="1688989" cy="646331"/>
+            <a:ext cx="1716239" cy="646331"/>
           </a:xfrm>
           <a:prstGeom prst="rect">
             <a:avLst/>
@@ -4006,16 +4082,28 @@
           <a:lstStyle/>
           <a:p>
             <a:r>
-              <a:rPr lang="en-US" altLang="zh-CN" dirty="0" smtClean="0"/>
+              <a:rPr lang="en-US" altLang="zh-CN" b="1" dirty="0" smtClean="0">
+                <a:solidFill>
+                  <a:srgbClr val="00B050"/>
+                </a:solidFill>
+              </a:rPr>
               <a:t>Computer will </a:t>
             </a:r>
           </a:p>
           <a:p>
             <a:r>
-              <a:rPr lang="en-US" altLang="zh-CN" dirty="0" smtClean="0"/>
+              <a:rPr lang="en-US" altLang="zh-CN" b="1" dirty="0" smtClean="0">
+                <a:solidFill>
+                  <a:srgbClr val="00B050"/>
+                </a:solidFill>
+              </a:rPr>
               <a:t>take the charge.</a:t>
             </a:r>
-            <a:endParaRPr lang="zh-CN" altLang="en-US" dirty="0"/>
+            <a:endParaRPr lang="zh-CN" altLang="en-US" b="1" dirty="0">
+              <a:solidFill>
+                <a:srgbClr val="00B050"/>
+              </a:solidFill>
+            </a:endParaRPr>
           </a:p>
         </p:txBody>
       </p:sp>
@@ -4028,7 +4116,7 @@
         <p:spPr>
           <a:xfrm>
             <a:off x="1376313" y="980388"/>
-            <a:ext cx="1716624" cy="369332"/>
+            <a:ext cx="1760097" cy="369332"/>
           </a:xfrm>
           <a:prstGeom prst="rect">
             <a:avLst/>
@@ -4042,10 +4130,18 @@
           <a:lstStyle/>
           <a:p>
             <a:r>
-              <a:rPr lang="en-US" altLang="zh-CN" dirty="0" smtClean="0"/>
+              <a:rPr lang="en-US" altLang="zh-CN" b="1" dirty="0" smtClean="0">
+                <a:solidFill>
+                  <a:srgbClr val="00B050"/>
+                </a:solidFill>
+              </a:rPr>
               <a:t>All human work.</a:t>
             </a:r>
-            <a:endParaRPr lang="zh-CN" altLang="en-US" dirty="0"/>
+            <a:endParaRPr lang="zh-CN" altLang="en-US" b="1" dirty="0">
+              <a:solidFill>
+                <a:srgbClr val="00B050"/>
+              </a:solidFill>
+            </a:endParaRPr>
           </a:p>
         </p:txBody>
       </p:sp>
@@ -4708,249 +4804,6 @@
 </p:sld>
 </file>
 
-<file path=ppt/slides/slide11.xml><?xml version="1.0" encoding="utf-8"?>
-<p:sld xmlns:a="http://schemas.openxmlformats.org/drawingml/2006/main" xmlns:r="http://schemas.openxmlformats.org/officeDocument/2006/relationships" xmlns:p="http://schemas.openxmlformats.org/presentationml/2006/main">
-  <p:cSld>
-    <p:spTree>
-      <p:nvGrpSpPr>
-        <p:cNvPr id="1" name=""/>
-        <p:cNvGrpSpPr/>
-        <p:nvPr/>
-      </p:nvGrpSpPr>
-      <p:grpSpPr>
-        <a:xfrm>
-          <a:off x="0" y="0"/>
-          <a:ext cx="0" cy="0"/>
-          <a:chOff x="0" y="0"/>
-          <a:chExt cx="0" cy="0"/>
-        </a:xfrm>
-      </p:grpSpPr>
-      <p:sp>
-        <p:nvSpPr>
-          <p:cNvPr id="3" name="内容占位符 2"/>
-          <p:cNvSpPr>
-            <a:spLocks noGrp="1"/>
-          </p:cNvSpPr>
-          <p:nvPr>
-            <p:ph idx="1"/>
-          </p:nvPr>
-        </p:nvSpPr>
-        <p:spPr>
-          <a:xfrm>
-            <a:off x="457200" y="346435"/>
-            <a:ext cx="8229600" cy="4525963"/>
-          </a:xfrm>
-        </p:spPr>
-        <p:txBody>
-          <a:bodyPr>
-            <a:normAutofit/>
-          </a:bodyPr>
-          <a:lstStyle/>
-          <a:p>
-            <a:pPr>
-              <a:buNone/>
-            </a:pPr>
-            <a:r>
-              <a:rPr lang="zh-CN" altLang="en-US" sz="2400" b="1" dirty="0" smtClean="0">
-                <a:latin typeface="Courier New" pitchFamily="49" charset="0"/>
-                <a:cs typeface="Courier New" pitchFamily="49" charset="0"/>
-              </a:rPr>
-              <a:t>指定几何对象</a:t>
-            </a:r>
-            <a:endParaRPr lang="en-US" altLang="zh-CN" sz="2400" b="1" dirty="0" smtClean="0">
-              <a:latin typeface="Courier New" pitchFamily="49" charset="0"/>
-              <a:cs typeface="Courier New" pitchFamily="49" charset="0"/>
-            </a:endParaRPr>
-          </a:p>
-          <a:p>
-            <a:pPr>
-              <a:buNone/>
-            </a:pPr>
-            <a:r>
-              <a:rPr lang="en-US" altLang="zh-CN" sz="2400" b="1" dirty="0" err="1" smtClean="0">
-                <a:latin typeface="Courier New" pitchFamily="49" charset="0"/>
-                <a:cs typeface="Courier New" pitchFamily="49" charset="0"/>
-              </a:rPr>
-              <a:t>glBegin</a:t>
-            </a:r>
-            <a:r>
-              <a:rPr lang="en-US" altLang="zh-CN" sz="2400" b="1" dirty="0" smtClean="0">
-                <a:latin typeface="Courier New" pitchFamily="49" charset="0"/>
-                <a:cs typeface="Courier New" pitchFamily="49" charset="0"/>
-              </a:rPr>
-              <a:t>(</a:t>
-            </a:r>
-            <a:r>
-              <a:rPr lang="zh-CN" altLang="en-US" sz="2400" b="1" dirty="0" smtClean="0">
-                <a:latin typeface="Courier New" pitchFamily="49" charset="0"/>
-                <a:cs typeface="Courier New" pitchFamily="49" charset="0"/>
-              </a:rPr>
-              <a:t>三角形</a:t>
-            </a:r>
-            <a:r>
-              <a:rPr lang="en-US" altLang="zh-CN" sz="2400" b="1" dirty="0" smtClean="0">
-                <a:latin typeface="Courier New" pitchFamily="49" charset="0"/>
-                <a:cs typeface="Courier New" pitchFamily="49" charset="0"/>
-              </a:rPr>
-              <a:t>);</a:t>
-            </a:r>
-          </a:p>
-          <a:p>
-            <a:pPr lvl="1">
-              <a:buNone/>
-            </a:pPr>
-            <a:r>
-              <a:rPr lang="en-US" altLang="zh-CN" sz="2400" b="1" dirty="0" err="1" smtClean="0">
-                <a:latin typeface="Courier New" pitchFamily="49" charset="0"/>
-                <a:cs typeface="Courier New" pitchFamily="49" charset="0"/>
-              </a:rPr>
-              <a:t>glColor</a:t>
-            </a:r>
-            <a:r>
-              <a:rPr lang="en-US" altLang="zh-CN" sz="2400" b="1" dirty="0" smtClean="0">
-                <a:latin typeface="Courier New" pitchFamily="49" charset="0"/>
-                <a:cs typeface="Courier New" pitchFamily="49" charset="0"/>
-              </a:rPr>
-              <a:t>(R,G,B);</a:t>
-            </a:r>
-          </a:p>
-          <a:p>
-            <a:pPr lvl="1">
-              <a:buNone/>
-            </a:pPr>
-            <a:r>
-              <a:rPr lang="en-US" altLang="zh-CN" sz="2400" b="1" dirty="0" err="1" smtClean="0">
-                <a:latin typeface="Courier New" pitchFamily="49" charset="0"/>
-                <a:cs typeface="Courier New" pitchFamily="49" charset="0"/>
-              </a:rPr>
-              <a:t>glTexCoord</a:t>
-            </a:r>
-            <a:r>
-              <a:rPr lang="en-US" altLang="zh-CN" sz="2400" b="1" dirty="0" smtClean="0">
-                <a:latin typeface="Courier New" pitchFamily="49" charset="0"/>
-                <a:cs typeface="Courier New" pitchFamily="49" charset="0"/>
-              </a:rPr>
-              <a:t>(</a:t>
-            </a:r>
-            <a:r>
-              <a:rPr lang="en-US" altLang="zh-CN" sz="2400" b="1" dirty="0" err="1" smtClean="0">
-                <a:latin typeface="Courier New" pitchFamily="49" charset="0"/>
-                <a:cs typeface="Courier New" pitchFamily="49" charset="0"/>
-              </a:rPr>
-              <a:t>s,q,r</a:t>
-            </a:r>
-            <a:r>
-              <a:rPr lang="en-US" altLang="zh-CN" sz="2400" b="1" dirty="0" smtClean="0">
-                <a:latin typeface="Courier New" pitchFamily="49" charset="0"/>
-                <a:cs typeface="Courier New" pitchFamily="49" charset="0"/>
-              </a:rPr>
-              <a:t>,);</a:t>
-            </a:r>
-          </a:p>
-          <a:p>
-            <a:pPr lvl="1">
-              <a:buNone/>
-            </a:pPr>
-            <a:r>
-              <a:rPr lang="en-US" altLang="zh-CN" sz="2400" b="1" dirty="0" err="1" smtClean="0">
-                <a:latin typeface="Courier New" pitchFamily="49" charset="0"/>
-                <a:cs typeface="Courier New" pitchFamily="49" charset="0"/>
-              </a:rPr>
-              <a:t>glVertex</a:t>
-            </a:r>
-            <a:r>
-              <a:rPr lang="en-US" altLang="zh-CN" sz="2400" b="1" dirty="0" smtClean="0">
-                <a:latin typeface="Courier New" pitchFamily="49" charset="0"/>
-                <a:cs typeface="Courier New" pitchFamily="49" charset="0"/>
-              </a:rPr>
-              <a:t>(</a:t>
-            </a:r>
-            <a:r>
-              <a:rPr lang="en-US" altLang="zh-CN" sz="2400" b="1" dirty="0" err="1" smtClean="0">
-                <a:latin typeface="Courier New" pitchFamily="49" charset="0"/>
-                <a:cs typeface="Courier New" pitchFamily="49" charset="0"/>
-              </a:rPr>
-              <a:t>x,y,z</a:t>
-            </a:r>
-            <a:r>
-              <a:rPr lang="en-US" altLang="zh-CN" sz="2400" b="1" dirty="0" smtClean="0">
-                <a:latin typeface="Courier New" pitchFamily="49" charset="0"/>
-                <a:cs typeface="Courier New" pitchFamily="49" charset="0"/>
-              </a:rPr>
-              <a:t>);</a:t>
-            </a:r>
-          </a:p>
-          <a:p>
-            <a:pPr lvl="1">
-              <a:buNone/>
-            </a:pPr>
-            <a:r>
-              <a:rPr lang="en-US" altLang="zh-CN" sz="2400" b="1" dirty="0" smtClean="0">
-                <a:latin typeface="Courier New" pitchFamily="49" charset="0"/>
-                <a:cs typeface="Courier New" pitchFamily="49" charset="0"/>
-              </a:rPr>
-              <a:t>...</a:t>
-            </a:r>
-          </a:p>
-          <a:p>
-            <a:pPr>
-              <a:buNone/>
-            </a:pPr>
-            <a:r>
-              <a:rPr lang="en-US" altLang="zh-CN" sz="2400" b="1" dirty="0" err="1" smtClean="0">
-                <a:latin typeface="Courier New" pitchFamily="49" charset="0"/>
-                <a:cs typeface="Courier New" pitchFamily="49" charset="0"/>
-              </a:rPr>
-              <a:t>glEnd</a:t>
-            </a:r>
-            <a:r>
-              <a:rPr lang="en-US" altLang="zh-CN" sz="2400" b="1" dirty="0" smtClean="0">
-                <a:latin typeface="Courier New" pitchFamily="49" charset="0"/>
-                <a:cs typeface="Courier New" pitchFamily="49" charset="0"/>
-              </a:rPr>
-              <a:t>();</a:t>
-            </a:r>
-          </a:p>
-          <a:p>
-            <a:pPr>
-              <a:buNone/>
-            </a:pPr>
-            <a:r>
-              <a:rPr lang="en-US" altLang="zh-CN" sz="2400" b="1" dirty="0" err="1" smtClean="0">
-                <a:latin typeface="Courier New" pitchFamily="49" charset="0"/>
-                <a:cs typeface="Courier New" pitchFamily="49" charset="0"/>
-              </a:rPr>
-              <a:t>glFlush</a:t>
-            </a:r>
-            <a:r>
-              <a:rPr lang="en-US" altLang="zh-CN" sz="2400" b="1" dirty="0" smtClean="0">
-                <a:latin typeface="Courier New" pitchFamily="49" charset="0"/>
-                <a:cs typeface="Courier New" pitchFamily="49" charset="0"/>
-              </a:rPr>
-              <a:t>();</a:t>
-            </a:r>
-            <a:endParaRPr lang="zh-CN" altLang="en-US" sz="2400" b="1" dirty="0">
-              <a:latin typeface="Courier New" pitchFamily="49" charset="0"/>
-              <a:cs typeface="Courier New" pitchFamily="49" charset="0"/>
-            </a:endParaRPr>
-          </a:p>
-        </p:txBody>
-      </p:sp>
-    </p:spTree>
-  </p:cSld>
-  <p:clrMapOvr>
-    <a:masterClrMapping/>
-  </p:clrMapOvr>
-  <p:timing>
-    <p:tnLst>
-      <p:par>
-        <p:cTn id="1" dur="indefinite" restart="never" nodeType="tmRoot"/>
-      </p:par>
-    </p:tnLst>
-  </p:timing>
-</p:sld>
-</file>
-
 <file path=ppt/slides/slide12.xml><?xml version="1.0" encoding="utf-8"?>
 <p:sld xmlns:a="http://schemas.openxmlformats.org/drawingml/2006/main" xmlns:r="http://schemas.openxmlformats.org/officeDocument/2006/relationships" xmlns:p="http://schemas.openxmlformats.org/presentationml/2006/main">
   <p:cSld>
@@ -4980,6 +4833,214 @@
         </p:nvSpPr>
         <p:spPr>
           <a:xfrm>
+            <a:off x="457200" y="346435"/>
+            <a:ext cx="8229600" cy="4525963"/>
+          </a:xfrm>
+        </p:spPr>
+        <p:txBody>
+          <a:bodyPr>
+            <a:normAutofit/>
+          </a:bodyPr>
+          <a:lstStyle/>
+          <a:p>
+            <a:pPr>
+              <a:buNone/>
+            </a:pPr>
+            <a:r>
+              <a:rPr lang="zh-CN" altLang="en-US" sz="2400" b="1" dirty="0" smtClean="0">
+                <a:latin typeface="Courier New" pitchFamily="49" charset="0"/>
+                <a:cs typeface="Courier New" pitchFamily="49" charset="0"/>
+              </a:rPr>
+              <a:t>指定几何对象</a:t>
+            </a:r>
+            <a:endParaRPr lang="en-US" altLang="zh-CN" sz="2400" b="1" dirty="0" smtClean="0">
+              <a:latin typeface="Courier New" pitchFamily="49" charset="0"/>
+              <a:cs typeface="Courier New" pitchFamily="49" charset="0"/>
+            </a:endParaRPr>
+          </a:p>
+          <a:p>
+            <a:pPr>
+              <a:buNone/>
+            </a:pPr>
+            <a:r>
+              <a:rPr lang="en-US" altLang="zh-CN" sz="2400" b="1" dirty="0" smtClean="0">
+                <a:latin typeface="Courier New" pitchFamily="49" charset="0"/>
+                <a:cs typeface="Courier New" pitchFamily="49" charset="0"/>
+              </a:rPr>
+              <a:t>glBegin(</a:t>
+            </a:r>
+            <a:r>
+              <a:rPr lang="zh-CN" altLang="en-US" sz="2400" b="1" dirty="0" smtClean="0">
+                <a:latin typeface="Courier New" pitchFamily="49" charset="0"/>
+                <a:cs typeface="Courier New" pitchFamily="49" charset="0"/>
+              </a:rPr>
+              <a:t>三角形</a:t>
+            </a:r>
+            <a:r>
+              <a:rPr lang="en-US" altLang="zh-CN" sz="2400" b="1" dirty="0" smtClean="0">
+                <a:latin typeface="Courier New" pitchFamily="49" charset="0"/>
+                <a:cs typeface="Courier New" pitchFamily="49" charset="0"/>
+              </a:rPr>
+              <a:t>);</a:t>
+            </a:r>
+          </a:p>
+          <a:p>
+            <a:pPr lvl="1">
+              <a:buNone/>
+            </a:pPr>
+            <a:r>
+              <a:rPr lang="en-US" altLang="zh-CN" sz="2400" b="1" dirty="0" smtClean="0">
+                <a:latin typeface="Courier New" pitchFamily="49" charset="0"/>
+                <a:cs typeface="Courier New" pitchFamily="49" charset="0"/>
+              </a:rPr>
+              <a:t>glColor(R,G,B);</a:t>
+            </a:r>
+          </a:p>
+          <a:p>
+            <a:pPr lvl="1">
+              <a:buNone/>
+            </a:pPr>
+            <a:r>
+              <a:rPr lang="en-US" altLang="zh-CN" sz="2400" b="1" dirty="0" smtClean="0">
+                <a:latin typeface="Courier New" pitchFamily="49" charset="0"/>
+                <a:cs typeface="Courier New" pitchFamily="49" charset="0"/>
+              </a:rPr>
+              <a:t>glTexCoord(</a:t>
+            </a:r>
+            <a:r>
+              <a:rPr lang="en-US" altLang="zh-CN" sz="2400" b="1" dirty="0" err="1" smtClean="0">
+                <a:latin typeface="Courier New" pitchFamily="49" charset="0"/>
+                <a:cs typeface="Courier New" pitchFamily="49" charset="0"/>
+              </a:rPr>
+              <a:t>s,q,r</a:t>
+            </a:r>
+            <a:r>
+              <a:rPr lang="en-US" altLang="zh-CN" sz="2400" b="1" dirty="0" smtClean="0">
+                <a:latin typeface="Courier New" pitchFamily="49" charset="0"/>
+                <a:cs typeface="Courier New" pitchFamily="49" charset="0"/>
+              </a:rPr>
+              <a:t>,);</a:t>
+            </a:r>
+          </a:p>
+          <a:p>
+            <a:pPr lvl="1">
+              <a:buNone/>
+            </a:pPr>
+            <a:r>
+              <a:rPr lang="en-US" altLang="zh-CN" sz="2400" b="1" dirty="0" smtClean="0">
+                <a:latin typeface="Courier New" pitchFamily="49" charset="0"/>
+                <a:cs typeface="Courier New" pitchFamily="49" charset="0"/>
+              </a:rPr>
+              <a:t>glVertex(</a:t>
+            </a:r>
+            <a:r>
+              <a:rPr lang="en-US" altLang="zh-CN" sz="2400" b="1" dirty="0" err="1" smtClean="0">
+                <a:latin typeface="Courier New" pitchFamily="49" charset="0"/>
+                <a:cs typeface="Courier New" pitchFamily="49" charset="0"/>
+              </a:rPr>
+              <a:t>x,y,z</a:t>
+            </a:r>
+            <a:r>
+              <a:rPr lang="en-US" altLang="zh-CN" sz="2400" b="1" dirty="0" smtClean="0">
+                <a:latin typeface="Courier New" pitchFamily="49" charset="0"/>
+                <a:cs typeface="Courier New" pitchFamily="49" charset="0"/>
+              </a:rPr>
+              <a:t>);</a:t>
+            </a:r>
+          </a:p>
+          <a:p>
+            <a:pPr lvl="1">
+              <a:buNone/>
+            </a:pPr>
+            <a:r>
+              <a:rPr lang="en-US" altLang="zh-CN" sz="2400" b="1" dirty="0" smtClean="0">
+                <a:latin typeface="Courier New" pitchFamily="49" charset="0"/>
+                <a:cs typeface="Courier New" pitchFamily="49" charset="0"/>
+              </a:rPr>
+              <a:t>...</a:t>
+            </a:r>
+          </a:p>
+          <a:p>
+            <a:pPr>
+              <a:buNone/>
+            </a:pPr>
+            <a:r>
+              <a:rPr lang="en-US" altLang="zh-CN" sz="2400" b="1" dirty="0" smtClean="0">
+                <a:latin typeface="Courier New" pitchFamily="49" charset="0"/>
+                <a:cs typeface="Courier New" pitchFamily="49" charset="0"/>
+              </a:rPr>
+              <a:t>glEnd();</a:t>
+            </a:r>
+          </a:p>
+          <a:p>
+            <a:pPr>
+              <a:buNone/>
+            </a:pPr>
+            <a:r>
+              <a:rPr lang="en-US" altLang="zh-CN" sz="2400" b="1" dirty="0" err="1" smtClean="0">
+                <a:latin typeface="Courier New" pitchFamily="49" charset="0"/>
+                <a:cs typeface="Courier New" pitchFamily="49" charset="0"/>
+              </a:rPr>
+              <a:t>glFlush</a:t>
+            </a:r>
+            <a:r>
+              <a:rPr lang="en-US" altLang="zh-CN" sz="2400" b="1" dirty="0" smtClean="0">
+                <a:latin typeface="Courier New" pitchFamily="49" charset="0"/>
+                <a:cs typeface="Courier New" pitchFamily="49" charset="0"/>
+              </a:rPr>
+              <a:t>();</a:t>
+            </a:r>
+            <a:endParaRPr lang="zh-CN" altLang="en-US" sz="2400" b="1" dirty="0">
+              <a:latin typeface="Courier New" pitchFamily="49" charset="0"/>
+              <a:cs typeface="Courier New" pitchFamily="49" charset="0"/>
+            </a:endParaRPr>
+          </a:p>
+        </p:txBody>
+      </p:sp>
+    </p:spTree>
+  </p:cSld>
+  <p:clrMapOvr>
+    <a:masterClrMapping/>
+  </p:clrMapOvr>
+  <p:timing>
+    <p:tnLst>
+      <p:par>
+        <p:cTn id="1" dur="indefinite" restart="never" nodeType="tmRoot"/>
+      </p:par>
+    </p:tnLst>
+  </p:timing>
+</p:sld>
+</file>
+
+<file path=ppt/slides/slide13.xml><?xml version="1.0" encoding="utf-8"?>
+<p:sld xmlns:a="http://schemas.openxmlformats.org/drawingml/2006/main" xmlns:r="http://schemas.openxmlformats.org/officeDocument/2006/relationships" xmlns:p="http://schemas.openxmlformats.org/presentationml/2006/main">
+  <p:cSld>
+    <p:spTree>
+      <p:nvGrpSpPr>
+        <p:cNvPr id="1" name=""/>
+        <p:cNvGrpSpPr/>
+        <p:nvPr/>
+      </p:nvGrpSpPr>
+      <p:grpSpPr>
+        <a:xfrm>
+          <a:off x="0" y="0"/>
+          <a:ext cx="0" cy="0"/>
+          <a:chOff x="0" y="0"/>
+          <a:chExt cx="0" cy="0"/>
+        </a:xfrm>
+      </p:grpSpPr>
+      <p:sp>
+        <p:nvSpPr>
+          <p:cNvPr id="3" name="内容占位符 2"/>
+          <p:cNvSpPr>
+            <a:spLocks noGrp="1"/>
+          </p:cNvSpPr>
+          <p:nvPr>
+            <p:ph idx="1"/>
+          </p:nvPr>
+        </p:nvSpPr>
+        <p:spPr>
+          <a:xfrm>
             <a:off x="457200" y="374716"/>
             <a:ext cx="8229600" cy="5787959"/>
           </a:xfrm>
@@ -5015,11 +5076,7 @@
             </a:pPr>
             <a:r>
               <a:rPr lang="zh-CN" altLang="en-US" sz="1800" b="1" dirty="0" smtClean="0"/>
-              <a:t>光栅化图形</a:t>
-            </a:r>
-            <a:r>
-              <a:rPr lang="zh-CN" altLang="en-US" sz="1800" b="1" dirty="0" smtClean="0"/>
-              <a:t>学的极限？</a:t>
+              <a:t>光栅化图形学的极限？</a:t>
             </a:r>
             <a:endParaRPr lang="zh-CN" altLang="en-US" sz="1800" b="1" dirty="0"/>
           </a:p>
@@ -5228,7 +5285,7 @@
 </p:sld>
 </file>
 
-<file path=ppt/slides/slide13.xml><?xml version="1.0" encoding="utf-8"?>
+<file path=ppt/slides/slide14.xml><?xml version="1.0" encoding="utf-8"?>
 <p:sld xmlns:a="http://schemas.openxmlformats.org/drawingml/2006/main" xmlns:r="http://schemas.openxmlformats.org/officeDocument/2006/relationships" xmlns:p="http://schemas.openxmlformats.org/presentationml/2006/main">
   <p:cSld>
     <p:spTree>
@@ -5592,7 +5649,7 @@
 </p:sld>
 </file>
 
-<file path=ppt/slides/slide14.xml><?xml version="1.0" encoding="utf-8"?>
+<file path=ppt/slides/slide15.xml><?xml version="1.0" encoding="utf-8"?>
 <p:sld xmlns:a="http://schemas.openxmlformats.org/drawingml/2006/main" xmlns:r="http://schemas.openxmlformats.org/officeDocument/2006/relationships" xmlns:p="http://schemas.openxmlformats.org/presentationml/2006/main">
   <p:cSld>
     <p:spTree>
@@ -5609,49 +5666,39 @@
           <a:chExt cx="0" cy="0"/>
         </a:xfrm>
       </p:grpSpPr>
-      <p:sp>
-        <p:nvSpPr>
-          <p:cNvPr id="4" name="TextBox 3"/>
-          <p:cNvSpPr txBox="1"/>
+      <p:pic>
+        <p:nvPicPr>
+          <p:cNvPr id="2049" name="Picture 1"/>
+          <p:cNvPicPr>
+            <a:picLocks noChangeAspect="1" noChangeArrowheads="1"/>
+          </p:cNvPicPr>
           <p:nvPr/>
-        </p:nvSpPr>
-        <p:spPr>
+        </p:nvPicPr>
+        <p:blipFill>
+          <a:blip r:embed="rId2"/>
+          <a:srcRect/>
+          <a:stretch>
+            <a:fillRect/>
+          </a:stretch>
+        </p:blipFill>
+        <p:spPr bwMode="auto">
           <a:xfrm>
-            <a:off x="3809612" y="2149311"/>
-            <a:ext cx="1524776" cy="461665"/>
+            <a:off x="3233738" y="2081213"/>
+            <a:ext cx="2505075" cy="1152525"/>
           </a:xfrm>
           <a:prstGeom prst="rect">
             <a:avLst/>
           </a:prstGeom>
           <a:noFill/>
+          <a:ln w="9525">
+            <a:noFill/>
+            <a:miter lim="800000"/>
+            <a:headEnd/>
+            <a:tailEnd/>
+          </a:ln>
+          <a:effectLst/>
         </p:spPr>
-        <p:txBody>
-          <a:bodyPr wrap="none" rtlCol="0">
-            <a:spAutoFit/>
-          </a:bodyPr>
-          <a:lstStyle/>
-          <a:p>
-            <a:r>
-              <a:rPr lang="en-US" altLang="zh-CN" sz="2400" dirty="0" smtClean="0">
-                <a:latin typeface="DFGMaruGothic-SU" pitchFamily="50" charset="-128"/>
-                <a:ea typeface="DFGMaruGothic-SU" pitchFamily="50" charset="-128"/>
-              </a:rPr>
-              <a:t>Thanks</a:t>
-            </a:r>
-            <a:r>
-              <a:rPr lang="en-US" altLang="zh-CN" dirty="0" smtClean="0">
-                <a:latin typeface="DFGMaruGothic-SU" pitchFamily="50" charset="-128"/>
-                <a:ea typeface="DFGMaruGothic-SU" pitchFamily="50" charset="-128"/>
-              </a:rPr>
-              <a:t>!</a:t>
-            </a:r>
-            <a:endParaRPr lang="zh-CN" altLang="en-US" dirty="0">
-              <a:latin typeface="DFGMaruGothic-SU" pitchFamily="50" charset="-128"/>
-              <a:ea typeface="DFGMaruGothic-SU" pitchFamily="50" charset="-128"/>
-            </a:endParaRPr>
-          </a:p>
-        </p:txBody>
-      </p:sp>
+      </p:pic>
     </p:spTree>
   </p:cSld>
   <p:clrMapOvr>
@@ -5696,8 +5743,8 @@
         </p:nvSpPr>
         <p:spPr>
           <a:xfrm>
-            <a:off x="2389695" y="2137526"/>
-            <a:ext cx="3879130" cy="492551"/>
+            <a:off x="2275395" y="2270876"/>
+            <a:ext cx="5277930" cy="492551"/>
           </a:xfrm>
         </p:spPr>
         <p:txBody>
@@ -5714,14 +5761,14 @@
                 <a:latin typeface="Times New Roman" pitchFamily="18" charset="0"/>
                 <a:cs typeface="Times New Roman" pitchFamily="18" charset="0"/>
               </a:rPr>
-              <a:t>I.  </a:t>
-            </a:r>
-            <a:r>
-              <a:rPr lang="zh-CN" altLang="en-US" b="1" dirty="0" smtClean="0">
-                <a:latin typeface="Times New Roman" pitchFamily="18" charset="0"/>
+              <a:t>I. </a:t>
+            </a:r>
+            <a:r>
+              <a:rPr lang="en-US" altLang="zh-CN" b="1" dirty="0" smtClean="0">
+                <a:latin typeface="Calibri" pitchFamily="34" charset="0"/>
                 <a:cs typeface="Times New Roman" pitchFamily="18" charset="0"/>
               </a:rPr>
-              <a:t>追求你所热爱的</a:t>
+              <a:t>Visualize your code</a:t>
             </a:r>
             <a:r>
               <a:rPr lang="en-US" altLang="zh-CN" b="1" dirty="0" smtClean="0"/>
@@ -5765,50 +5812,266 @@
       </p:grpSpPr>
       <p:sp>
         <p:nvSpPr>
-          <p:cNvPr id="3" name="内容占位符 2"/>
-          <p:cNvSpPr>
-            <a:spLocks noGrp="1"/>
-          </p:cNvSpPr>
-          <p:nvPr>
-            <p:ph idx="1"/>
-          </p:nvPr>
+          <p:cNvPr id="4" name="矩形 3"/>
+          <p:cNvSpPr/>
+          <p:nvPr/>
         </p:nvSpPr>
         <p:spPr>
           <a:xfrm>
-            <a:off x="542042" y="1769884"/>
-            <a:ext cx="8229600" cy="1340963"/>
+            <a:off x="2755900" y="604042"/>
+            <a:ext cx="3867150" cy="769441"/>
           </a:xfrm>
+          <a:prstGeom prst="rect">
+            <a:avLst/>
+          </a:prstGeom>
         </p:spPr>
         <p:txBody>
-          <a:bodyPr>
-            <a:normAutofit/>
+          <a:bodyPr wrap="square">
+            <a:spAutoFit/>
           </a:bodyPr>
           <a:lstStyle/>
           <a:p>
-            <a:pPr>
-              <a:buNone/>
+            <a:pPr marL="342900" lvl="0" indent="-342900">
+              <a:spcBef>
+                <a:spcPct val="20000"/>
+              </a:spcBef>
             </a:pPr>
             <a:r>
-              <a:rPr lang="en-US" altLang="zh-CN" b="1" dirty="0" smtClean="0">
-                <a:latin typeface="Times New Roman" pitchFamily="18" charset="0"/>
-                <a:cs typeface="Times New Roman" pitchFamily="18" charset="0"/>
+              <a:rPr lang="en-US" altLang="zh-CN" sz="2000" b="1" dirty="0" smtClean="0">
+                <a:solidFill>
+                  <a:prstClr val="black"/>
+                </a:solidFill>
+                <a:latin typeface="Courier New" pitchFamily="49" charset="0"/>
+                <a:cs typeface="Courier New" pitchFamily="49" charset="0"/>
               </a:rPr>
-              <a:t>II. </a:t>
-            </a:r>
-            <a:r>
-              <a:rPr lang="en-US" altLang="zh-CN" b="1" dirty="0" smtClean="0"/>
-              <a:t>If you don’t know the history,</a:t>
-            </a:r>
-          </a:p>
-          <a:p>
-            <a:pPr algn="r">
-              <a:buNone/>
+              <a:t>trace(“hello</a:t>
+            </a:r>
+            <a:r>
+              <a:rPr lang="en-US" altLang="zh-CN" sz="2000" b="1" dirty="0" smtClean="0">
+                <a:solidFill>
+                  <a:prstClr val="black"/>
+                </a:solidFill>
+                <a:latin typeface="Courier New" pitchFamily="49" charset="0"/>
+                <a:cs typeface="Courier New" pitchFamily="49" charset="0"/>
+              </a:rPr>
+              <a:t>, world</a:t>
+            </a:r>
+            <a:r>
+              <a:rPr lang="en-US" altLang="zh-CN" sz="2000" b="1" dirty="0" smtClean="0">
+                <a:solidFill>
+                  <a:prstClr val="black"/>
+                </a:solidFill>
+                <a:latin typeface="Courier New" pitchFamily="49" charset="0"/>
+                <a:cs typeface="Courier New" pitchFamily="49" charset="0"/>
+              </a:rPr>
+              <a:t>”);</a:t>
+            </a:r>
+          </a:p>
+          <a:p>
+            <a:pPr marL="342900" lvl="0" indent="-342900">
+              <a:spcBef>
+                <a:spcPct val="20000"/>
+              </a:spcBef>
             </a:pPr>
             <a:r>
-              <a:rPr lang="en-US" altLang="zh-CN" b="1" dirty="0" smtClean="0"/>
-              <a:t> you know nothing.</a:t>
-            </a:r>
-            <a:endParaRPr lang="zh-CN" altLang="en-US" b="1" dirty="0"/>
+              <a:rPr lang="en-US" altLang="zh-CN" sz="2000" b="1" dirty="0" smtClean="0">
+                <a:solidFill>
+                  <a:prstClr val="black"/>
+                </a:solidFill>
+                <a:latin typeface="Courier New" pitchFamily="49" charset="0"/>
+                <a:cs typeface="Courier New" pitchFamily="49" charset="0"/>
+              </a:rPr>
+              <a:t>echo “hello, world”;</a:t>
+            </a:r>
+            <a:endParaRPr lang="zh-CN" altLang="en-US" sz="2000" b="1" dirty="0">
+              <a:solidFill>
+                <a:prstClr val="black"/>
+              </a:solidFill>
+              <a:latin typeface="Courier New" pitchFamily="49" charset="0"/>
+              <a:cs typeface="Courier New" pitchFamily="49" charset="0"/>
+            </a:endParaRPr>
+          </a:p>
+        </p:txBody>
+      </p:sp>
+      <p:pic>
+        <p:nvPicPr>
+          <p:cNvPr id="5" name="图片 4"/>
+          <p:cNvPicPr/>
+          <p:nvPr/>
+        </p:nvPicPr>
+        <p:blipFill>
+          <a:blip r:embed="rId2" cstate="print"/>
+          <a:srcRect/>
+          <a:stretch>
+            <a:fillRect/>
+          </a:stretch>
+        </p:blipFill>
+        <p:spPr bwMode="auto">
+          <a:xfrm>
+            <a:off x="678815" y="2749677"/>
+            <a:ext cx="3883660" cy="2400174"/>
+          </a:xfrm>
+          <a:prstGeom prst="rect">
+            <a:avLst/>
+          </a:prstGeom>
+          <a:noFill/>
+          <a:ln w="9525">
+            <a:noFill/>
+            <a:miter lim="800000"/>
+            <a:headEnd/>
+            <a:tailEnd/>
+          </a:ln>
+        </p:spPr>
+      </p:pic>
+      <p:pic>
+        <p:nvPicPr>
+          <p:cNvPr id="1026" name="Picture 2" descr="http://img.15game.com.cn/photo/100609/mo1.jpg"/>
+          <p:cNvPicPr>
+            <a:picLocks noChangeAspect="1" noChangeArrowheads="1"/>
+          </p:cNvPicPr>
+          <p:nvPr/>
+        </p:nvPicPr>
+        <p:blipFill>
+          <a:blip r:embed="rId3" cstate="print"/>
+          <a:srcRect/>
+          <a:stretch>
+            <a:fillRect/>
+          </a:stretch>
+        </p:blipFill>
+        <p:spPr bwMode="auto">
+          <a:xfrm>
+            <a:off x="5051425" y="2771775"/>
+            <a:ext cx="3687233" cy="2765425"/>
+          </a:xfrm>
+          <a:prstGeom prst="rect">
+            <a:avLst/>
+          </a:prstGeom>
+          <a:noFill/>
+        </p:spPr>
+      </p:pic>
+      <p:sp>
+        <p:nvSpPr>
+          <p:cNvPr id="7" name="右箭头 6"/>
+          <p:cNvSpPr/>
+          <p:nvPr/>
+        </p:nvSpPr>
+        <p:spPr>
+          <a:xfrm rot="5400000">
+            <a:off x="4089400" y="1701800"/>
+            <a:ext cx="800100" cy="723900"/>
+          </a:xfrm>
+          <a:prstGeom prst="rightArrow">
+            <a:avLst/>
+          </a:prstGeom>
+        </p:spPr>
+        <p:style>
+          <a:lnRef idx="2">
+            <a:schemeClr val="accent1">
+              <a:shade val="50000"/>
+            </a:schemeClr>
+          </a:lnRef>
+          <a:fillRef idx="1">
+            <a:schemeClr val="accent1"/>
+          </a:fillRef>
+          <a:effectRef idx="0">
+            <a:schemeClr val="accent1"/>
+          </a:effectRef>
+          <a:fontRef idx="minor">
+            <a:schemeClr val="lt1"/>
+          </a:fontRef>
+        </p:style>
+        <p:txBody>
+          <a:bodyPr rtlCol="0" anchor="ctr"/>
+          <a:lstStyle/>
+          <a:p>
+            <a:pPr algn="ctr"/>
+            <a:endParaRPr lang="zh-CN" altLang="en-US"/>
+          </a:p>
+        </p:txBody>
+      </p:sp>
+      <p:pic>
+        <p:nvPicPr>
+          <p:cNvPr id="1028" name="Picture 4" descr="http://t0.gstatic.com/images?q=tbn:ANd9GcTqXeR_l40WoWEgJRr02u2v4ZN7Xsy5DUWjkH_kTxOb_Na2DC7Pul9gj4FR4A"/>
+          <p:cNvPicPr>
+            <a:picLocks noChangeAspect="1" noChangeArrowheads="1"/>
+          </p:cNvPicPr>
+          <p:nvPr/>
+        </p:nvPicPr>
+        <p:blipFill>
+          <a:blip r:embed="rId4"/>
+          <a:srcRect/>
+          <a:stretch>
+            <a:fillRect/>
+          </a:stretch>
+        </p:blipFill>
+        <p:spPr bwMode="auto">
+          <a:xfrm>
+            <a:off x="5006976" y="1498601"/>
+            <a:ext cx="1066800" cy="1066800"/>
+          </a:xfrm>
+          <a:prstGeom prst="rect">
+            <a:avLst/>
+          </a:prstGeom>
+          <a:noFill/>
+        </p:spPr>
+      </p:pic>
+      <p:sp>
+        <p:nvSpPr>
+          <p:cNvPr id="9" name="TextBox 8"/>
+          <p:cNvSpPr txBox="1"/>
+          <p:nvPr/>
+        </p:nvSpPr>
+        <p:spPr>
+          <a:xfrm>
+            <a:off x="2124075" y="5276850"/>
+            <a:ext cx="535724" cy="369332"/>
+          </a:xfrm>
+          <a:prstGeom prst="rect">
+            <a:avLst/>
+          </a:prstGeom>
+          <a:noFill/>
+        </p:spPr>
+        <p:txBody>
+          <a:bodyPr wrap="none" rtlCol="0">
+            <a:spAutoFit/>
+          </a:bodyPr>
+          <a:lstStyle/>
+          <a:p>
+            <a:r>
+              <a:rPr lang="en-US" altLang="zh-CN" dirty="0" smtClean="0"/>
+              <a:t>GUI</a:t>
+            </a:r>
+            <a:endParaRPr lang="zh-CN" altLang="en-US" dirty="0"/>
+          </a:p>
+        </p:txBody>
+      </p:sp>
+      <p:sp>
+        <p:nvSpPr>
+          <p:cNvPr id="10" name="TextBox 9"/>
+          <p:cNvSpPr txBox="1"/>
+          <p:nvPr/>
+        </p:nvSpPr>
+        <p:spPr>
+          <a:xfrm>
+            <a:off x="6581775" y="5591175"/>
+            <a:ext cx="756874" cy="369332"/>
+          </a:xfrm>
+          <a:prstGeom prst="rect">
+            <a:avLst/>
+          </a:prstGeom>
+          <a:noFill/>
+        </p:spPr>
+        <p:txBody>
+          <a:bodyPr wrap="none" rtlCol="0">
+            <a:spAutoFit/>
+          </a:bodyPr>
+          <a:lstStyle/>
+          <a:p>
+            <a:r>
+              <a:rPr lang="en-US" altLang="zh-CN" dirty="0" smtClean="0"/>
+              <a:t>World</a:t>
+            </a:r>
+            <a:endParaRPr lang="zh-CN" altLang="en-US" dirty="0"/>
           </a:p>
         </p:txBody>
       </p:sp>
@@ -5856,8 +6119,8 @@
         </p:nvSpPr>
         <p:spPr>
           <a:xfrm>
-            <a:off x="457200" y="337008"/>
-            <a:ext cx="8229600" cy="5451050"/>
+            <a:off x="542042" y="1769884"/>
+            <a:ext cx="8229600" cy="1340963"/>
           </a:xfrm>
         </p:spPr>
         <p:txBody>
@@ -5866,108 +6129,33 @@
           </a:bodyPr>
           <a:lstStyle/>
           <a:p>
-            <a:pPr marL="0">
+            <a:pPr>
               <a:buNone/>
             </a:pPr>
             <a:r>
-              <a:rPr lang="en-US" altLang="zh-CN" sz="2400" b="1" dirty="0" smtClean="0"/>
-              <a:t>1</a:t>
-            </a:r>
-            <a:r>
-              <a:rPr lang="zh-CN" altLang="en-US" sz="2400" b="1" dirty="0" smtClean="0"/>
-              <a:t>、显示设备的历史</a:t>
-            </a:r>
-            <a:endParaRPr lang="en-US" altLang="zh-CN" sz="2400" b="1" dirty="0" smtClean="0"/>
-          </a:p>
-          <a:p>
-            <a:pPr marL="0">
+              <a:rPr lang="en-US" altLang="zh-CN" b="1" dirty="0" smtClean="0">
+                <a:latin typeface="Times New Roman" pitchFamily="18" charset="0"/>
+                <a:cs typeface="Times New Roman" pitchFamily="18" charset="0"/>
+              </a:rPr>
+              <a:t>II. </a:t>
+            </a:r>
+            <a:r>
+              <a:rPr lang="en-US" altLang="zh-CN" b="1" dirty="0" smtClean="0"/>
+              <a:t>If you don’t know the history,</a:t>
+            </a:r>
+          </a:p>
+          <a:p>
+            <a:pPr algn="r">
               <a:buNone/>
             </a:pPr>
             <a:r>
-              <a:rPr lang="zh-CN" altLang="en-US" sz="2400" b="1" dirty="0" smtClean="0"/>
-              <a:t>①最原始的：具有两种容易区别的状态，而且容易切换状态的物体。如，纸带（配备打孔机），灯泡，发光二极管（后期）。</a:t>
-            </a:r>
-            <a:endParaRPr lang="en-US" altLang="zh-CN" sz="2400" b="1" dirty="0" smtClean="0"/>
-          </a:p>
-          <a:p>
-            <a:pPr marL="0">
-              <a:buNone/>
-            </a:pPr>
-            <a:endParaRPr lang="zh-CN" altLang="en-US" sz="2400" b="1" dirty="0"/>
-          </a:p>
-        </p:txBody>
-      </p:sp>
-      <p:grpSp>
-        <p:nvGrpSpPr>
-          <p:cNvPr id="6" name="组合 5"/>
-          <p:cNvGrpSpPr/>
-          <p:nvPr/>
-        </p:nvGrpSpPr>
-        <p:grpSpPr>
-          <a:xfrm>
-            <a:off x="2564090" y="2205872"/>
-            <a:ext cx="3478491" cy="2938823"/>
-            <a:chOff x="2564090" y="2205872"/>
-            <a:chExt cx="3478491" cy="2938823"/>
-          </a:xfrm>
-        </p:grpSpPr>
-        <p:pic>
-          <p:nvPicPr>
-            <p:cNvPr id="1026" name="Picture 2" descr="C:\Documents and Settings\Administrator\桌面\20107122134074007.jpg"/>
-            <p:cNvPicPr>
-              <a:picLocks noChangeAspect="1" noChangeArrowheads="1"/>
-            </p:cNvPicPr>
-            <p:nvPr/>
-          </p:nvPicPr>
-          <p:blipFill>
-            <a:blip r:embed="rId2" cstate="print"/>
-            <a:srcRect l="34653" t="4041" r="6101" b="39443"/>
-            <a:stretch>
-              <a:fillRect/>
-            </a:stretch>
-          </p:blipFill>
-          <p:spPr bwMode="auto">
-            <a:xfrm>
-              <a:off x="2564090" y="2205872"/>
-              <a:ext cx="3478491" cy="2488676"/>
-            </a:xfrm>
-            <a:prstGeom prst="rect">
-              <a:avLst/>
-            </a:prstGeom>
-            <a:noFill/>
-          </p:spPr>
-        </p:pic>
-        <p:sp>
-          <p:nvSpPr>
-            <p:cNvPr id="5" name="TextBox 4"/>
-            <p:cNvSpPr txBox="1"/>
-            <p:nvPr/>
-          </p:nvSpPr>
-          <p:spPr>
-            <a:xfrm>
-              <a:off x="3327662" y="4883085"/>
-              <a:ext cx="1877437" cy="261610"/>
-            </a:xfrm>
-            <a:prstGeom prst="rect">
-              <a:avLst/>
-            </a:prstGeom>
-            <a:noFill/>
-          </p:spPr>
-          <p:txBody>
-            <a:bodyPr wrap="none" rtlCol="0">
-              <a:spAutoFit/>
-            </a:bodyPr>
-            <a:lstStyle/>
-            <a:p>
-              <a:r>
-                <a:rPr lang="zh-CN" altLang="en-US" sz="1100" b="1" dirty="0" smtClean="0"/>
-                <a:t>数字电路版上的发光二极管</a:t>
-              </a:r>
-              <a:endParaRPr lang="zh-CN" altLang="en-US" sz="1100" b="1" dirty="0"/>
-            </a:p>
-          </p:txBody>
-        </p:sp>
-      </p:grpSp>
+              <a:rPr lang="en-US" altLang="zh-CN" b="1" dirty="0" smtClean="0"/>
+              <a:t> you know nothing.</a:t>
+            </a:r>
+            <a:endParaRPr lang="zh-CN" altLang="en-US" b="1" dirty="0"/>
+          </a:p>
+        </p:txBody>
+      </p:sp>
     </p:spTree>
   </p:cSld>
   <p:clrMapOvr>
@@ -5976,83 +6164,7 @@
   <p:timing>
     <p:tnLst>
       <p:par>
-        <p:cTn id="1" dur="indefinite" restart="never" nodeType="tmRoot">
-          <p:childTnLst>
-            <p:seq concurrent="1" nextAc="seek">
-              <p:cTn id="2" dur="indefinite" nodeType="mainSeq">
-                <p:childTnLst>
-                  <p:par>
-                    <p:cTn id="3" fill="hold">
-                      <p:stCondLst>
-                        <p:cond delay="indefinite"/>
-                      </p:stCondLst>
-                      <p:childTnLst>
-                        <p:par>
-                          <p:cTn id="4" fill="hold">
-                            <p:stCondLst>
-                              <p:cond delay="0"/>
-                            </p:stCondLst>
-                            <p:childTnLst>
-                              <p:par>
-                                <p:cTn id="5" presetID="22" presetClass="entr" presetSubtype="4" fill="hold" nodeType="clickEffect">
-                                  <p:stCondLst>
-                                    <p:cond delay="0"/>
-                                  </p:stCondLst>
-                                  <p:childTnLst>
-                                    <p:set>
-                                      <p:cBhvr>
-                                        <p:cTn id="6" dur="1" fill="hold">
-                                          <p:stCondLst>
-                                            <p:cond delay="0"/>
-                                          </p:stCondLst>
-                                        </p:cTn>
-                                        <p:tgtEl>
-                                          <p:spTgt spid="6"/>
-                                        </p:tgtEl>
-                                        <p:attrNameLst>
-                                          <p:attrName>style.visibility</p:attrName>
-                                        </p:attrNameLst>
-                                      </p:cBhvr>
-                                      <p:to>
-                                        <p:strVal val="visible"/>
-                                      </p:to>
-                                    </p:set>
-                                    <p:animEffect transition="in" filter="wipe(down)">
-                                      <p:cBhvr>
-                                        <p:cTn id="7" dur="500"/>
-                                        <p:tgtEl>
-                                          <p:spTgt spid="6"/>
-                                        </p:tgtEl>
-                                      </p:cBhvr>
-                                    </p:animEffect>
-                                  </p:childTnLst>
-                                </p:cTn>
-                              </p:par>
-                            </p:childTnLst>
-                          </p:cTn>
-                        </p:par>
-                      </p:childTnLst>
-                    </p:cTn>
-                  </p:par>
-                </p:childTnLst>
-              </p:cTn>
-              <p:prevCondLst>
-                <p:cond evt="onPrev" delay="0">
-                  <p:tgtEl>
-                    <p:sldTgt/>
-                  </p:tgtEl>
-                </p:cond>
-              </p:prevCondLst>
-              <p:nextCondLst>
-                <p:cond evt="onNext" delay="0">
-                  <p:tgtEl>
-                    <p:sldTgt/>
-                  </p:tgtEl>
-                </p:cond>
-              </p:nextCondLst>
-            </p:seq>
-          </p:childTnLst>
-        </p:cTn>
+        <p:cTn id="1" dur="indefinite" restart="never" nodeType="tmRoot"/>
       </p:par>
     </p:tnLst>
   </p:timing>
@@ -6088,8 +6200,8 @@
         </p:nvSpPr>
         <p:spPr>
           <a:xfrm>
-            <a:off x="457200" y="440703"/>
-            <a:ext cx="8229600" cy="4525963"/>
+            <a:off x="457200" y="337008"/>
+            <a:ext cx="8229600" cy="5451050"/>
           </a:xfrm>
         </p:spPr>
         <p:txBody>
@@ -6098,80 +6210,1297 @@
           </a:bodyPr>
           <a:lstStyle/>
           <a:p>
-            <a:pPr>
+            <a:pPr marL="0">
               <a:buNone/>
             </a:pPr>
             <a:r>
+              <a:rPr lang="en-US" altLang="zh-CN" sz="2400" b="1" dirty="0" smtClean="0"/>
+              <a:t>1</a:t>
+            </a:r>
+            <a:r>
               <a:rPr lang="zh-CN" altLang="en-US" sz="2400" b="1" dirty="0" smtClean="0"/>
-              <a:t>②平面即时显示设备</a:t>
+              <a:t>、显示设备的历史</a:t>
             </a:r>
             <a:endParaRPr lang="en-US" altLang="zh-CN" sz="2400" b="1" dirty="0" smtClean="0"/>
           </a:p>
           <a:p>
-            <a:pPr>
+            <a:pPr marL="0">
               <a:buNone/>
             </a:pPr>
             <a:r>
               <a:rPr lang="zh-CN" altLang="en-US" sz="2400" b="1" dirty="0" smtClean="0"/>
-              <a:t>视频控制器</a:t>
+              <a:t>①最原始的</a:t>
+            </a:r>
+            <a:r>
+              <a:rPr lang="zh-CN" altLang="en-US" sz="2400" b="1" dirty="0" smtClean="0"/>
+              <a:t>：</a:t>
             </a:r>
             <a:endParaRPr lang="en-US" altLang="zh-CN" sz="2400" b="1" dirty="0" smtClean="0"/>
           </a:p>
           <a:p>
-            <a:pPr>
-              <a:buNone/>
-            </a:pPr>
-            <a:r>
-              <a:rPr lang="zh-CN" altLang="en-US" sz="2400" b="1" dirty="0" smtClean="0"/>
-              <a:t>显示处理单元</a:t>
-            </a:r>
-            <a:endParaRPr lang="en-US" altLang="zh-CN" sz="2400" b="1" dirty="0" smtClean="0"/>
-          </a:p>
-          <a:p>
-            <a:pPr lvl="1">
-              <a:buNone/>
-            </a:pPr>
-            <a:r>
-              <a:rPr lang="en-US" altLang="zh-CN" sz="2000" b="1" dirty="0" smtClean="0"/>
-              <a:t>MDA</a:t>
-            </a:r>
-          </a:p>
-          <a:p>
-            <a:pPr lvl="1">
-              <a:buNone/>
-            </a:pPr>
-            <a:r>
-              <a:rPr lang="en-US" altLang="zh-CN" sz="2000" b="1" dirty="0" smtClean="0"/>
-              <a:t>CGA</a:t>
-            </a:r>
-          </a:p>
-          <a:p>
-            <a:pPr lvl="1">
-              <a:buNone/>
-            </a:pPr>
-            <a:r>
-              <a:rPr lang="en-US" altLang="zh-CN" sz="2000" b="1" dirty="0" smtClean="0"/>
-              <a:t>VGA</a:t>
-            </a:r>
-          </a:p>
-          <a:p>
-            <a:pPr>
+            <a:pPr marL="0">
               <a:buNone/>
             </a:pPr>
             <a:endParaRPr lang="zh-CN" altLang="en-US" sz="2400" b="1" dirty="0"/>
           </a:p>
         </p:txBody>
       </p:sp>
+      <p:sp>
+        <p:nvSpPr>
+          <p:cNvPr id="7" name="圆角矩形 6"/>
+          <p:cNvSpPr/>
+          <p:nvPr/>
+        </p:nvSpPr>
+        <p:spPr>
+          <a:xfrm>
+            <a:off x="1549400" y="1882775"/>
+            <a:ext cx="1625600" cy="812800"/>
+          </a:xfrm>
+          <a:prstGeom prst="roundRect">
+            <a:avLst/>
+          </a:prstGeom>
+        </p:spPr>
+        <p:style>
+          <a:lnRef idx="2">
+            <a:schemeClr val="accent1">
+              <a:shade val="50000"/>
+            </a:schemeClr>
+          </a:lnRef>
+          <a:fillRef idx="1">
+            <a:schemeClr val="accent1"/>
+          </a:fillRef>
+          <a:effectRef idx="0">
+            <a:schemeClr val="accent1"/>
+          </a:effectRef>
+          <a:fontRef idx="minor">
+            <a:schemeClr val="lt1"/>
+          </a:fontRef>
+        </p:style>
+        <p:txBody>
+          <a:bodyPr rtlCol="0" anchor="ctr"/>
+          <a:lstStyle/>
+          <a:p>
+            <a:pPr algn="ctr"/>
+            <a:r>
+              <a:rPr lang="en-US" altLang="zh-CN" dirty="0" smtClean="0"/>
+              <a:t> </a:t>
+            </a:r>
+            <a:r>
+              <a:rPr lang="zh-CN" altLang="en-US" dirty="0" smtClean="0"/>
+              <a:t>存储设备</a:t>
+            </a:r>
+            <a:endParaRPr lang="zh-CN" altLang="en-US" dirty="0"/>
+          </a:p>
+        </p:txBody>
+      </p:sp>
+      <p:sp>
+        <p:nvSpPr>
+          <p:cNvPr id="8" name="圆角矩形 7"/>
+          <p:cNvSpPr/>
+          <p:nvPr/>
+        </p:nvSpPr>
+        <p:spPr>
+          <a:xfrm>
+            <a:off x="3898900" y="1882775"/>
+            <a:ext cx="1625600" cy="812800"/>
+          </a:xfrm>
+          <a:prstGeom prst="roundRect">
+            <a:avLst/>
+          </a:prstGeom>
+        </p:spPr>
+        <p:style>
+          <a:lnRef idx="2">
+            <a:schemeClr val="accent1">
+              <a:shade val="50000"/>
+            </a:schemeClr>
+          </a:lnRef>
+          <a:fillRef idx="1">
+            <a:schemeClr val="accent1"/>
+          </a:fillRef>
+          <a:effectRef idx="0">
+            <a:schemeClr val="accent1"/>
+          </a:effectRef>
+          <a:fontRef idx="minor">
+            <a:schemeClr val="lt1"/>
+          </a:fontRef>
+        </p:style>
+        <p:txBody>
+          <a:bodyPr rtlCol="0" anchor="ctr"/>
+          <a:lstStyle/>
+          <a:p>
+            <a:pPr algn="ctr"/>
+            <a:r>
+              <a:rPr lang="en-US" altLang="zh-CN" dirty="0" smtClean="0"/>
+              <a:t> </a:t>
+            </a:r>
+            <a:r>
+              <a:rPr lang="zh-CN" altLang="en-US" dirty="0" smtClean="0"/>
+              <a:t>转换设备</a:t>
+            </a:r>
+            <a:endParaRPr lang="zh-CN" altLang="en-US" dirty="0"/>
+          </a:p>
+        </p:txBody>
+      </p:sp>
+      <p:sp>
+        <p:nvSpPr>
+          <p:cNvPr id="9" name="圆角矩形 8"/>
+          <p:cNvSpPr/>
+          <p:nvPr/>
+        </p:nvSpPr>
+        <p:spPr>
+          <a:xfrm>
+            <a:off x="6261100" y="1882775"/>
+            <a:ext cx="1625600" cy="812800"/>
+          </a:xfrm>
+          <a:prstGeom prst="roundRect">
+            <a:avLst/>
+          </a:prstGeom>
+        </p:spPr>
+        <p:style>
+          <a:lnRef idx="2">
+            <a:schemeClr val="accent1">
+              <a:shade val="50000"/>
+            </a:schemeClr>
+          </a:lnRef>
+          <a:fillRef idx="1">
+            <a:schemeClr val="accent1"/>
+          </a:fillRef>
+          <a:effectRef idx="0">
+            <a:schemeClr val="accent1"/>
+          </a:effectRef>
+          <a:fontRef idx="minor">
+            <a:schemeClr val="lt1"/>
+          </a:fontRef>
+        </p:style>
+        <p:txBody>
+          <a:bodyPr rtlCol="0" anchor="ctr"/>
+          <a:lstStyle/>
+          <a:p>
+            <a:pPr algn="ctr"/>
+            <a:r>
+              <a:rPr lang="en-US" altLang="zh-CN" dirty="0" smtClean="0"/>
+              <a:t> </a:t>
+            </a:r>
+            <a:r>
+              <a:rPr lang="zh-CN" altLang="en-US" dirty="0" smtClean="0"/>
+              <a:t>显示设备</a:t>
+            </a:r>
+            <a:endParaRPr lang="zh-CN" altLang="en-US" dirty="0"/>
+          </a:p>
+        </p:txBody>
+      </p:sp>
+      <p:cxnSp>
+        <p:nvCxnSpPr>
+          <p:cNvPr id="11" name="直接箭头连接符 10"/>
+          <p:cNvCxnSpPr>
+            <a:stCxn id="7" idx="3"/>
+            <a:endCxn id="8" idx="1"/>
+          </p:cNvCxnSpPr>
+          <p:nvPr/>
+        </p:nvCxnSpPr>
+        <p:spPr>
+          <a:xfrm>
+            <a:off x="3175000" y="2289175"/>
+            <a:ext cx="723900" cy="1588"/>
+          </a:xfrm>
+          <a:prstGeom prst="straightConnector1">
+            <a:avLst/>
+          </a:prstGeom>
+          <a:ln>
+            <a:tailEnd type="arrow"/>
+          </a:ln>
+        </p:spPr>
+        <p:style>
+          <a:lnRef idx="1">
+            <a:schemeClr val="accent1"/>
+          </a:lnRef>
+          <a:fillRef idx="0">
+            <a:schemeClr val="accent1"/>
+          </a:fillRef>
+          <a:effectRef idx="0">
+            <a:schemeClr val="accent1"/>
+          </a:effectRef>
+          <a:fontRef idx="minor">
+            <a:schemeClr val="tx1"/>
+          </a:fontRef>
+        </p:style>
+      </p:cxnSp>
+      <p:cxnSp>
+        <p:nvCxnSpPr>
+          <p:cNvPr id="12" name="直接箭头连接符 11"/>
+          <p:cNvCxnSpPr/>
+          <p:nvPr/>
+        </p:nvCxnSpPr>
+        <p:spPr>
+          <a:xfrm>
+            <a:off x="5524500" y="2251075"/>
+            <a:ext cx="723900" cy="1588"/>
+          </a:xfrm>
+          <a:prstGeom prst="straightConnector1">
+            <a:avLst/>
+          </a:prstGeom>
+          <a:ln>
+            <a:tailEnd type="arrow"/>
+          </a:ln>
+        </p:spPr>
+        <p:style>
+          <a:lnRef idx="1">
+            <a:schemeClr val="accent1"/>
+          </a:lnRef>
+          <a:fillRef idx="0">
+            <a:schemeClr val="accent1"/>
+          </a:fillRef>
+          <a:effectRef idx="0">
+            <a:schemeClr val="accent1"/>
+          </a:effectRef>
+          <a:fontRef idx="minor">
+            <a:schemeClr val="tx1"/>
+          </a:fontRef>
+        </p:style>
+      </p:cxnSp>
+      <p:sp>
+        <p:nvSpPr>
+          <p:cNvPr id="13" name="矩形 12"/>
+          <p:cNvSpPr/>
+          <p:nvPr/>
+        </p:nvSpPr>
+        <p:spPr>
+          <a:xfrm>
+            <a:off x="5986387" y="2872730"/>
+            <a:ext cx="2421014" cy="369332"/>
+          </a:xfrm>
+          <a:prstGeom prst="rect">
+            <a:avLst/>
+          </a:prstGeom>
+        </p:spPr>
+        <p:txBody>
+          <a:bodyPr wrap="square">
+            <a:spAutoFit/>
+          </a:bodyPr>
+          <a:lstStyle/>
+          <a:p>
+            <a:r>
+              <a:rPr lang="zh-CN" altLang="en-US" b="1" dirty="0" smtClean="0">
+                <a:solidFill>
+                  <a:prstClr val="black"/>
+                </a:solidFill>
+              </a:rPr>
+              <a:t>纸带</a:t>
+            </a:r>
+            <a:r>
+              <a:rPr lang="zh-CN" altLang="en-US" b="1" dirty="0" smtClean="0"/>
+              <a:t>（配备打孔机</a:t>
+            </a:r>
+            <a:r>
+              <a:rPr lang="zh-CN" altLang="en-US" b="1" dirty="0" smtClean="0"/>
+              <a:t>）</a:t>
+            </a:r>
+            <a:endParaRPr lang="zh-CN" altLang="en-US" dirty="0"/>
+          </a:p>
+        </p:txBody>
+      </p:sp>
+      <p:sp>
+        <p:nvSpPr>
+          <p:cNvPr id="14" name="矩形 13"/>
+          <p:cNvSpPr/>
+          <p:nvPr/>
+        </p:nvSpPr>
+        <p:spPr>
+          <a:xfrm>
+            <a:off x="6735687" y="3317230"/>
+            <a:ext cx="649537" cy="369332"/>
+          </a:xfrm>
+          <a:prstGeom prst="rect">
+            <a:avLst/>
+          </a:prstGeom>
+        </p:spPr>
+        <p:txBody>
+          <a:bodyPr wrap="none">
+            <a:spAutoFit/>
+          </a:bodyPr>
+          <a:lstStyle/>
+          <a:p>
+            <a:r>
+              <a:rPr lang="zh-CN" altLang="en-US" b="1" dirty="0" smtClean="0">
+                <a:solidFill>
+                  <a:prstClr val="black"/>
+                </a:solidFill>
+              </a:rPr>
+              <a:t>灯泡</a:t>
+            </a:r>
+            <a:endParaRPr lang="zh-CN" altLang="en-US" dirty="0"/>
+          </a:p>
+        </p:txBody>
+      </p:sp>
+      <p:sp>
+        <p:nvSpPr>
+          <p:cNvPr id="16" name="矩形 15"/>
+          <p:cNvSpPr/>
+          <p:nvPr/>
+        </p:nvSpPr>
+        <p:spPr>
+          <a:xfrm>
+            <a:off x="4246487" y="2872730"/>
+            <a:ext cx="1189113" cy="369332"/>
+          </a:xfrm>
+          <a:prstGeom prst="rect">
+            <a:avLst/>
+          </a:prstGeom>
+        </p:spPr>
+        <p:txBody>
+          <a:bodyPr wrap="square">
+            <a:spAutoFit/>
+          </a:bodyPr>
+          <a:lstStyle/>
+          <a:p>
+            <a:r>
+              <a:rPr lang="en-US" altLang="zh-CN" b="1" dirty="0" smtClean="0">
+                <a:solidFill>
+                  <a:prstClr val="black"/>
+                </a:solidFill>
+              </a:rPr>
+              <a:t> </a:t>
+            </a:r>
+            <a:r>
+              <a:rPr lang="zh-CN" altLang="en-US" b="1" dirty="0" smtClean="0">
+                <a:solidFill>
+                  <a:prstClr val="black"/>
+                </a:solidFill>
+              </a:rPr>
+              <a:t>继电器</a:t>
+            </a:r>
+            <a:endParaRPr lang="zh-CN" altLang="en-US" dirty="0"/>
+          </a:p>
+        </p:txBody>
+      </p:sp>
+      <p:sp>
+        <p:nvSpPr>
+          <p:cNvPr id="17" name="矩形 16"/>
+          <p:cNvSpPr/>
+          <p:nvPr/>
+        </p:nvSpPr>
+        <p:spPr>
+          <a:xfrm>
+            <a:off x="4144887" y="3317230"/>
+            <a:ext cx="1189113" cy="369332"/>
+          </a:xfrm>
+          <a:prstGeom prst="rect">
+            <a:avLst/>
+          </a:prstGeom>
+        </p:spPr>
+        <p:txBody>
+          <a:bodyPr wrap="square">
+            <a:spAutoFit/>
+          </a:bodyPr>
+          <a:lstStyle/>
+          <a:p>
+            <a:r>
+              <a:rPr lang="zh-CN" altLang="en-US" b="1" dirty="0" smtClean="0"/>
+              <a:t>放大电路</a:t>
+            </a:r>
+            <a:endParaRPr lang="zh-CN" altLang="en-US" b="1" dirty="0"/>
+          </a:p>
+        </p:txBody>
+      </p:sp>
+      <p:sp>
+        <p:nvSpPr>
+          <p:cNvPr id="18" name="TextBox 17"/>
+          <p:cNvSpPr txBox="1"/>
+          <p:nvPr/>
+        </p:nvSpPr>
+        <p:spPr>
+          <a:xfrm>
+            <a:off x="1727200" y="3025775"/>
+            <a:ext cx="1107996" cy="369332"/>
+          </a:xfrm>
+          <a:prstGeom prst="rect">
+            <a:avLst/>
+          </a:prstGeom>
+          <a:noFill/>
+        </p:spPr>
+        <p:txBody>
+          <a:bodyPr wrap="none" rtlCol="0">
+            <a:spAutoFit/>
+          </a:bodyPr>
+          <a:lstStyle/>
+          <a:p>
+            <a:r>
+              <a:rPr lang="zh-CN" altLang="en-US" b="1" dirty="0" smtClean="0"/>
+              <a:t>存储芯片</a:t>
+            </a:r>
+            <a:endParaRPr lang="zh-CN" altLang="en-US" b="1" dirty="0"/>
+          </a:p>
+        </p:txBody>
+      </p:sp>
+      <p:sp>
+        <p:nvSpPr>
+          <p:cNvPr id="22" name="圆角矩形 21"/>
+          <p:cNvSpPr/>
+          <p:nvPr/>
+        </p:nvSpPr>
+        <p:spPr>
+          <a:xfrm>
+            <a:off x="2095500" y="3800475"/>
+            <a:ext cx="495300" cy="1524000"/>
+          </a:xfrm>
+          <a:prstGeom prst="roundRect">
+            <a:avLst/>
+          </a:prstGeom>
+          <a:noFill/>
+          <a:ln>
+            <a:solidFill>
+              <a:schemeClr val="tx1"/>
+            </a:solidFill>
+          </a:ln>
+        </p:spPr>
+        <p:style>
+          <a:lnRef idx="2">
+            <a:schemeClr val="accent1">
+              <a:shade val="50000"/>
+            </a:schemeClr>
+          </a:lnRef>
+          <a:fillRef idx="1">
+            <a:schemeClr val="accent1"/>
+          </a:fillRef>
+          <a:effectRef idx="0">
+            <a:schemeClr val="accent1"/>
+          </a:effectRef>
+          <a:fontRef idx="minor">
+            <a:schemeClr val="lt1"/>
+          </a:fontRef>
+        </p:style>
+        <p:txBody>
+          <a:bodyPr rtlCol="0" anchor="ctr"/>
+          <a:lstStyle/>
+          <a:p>
+            <a:pPr algn="ctr"/>
+            <a:endParaRPr lang="zh-CN" altLang="en-US"/>
+          </a:p>
+        </p:txBody>
+      </p:sp>
+      <p:cxnSp>
+        <p:nvCxnSpPr>
+          <p:cNvPr id="24" name="直接连接符 23"/>
+          <p:cNvCxnSpPr/>
+          <p:nvPr/>
+        </p:nvCxnSpPr>
+        <p:spPr>
+          <a:xfrm>
+            <a:off x="2095500" y="4111625"/>
+            <a:ext cx="485775" cy="3175"/>
+          </a:xfrm>
+          <a:prstGeom prst="line">
+            <a:avLst/>
+          </a:prstGeom>
+          <a:ln w="25400">
+            <a:solidFill>
+              <a:schemeClr val="tx1"/>
+            </a:solidFill>
+          </a:ln>
+        </p:spPr>
+        <p:style>
+          <a:lnRef idx="1">
+            <a:schemeClr val="accent1"/>
+          </a:lnRef>
+          <a:fillRef idx="0">
+            <a:schemeClr val="accent1"/>
+          </a:fillRef>
+          <a:effectRef idx="0">
+            <a:schemeClr val="accent1"/>
+          </a:effectRef>
+          <a:fontRef idx="minor">
+            <a:schemeClr val="tx1"/>
+          </a:fontRef>
+        </p:style>
+      </p:cxnSp>
+      <p:cxnSp>
+        <p:nvCxnSpPr>
+          <p:cNvPr id="28" name="直接连接符 27"/>
+          <p:cNvCxnSpPr/>
+          <p:nvPr/>
+        </p:nvCxnSpPr>
+        <p:spPr>
+          <a:xfrm>
+            <a:off x="2095500" y="4429125"/>
+            <a:ext cx="485775" cy="3175"/>
+          </a:xfrm>
+          <a:prstGeom prst="line">
+            <a:avLst/>
+          </a:prstGeom>
+          <a:ln w="25400">
+            <a:solidFill>
+              <a:schemeClr val="tx1"/>
+            </a:solidFill>
+          </a:ln>
+        </p:spPr>
+        <p:style>
+          <a:lnRef idx="1">
+            <a:schemeClr val="accent1"/>
+          </a:lnRef>
+          <a:fillRef idx="0">
+            <a:schemeClr val="accent1"/>
+          </a:fillRef>
+          <a:effectRef idx="0">
+            <a:schemeClr val="accent1"/>
+          </a:effectRef>
+          <a:fontRef idx="minor">
+            <a:schemeClr val="tx1"/>
+          </a:fontRef>
+        </p:style>
+      </p:cxnSp>
+      <p:cxnSp>
+        <p:nvCxnSpPr>
+          <p:cNvPr id="29" name="直接连接符 28"/>
+          <p:cNvCxnSpPr/>
+          <p:nvPr/>
+        </p:nvCxnSpPr>
+        <p:spPr>
+          <a:xfrm>
+            <a:off x="2101850" y="4746625"/>
+            <a:ext cx="485775" cy="3175"/>
+          </a:xfrm>
+          <a:prstGeom prst="line">
+            <a:avLst/>
+          </a:prstGeom>
+          <a:ln w="25400">
+            <a:solidFill>
+              <a:schemeClr val="tx1"/>
+            </a:solidFill>
+          </a:ln>
+        </p:spPr>
+        <p:style>
+          <a:lnRef idx="1">
+            <a:schemeClr val="accent1"/>
+          </a:lnRef>
+          <a:fillRef idx="0">
+            <a:schemeClr val="accent1"/>
+          </a:fillRef>
+          <a:effectRef idx="0">
+            <a:schemeClr val="accent1"/>
+          </a:effectRef>
+          <a:fontRef idx="minor">
+            <a:schemeClr val="tx1"/>
+          </a:fontRef>
+        </p:style>
+      </p:cxnSp>
+      <p:cxnSp>
+        <p:nvCxnSpPr>
+          <p:cNvPr id="30" name="直接连接符 29"/>
+          <p:cNvCxnSpPr/>
+          <p:nvPr/>
+        </p:nvCxnSpPr>
+        <p:spPr>
+          <a:xfrm>
+            <a:off x="2101850" y="5038725"/>
+            <a:ext cx="485775" cy="3175"/>
+          </a:xfrm>
+          <a:prstGeom prst="line">
+            <a:avLst/>
+          </a:prstGeom>
+          <a:ln w="25400">
+            <a:solidFill>
+              <a:schemeClr val="tx1"/>
+            </a:solidFill>
+          </a:ln>
+        </p:spPr>
+        <p:style>
+          <a:lnRef idx="1">
+            <a:schemeClr val="accent1"/>
+          </a:lnRef>
+          <a:fillRef idx="0">
+            <a:schemeClr val="accent1"/>
+          </a:fillRef>
+          <a:effectRef idx="0">
+            <a:schemeClr val="accent1"/>
+          </a:effectRef>
+          <a:fontRef idx="minor">
+            <a:schemeClr val="tx1"/>
+          </a:fontRef>
+        </p:style>
+      </p:cxnSp>
+      <p:sp>
+        <p:nvSpPr>
+          <p:cNvPr id="31" name="TextBox 30"/>
+          <p:cNvSpPr txBox="1"/>
+          <p:nvPr/>
+        </p:nvSpPr>
+        <p:spPr>
+          <a:xfrm>
+            <a:off x="2185991" y="3781425"/>
+            <a:ext cx="301686" cy="369332"/>
+          </a:xfrm>
+          <a:prstGeom prst="rect">
+            <a:avLst/>
+          </a:prstGeom>
+          <a:noFill/>
+        </p:spPr>
+        <p:txBody>
+          <a:bodyPr wrap="none" rtlCol="0">
+            <a:spAutoFit/>
+          </a:bodyPr>
+          <a:lstStyle/>
+          <a:p>
+            <a:r>
+              <a:rPr lang="en-US" altLang="zh-CN" dirty="0" smtClean="0"/>
+              <a:t>1</a:t>
+            </a:r>
+            <a:endParaRPr lang="zh-CN" altLang="en-US" dirty="0"/>
+          </a:p>
+        </p:txBody>
+      </p:sp>
+      <p:sp>
+        <p:nvSpPr>
+          <p:cNvPr id="32" name="TextBox 31"/>
+          <p:cNvSpPr txBox="1"/>
+          <p:nvPr/>
+        </p:nvSpPr>
+        <p:spPr>
+          <a:xfrm>
+            <a:off x="2185991" y="4086225"/>
+            <a:ext cx="301686" cy="369332"/>
+          </a:xfrm>
+          <a:prstGeom prst="rect">
+            <a:avLst/>
+          </a:prstGeom>
+          <a:noFill/>
+        </p:spPr>
+        <p:txBody>
+          <a:bodyPr wrap="none" rtlCol="0">
+            <a:spAutoFit/>
+          </a:bodyPr>
+          <a:lstStyle/>
+          <a:p>
+            <a:r>
+              <a:rPr lang="en-US" altLang="zh-CN" dirty="0" smtClean="0"/>
+              <a:t>0</a:t>
+            </a:r>
+            <a:endParaRPr lang="zh-CN" altLang="en-US" dirty="0"/>
+          </a:p>
+        </p:txBody>
+      </p:sp>
+      <p:sp>
+        <p:nvSpPr>
+          <p:cNvPr id="33" name="TextBox 32"/>
+          <p:cNvSpPr txBox="1"/>
+          <p:nvPr/>
+        </p:nvSpPr>
+        <p:spPr>
+          <a:xfrm>
+            <a:off x="2185991" y="4419599"/>
+            <a:ext cx="301686" cy="369332"/>
+          </a:xfrm>
+          <a:prstGeom prst="rect">
+            <a:avLst/>
+          </a:prstGeom>
+          <a:noFill/>
+        </p:spPr>
+        <p:txBody>
+          <a:bodyPr wrap="none" rtlCol="0">
+            <a:spAutoFit/>
+          </a:bodyPr>
+          <a:lstStyle/>
+          <a:p>
+            <a:r>
+              <a:rPr lang="en-US" altLang="zh-CN" dirty="0" smtClean="0"/>
+              <a:t>1</a:t>
+            </a:r>
+            <a:endParaRPr lang="zh-CN" altLang="en-US" dirty="0"/>
+          </a:p>
+        </p:txBody>
+      </p:sp>
+      <p:sp>
+        <p:nvSpPr>
+          <p:cNvPr id="34" name="TextBox 33"/>
+          <p:cNvSpPr txBox="1"/>
+          <p:nvPr/>
+        </p:nvSpPr>
+        <p:spPr>
+          <a:xfrm>
+            <a:off x="2185991" y="4695825"/>
+            <a:ext cx="301686" cy="369332"/>
+          </a:xfrm>
+          <a:prstGeom prst="rect">
+            <a:avLst/>
+          </a:prstGeom>
+          <a:noFill/>
+        </p:spPr>
+        <p:txBody>
+          <a:bodyPr wrap="none" rtlCol="0">
+            <a:spAutoFit/>
+          </a:bodyPr>
+          <a:lstStyle/>
+          <a:p>
+            <a:r>
+              <a:rPr lang="en-US" altLang="zh-CN" dirty="0" smtClean="0"/>
+              <a:t>1</a:t>
+            </a:r>
+            <a:endParaRPr lang="zh-CN" altLang="en-US" dirty="0"/>
+          </a:p>
+        </p:txBody>
+      </p:sp>
+      <p:sp>
+        <p:nvSpPr>
+          <p:cNvPr id="35" name="TextBox 34"/>
+          <p:cNvSpPr txBox="1"/>
+          <p:nvPr/>
+        </p:nvSpPr>
+        <p:spPr>
+          <a:xfrm>
+            <a:off x="2185991" y="5000625"/>
+            <a:ext cx="301686" cy="369332"/>
+          </a:xfrm>
+          <a:prstGeom prst="rect">
+            <a:avLst/>
+          </a:prstGeom>
+          <a:noFill/>
+        </p:spPr>
+        <p:txBody>
+          <a:bodyPr wrap="none" rtlCol="0">
+            <a:spAutoFit/>
+          </a:bodyPr>
+          <a:lstStyle/>
+          <a:p>
+            <a:r>
+              <a:rPr lang="en-US" altLang="zh-CN" dirty="0" smtClean="0"/>
+              <a:t>0</a:t>
+            </a:r>
+            <a:endParaRPr lang="zh-CN" altLang="en-US" dirty="0"/>
+          </a:p>
+        </p:txBody>
+      </p:sp>
+      <p:sp>
+        <p:nvSpPr>
+          <p:cNvPr id="36" name="圆角矩形 35"/>
+          <p:cNvSpPr/>
+          <p:nvPr/>
+        </p:nvSpPr>
+        <p:spPr>
+          <a:xfrm>
+            <a:off x="6692900" y="3759835"/>
+            <a:ext cx="533400" cy="1609090"/>
+          </a:xfrm>
+          <a:prstGeom prst="roundRect">
+            <a:avLst/>
+          </a:prstGeom>
+          <a:noFill/>
+          <a:ln>
+            <a:solidFill>
+              <a:schemeClr val="tx1"/>
+            </a:solidFill>
+          </a:ln>
+        </p:spPr>
+        <p:style>
+          <a:lnRef idx="2">
+            <a:schemeClr val="accent1">
+              <a:shade val="50000"/>
+            </a:schemeClr>
+          </a:lnRef>
+          <a:fillRef idx="1">
+            <a:schemeClr val="accent1"/>
+          </a:fillRef>
+          <a:effectRef idx="0">
+            <a:schemeClr val="accent1"/>
+          </a:effectRef>
+          <a:fontRef idx="minor">
+            <a:schemeClr val="lt1"/>
+          </a:fontRef>
+        </p:style>
+        <p:txBody>
+          <a:bodyPr rtlCol="0" anchor="ctr"/>
+          <a:lstStyle/>
+          <a:p>
+            <a:pPr algn="ctr"/>
+            <a:endParaRPr lang="zh-CN" altLang="en-US"/>
+          </a:p>
+        </p:txBody>
+      </p:sp>
+      <p:sp>
+        <p:nvSpPr>
+          <p:cNvPr id="37" name="椭圆 36"/>
+          <p:cNvSpPr/>
+          <p:nvPr/>
+        </p:nvSpPr>
+        <p:spPr>
+          <a:xfrm>
+            <a:off x="6871335" y="3890010"/>
+            <a:ext cx="154940" cy="154940"/>
+          </a:xfrm>
+          <a:prstGeom prst="ellipse">
+            <a:avLst/>
+          </a:prstGeom>
+          <a:noFill/>
+          <a:ln>
+            <a:solidFill>
+              <a:schemeClr val="tx1"/>
+            </a:solidFill>
+          </a:ln>
+        </p:spPr>
+        <p:style>
+          <a:lnRef idx="2">
+            <a:schemeClr val="accent1">
+              <a:shade val="50000"/>
+            </a:schemeClr>
+          </a:lnRef>
+          <a:fillRef idx="1">
+            <a:schemeClr val="accent1"/>
+          </a:fillRef>
+          <a:effectRef idx="0">
+            <a:schemeClr val="accent1"/>
+          </a:effectRef>
+          <a:fontRef idx="minor">
+            <a:schemeClr val="lt1"/>
+          </a:fontRef>
+        </p:style>
+        <p:txBody>
+          <a:bodyPr rtlCol="0" anchor="ctr"/>
+          <a:lstStyle/>
+          <a:p>
+            <a:pPr algn="ctr"/>
+            <a:endParaRPr lang="zh-CN" altLang="en-US"/>
+          </a:p>
+        </p:txBody>
+      </p:sp>
+      <p:cxnSp>
+        <p:nvCxnSpPr>
+          <p:cNvPr id="39" name="直接连接符 38"/>
+          <p:cNvCxnSpPr/>
+          <p:nvPr/>
+        </p:nvCxnSpPr>
+        <p:spPr>
+          <a:xfrm>
+            <a:off x="2773680" y="3975735"/>
+            <a:ext cx="3832860" cy="1588"/>
+          </a:xfrm>
+          <a:prstGeom prst="line">
+            <a:avLst/>
+          </a:prstGeom>
+          <a:ln>
+            <a:prstDash val="dash"/>
+          </a:ln>
+        </p:spPr>
+        <p:style>
+          <a:lnRef idx="1">
+            <a:schemeClr val="accent1"/>
+          </a:lnRef>
+          <a:fillRef idx="0">
+            <a:schemeClr val="accent1"/>
+          </a:fillRef>
+          <a:effectRef idx="0">
+            <a:schemeClr val="accent1"/>
+          </a:effectRef>
+          <a:fontRef idx="minor">
+            <a:schemeClr val="tx1"/>
+          </a:fontRef>
+        </p:style>
+      </p:cxnSp>
+      <p:cxnSp>
+        <p:nvCxnSpPr>
+          <p:cNvPr id="40" name="直接连接符 39"/>
+          <p:cNvCxnSpPr/>
+          <p:nvPr/>
+        </p:nvCxnSpPr>
+        <p:spPr>
+          <a:xfrm>
+            <a:off x="2773680" y="4295775"/>
+            <a:ext cx="3832860" cy="1588"/>
+          </a:xfrm>
+          <a:prstGeom prst="line">
+            <a:avLst/>
+          </a:prstGeom>
+          <a:ln>
+            <a:prstDash val="dash"/>
+          </a:ln>
+        </p:spPr>
+        <p:style>
+          <a:lnRef idx="1">
+            <a:schemeClr val="accent1"/>
+          </a:lnRef>
+          <a:fillRef idx="0">
+            <a:schemeClr val="accent1"/>
+          </a:fillRef>
+          <a:effectRef idx="0">
+            <a:schemeClr val="accent1"/>
+          </a:effectRef>
+          <a:fontRef idx="minor">
+            <a:schemeClr val="tx1"/>
+          </a:fontRef>
+        </p:style>
+      </p:cxnSp>
+      <p:cxnSp>
+        <p:nvCxnSpPr>
+          <p:cNvPr id="41" name="直接连接符 40"/>
+          <p:cNvCxnSpPr/>
+          <p:nvPr/>
+        </p:nvCxnSpPr>
+        <p:spPr>
+          <a:xfrm>
+            <a:off x="2758440" y="4615815"/>
+            <a:ext cx="3832860" cy="1588"/>
+          </a:xfrm>
+          <a:prstGeom prst="line">
+            <a:avLst/>
+          </a:prstGeom>
+          <a:ln>
+            <a:prstDash val="dash"/>
+          </a:ln>
+        </p:spPr>
+        <p:style>
+          <a:lnRef idx="1">
+            <a:schemeClr val="accent1"/>
+          </a:lnRef>
+          <a:fillRef idx="0">
+            <a:schemeClr val="accent1"/>
+          </a:fillRef>
+          <a:effectRef idx="0">
+            <a:schemeClr val="accent1"/>
+          </a:effectRef>
+          <a:fontRef idx="minor">
+            <a:schemeClr val="tx1"/>
+          </a:fontRef>
+        </p:style>
+      </p:cxnSp>
+      <p:cxnSp>
+        <p:nvCxnSpPr>
+          <p:cNvPr id="42" name="直接连接符 41"/>
+          <p:cNvCxnSpPr/>
+          <p:nvPr/>
+        </p:nvCxnSpPr>
+        <p:spPr>
+          <a:xfrm>
+            <a:off x="2758440" y="4905375"/>
+            <a:ext cx="3832860" cy="1588"/>
+          </a:xfrm>
+          <a:prstGeom prst="line">
+            <a:avLst/>
+          </a:prstGeom>
+          <a:ln>
+            <a:prstDash val="dash"/>
+          </a:ln>
+        </p:spPr>
+        <p:style>
+          <a:lnRef idx="1">
+            <a:schemeClr val="accent1"/>
+          </a:lnRef>
+          <a:fillRef idx="0">
+            <a:schemeClr val="accent1"/>
+          </a:fillRef>
+          <a:effectRef idx="0">
+            <a:schemeClr val="accent1"/>
+          </a:effectRef>
+          <a:fontRef idx="minor">
+            <a:schemeClr val="tx1"/>
+          </a:fontRef>
+        </p:style>
+      </p:cxnSp>
+      <p:cxnSp>
+        <p:nvCxnSpPr>
+          <p:cNvPr id="43" name="直接连接符 42"/>
+          <p:cNvCxnSpPr/>
+          <p:nvPr/>
+        </p:nvCxnSpPr>
+        <p:spPr>
+          <a:xfrm>
+            <a:off x="2712720" y="5210175"/>
+            <a:ext cx="3832860" cy="1588"/>
+          </a:xfrm>
+          <a:prstGeom prst="line">
+            <a:avLst/>
+          </a:prstGeom>
+          <a:ln>
+            <a:prstDash val="dash"/>
+          </a:ln>
+        </p:spPr>
+        <p:style>
+          <a:lnRef idx="1">
+            <a:schemeClr val="accent1"/>
+          </a:lnRef>
+          <a:fillRef idx="0">
+            <a:schemeClr val="accent1"/>
+          </a:fillRef>
+          <a:effectRef idx="0">
+            <a:schemeClr val="accent1"/>
+          </a:effectRef>
+          <a:fontRef idx="minor">
+            <a:schemeClr val="tx1"/>
+          </a:fontRef>
+        </p:style>
+      </p:cxnSp>
+      <p:sp>
+        <p:nvSpPr>
+          <p:cNvPr id="44" name="椭圆 43"/>
+          <p:cNvSpPr/>
+          <p:nvPr/>
+        </p:nvSpPr>
+        <p:spPr>
+          <a:xfrm>
+            <a:off x="6880860" y="4547235"/>
+            <a:ext cx="154940" cy="154940"/>
+          </a:xfrm>
+          <a:prstGeom prst="ellipse">
+            <a:avLst/>
+          </a:prstGeom>
+          <a:noFill/>
+          <a:ln>
+            <a:solidFill>
+              <a:schemeClr val="tx1"/>
+            </a:solidFill>
+          </a:ln>
+        </p:spPr>
+        <p:style>
+          <a:lnRef idx="2">
+            <a:schemeClr val="accent1">
+              <a:shade val="50000"/>
+            </a:schemeClr>
+          </a:lnRef>
+          <a:fillRef idx="1">
+            <a:schemeClr val="accent1"/>
+          </a:fillRef>
+          <a:effectRef idx="0">
+            <a:schemeClr val="accent1"/>
+          </a:effectRef>
+          <a:fontRef idx="minor">
+            <a:schemeClr val="lt1"/>
+          </a:fontRef>
+        </p:style>
+        <p:txBody>
+          <a:bodyPr rtlCol="0" anchor="ctr"/>
+          <a:lstStyle/>
+          <a:p>
+            <a:pPr algn="ctr"/>
+            <a:endParaRPr lang="zh-CN" altLang="en-US"/>
+          </a:p>
+        </p:txBody>
+      </p:sp>
+      <p:sp>
+        <p:nvSpPr>
+          <p:cNvPr id="45" name="椭圆 44"/>
+          <p:cNvSpPr/>
+          <p:nvPr/>
+        </p:nvSpPr>
+        <p:spPr>
+          <a:xfrm>
+            <a:off x="6880860" y="4832985"/>
+            <a:ext cx="154940" cy="154940"/>
+          </a:xfrm>
+          <a:prstGeom prst="ellipse">
+            <a:avLst/>
+          </a:prstGeom>
+          <a:noFill/>
+          <a:ln>
+            <a:solidFill>
+              <a:schemeClr val="tx1"/>
+            </a:solidFill>
+          </a:ln>
+        </p:spPr>
+        <p:style>
+          <a:lnRef idx="2">
+            <a:schemeClr val="accent1">
+              <a:shade val="50000"/>
+            </a:schemeClr>
+          </a:lnRef>
+          <a:fillRef idx="1">
+            <a:schemeClr val="accent1"/>
+          </a:fillRef>
+          <a:effectRef idx="0">
+            <a:schemeClr val="accent1"/>
+          </a:effectRef>
+          <a:fontRef idx="minor">
+            <a:schemeClr val="lt1"/>
+          </a:fontRef>
+        </p:style>
+        <p:txBody>
+          <a:bodyPr rtlCol="0" anchor="ctr"/>
+          <a:lstStyle/>
+          <a:p>
+            <a:pPr algn="ctr"/>
+            <a:endParaRPr lang="zh-CN" altLang="en-US"/>
+          </a:p>
+        </p:txBody>
+      </p:sp>
+      <p:cxnSp>
+        <p:nvCxnSpPr>
+          <p:cNvPr id="46" name="直接连接符 45"/>
+          <p:cNvCxnSpPr/>
+          <p:nvPr/>
+        </p:nvCxnSpPr>
+        <p:spPr>
+          <a:xfrm flipV="1">
+            <a:off x="6704330" y="4781550"/>
+            <a:ext cx="515620" cy="635"/>
+          </a:xfrm>
+          <a:prstGeom prst="line">
+            <a:avLst/>
+          </a:prstGeom>
+          <a:ln>
+            <a:solidFill>
+              <a:schemeClr val="tx1"/>
+            </a:solidFill>
+            <a:prstDash val="dash"/>
+          </a:ln>
+        </p:spPr>
+        <p:style>
+          <a:lnRef idx="1">
+            <a:schemeClr val="accent1"/>
+          </a:lnRef>
+          <a:fillRef idx="0">
+            <a:schemeClr val="accent1"/>
+          </a:fillRef>
+          <a:effectRef idx="0">
+            <a:schemeClr val="accent1"/>
+          </a:effectRef>
+          <a:fontRef idx="minor">
+            <a:schemeClr val="tx1"/>
+          </a:fontRef>
+        </p:style>
+      </p:cxnSp>
+      <p:cxnSp>
+        <p:nvCxnSpPr>
+          <p:cNvPr id="51" name="直接连接符 50"/>
+          <p:cNvCxnSpPr/>
+          <p:nvPr/>
+        </p:nvCxnSpPr>
+        <p:spPr>
+          <a:xfrm flipV="1">
+            <a:off x="6704330" y="5092700"/>
+            <a:ext cx="515620" cy="635"/>
+          </a:xfrm>
+          <a:prstGeom prst="line">
+            <a:avLst/>
+          </a:prstGeom>
+          <a:ln>
+            <a:solidFill>
+              <a:schemeClr val="tx1"/>
+            </a:solidFill>
+            <a:prstDash val="dash"/>
+          </a:ln>
+        </p:spPr>
+        <p:style>
+          <a:lnRef idx="1">
+            <a:schemeClr val="accent1"/>
+          </a:lnRef>
+          <a:fillRef idx="0">
+            <a:schemeClr val="accent1"/>
+          </a:fillRef>
+          <a:effectRef idx="0">
+            <a:schemeClr val="accent1"/>
+          </a:effectRef>
+          <a:fontRef idx="minor">
+            <a:schemeClr val="tx1"/>
+          </a:fontRef>
+        </p:style>
+      </p:cxnSp>
+      <p:cxnSp>
+        <p:nvCxnSpPr>
+          <p:cNvPr id="52" name="直接连接符 51"/>
+          <p:cNvCxnSpPr/>
+          <p:nvPr/>
+        </p:nvCxnSpPr>
+        <p:spPr>
+          <a:xfrm flipV="1">
+            <a:off x="6710680" y="4438650"/>
+            <a:ext cx="515620" cy="635"/>
+          </a:xfrm>
+          <a:prstGeom prst="line">
+            <a:avLst/>
+          </a:prstGeom>
+          <a:ln>
+            <a:solidFill>
+              <a:schemeClr val="tx1"/>
+            </a:solidFill>
+            <a:prstDash val="dash"/>
+          </a:ln>
+        </p:spPr>
+        <p:style>
+          <a:lnRef idx="1">
+            <a:schemeClr val="accent1"/>
+          </a:lnRef>
+          <a:fillRef idx="0">
+            <a:schemeClr val="accent1"/>
+          </a:fillRef>
+          <a:effectRef idx="0">
+            <a:schemeClr val="accent1"/>
+          </a:effectRef>
+          <a:fontRef idx="minor">
+            <a:schemeClr val="tx1"/>
+          </a:fontRef>
+        </p:style>
+      </p:cxnSp>
+      <p:cxnSp>
+        <p:nvCxnSpPr>
+          <p:cNvPr id="53" name="直接连接符 52"/>
+          <p:cNvCxnSpPr/>
+          <p:nvPr/>
+        </p:nvCxnSpPr>
+        <p:spPr>
+          <a:xfrm flipV="1">
+            <a:off x="6710680" y="4108450"/>
+            <a:ext cx="515620" cy="635"/>
+          </a:xfrm>
+          <a:prstGeom prst="line">
+            <a:avLst/>
+          </a:prstGeom>
+          <a:ln>
+            <a:solidFill>
+              <a:schemeClr val="tx1"/>
+            </a:solidFill>
+            <a:prstDash val="dash"/>
+          </a:ln>
+        </p:spPr>
+        <p:style>
+          <a:lnRef idx="1">
+            <a:schemeClr val="accent1"/>
+          </a:lnRef>
+          <a:fillRef idx="0">
+            <a:schemeClr val="accent1"/>
+          </a:fillRef>
+          <a:effectRef idx="0">
+            <a:schemeClr val="accent1"/>
+          </a:effectRef>
+          <a:fontRef idx="minor">
+            <a:schemeClr val="tx1"/>
+          </a:fontRef>
+        </p:style>
+      </p:cxnSp>
+      <p:sp>
+        <p:nvSpPr>
+          <p:cNvPr id="54" name="TextBox 53"/>
+          <p:cNvSpPr txBox="1"/>
+          <p:nvPr/>
+        </p:nvSpPr>
+        <p:spPr>
+          <a:xfrm>
+            <a:off x="3800475" y="5324475"/>
+            <a:ext cx="1641796" cy="369332"/>
+          </a:xfrm>
+          <a:prstGeom prst="rect">
+            <a:avLst/>
+          </a:prstGeom>
+          <a:noFill/>
+        </p:spPr>
+        <p:txBody>
+          <a:bodyPr wrap="none" rtlCol="0">
+            <a:spAutoFit/>
+          </a:bodyPr>
+          <a:lstStyle/>
+          <a:p>
+            <a:r>
+              <a:rPr lang="en-US" altLang="zh-CN" dirty="0" smtClean="0"/>
+              <a:t>per bit per hole</a:t>
+            </a:r>
+            <a:endParaRPr lang="zh-CN" altLang="en-US" dirty="0"/>
+          </a:p>
+        </p:txBody>
+      </p:sp>
       <p:pic>
         <p:nvPicPr>
-          <p:cNvPr id="2050" name="Picture 2" descr="阴极射线管电视机"/>
+          <p:cNvPr id="13313" name="Picture 1"/>
           <p:cNvPicPr>
             <a:picLocks noChangeAspect="1" noChangeArrowheads="1"/>
           </p:cNvPicPr>
           <p:nvPr/>
         </p:nvPicPr>
         <p:blipFill>
-          <a:blip r:embed="rId2" cstate="print"/>
+          <a:blip r:embed="rId2"/>
           <a:srcRect/>
           <a:stretch>
             <a:fillRect/>
@@ -6179,13 +7508,20 @@
         </p:blipFill>
         <p:spPr bwMode="auto">
           <a:xfrm>
-            <a:off x="5189488" y="955722"/>
-            <a:ext cx="2857500" cy="2771776"/>
+            <a:off x="866775" y="1433513"/>
+            <a:ext cx="7810500" cy="4733925"/>
           </a:xfrm>
           <a:prstGeom prst="rect">
             <a:avLst/>
           </a:prstGeom>
           <a:noFill/>
+          <a:ln w="9525">
+            <a:noFill/>
+            <a:miter lim="800000"/>
+            <a:headEnd/>
+            <a:tailEnd/>
+          </a:ln>
+          <a:effectLst/>
         </p:spPr>
       </p:pic>
     </p:spTree>
@@ -6196,281 +7532,7 @@
   <p:timing>
     <p:tnLst>
       <p:par>
-        <p:cTn id="1" dur="indefinite" restart="never" nodeType="tmRoot">
-          <p:childTnLst>
-            <p:seq concurrent="1" nextAc="seek">
-              <p:cTn id="2" dur="indefinite" nodeType="mainSeq">
-                <p:childTnLst>
-                  <p:par>
-                    <p:cTn id="3" fill="hold">
-                      <p:stCondLst>
-                        <p:cond delay="indefinite"/>
-                      </p:stCondLst>
-                      <p:childTnLst>
-                        <p:par>
-                          <p:cTn id="4" fill="hold">
-                            <p:stCondLst>
-                              <p:cond delay="0"/>
-                            </p:stCondLst>
-                            <p:childTnLst>
-                              <p:par>
-                                <p:cTn id="5" presetID="3" presetClass="entr" presetSubtype="10" fill="hold" nodeType="clickEffect">
-                                  <p:stCondLst>
-                                    <p:cond delay="0"/>
-                                  </p:stCondLst>
-                                  <p:childTnLst>
-                                    <p:set>
-                                      <p:cBhvr>
-                                        <p:cTn id="6" dur="1" fill="hold">
-                                          <p:stCondLst>
-                                            <p:cond delay="0"/>
-                                          </p:stCondLst>
-                                        </p:cTn>
-                                        <p:tgtEl>
-                                          <p:spTgt spid="3">
-                                            <p:txEl>
-                                              <p:pRg st="1" end="1"/>
-                                            </p:txEl>
-                                          </p:spTgt>
-                                        </p:tgtEl>
-                                        <p:attrNameLst>
-                                          <p:attrName>style.visibility</p:attrName>
-                                        </p:attrNameLst>
-                                      </p:cBhvr>
-                                      <p:to>
-                                        <p:strVal val="visible"/>
-                                      </p:to>
-                                    </p:set>
-                                    <p:animEffect transition="in" filter="blinds(horizontal)">
-                                      <p:cBhvr>
-                                        <p:cTn id="7" dur="500"/>
-                                        <p:tgtEl>
-                                          <p:spTgt spid="3">
-                                            <p:txEl>
-                                              <p:pRg st="1" end="1"/>
-                                            </p:txEl>
-                                          </p:spTgt>
-                                        </p:tgtEl>
-                                      </p:cBhvr>
-                                    </p:animEffect>
-                                  </p:childTnLst>
-                                </p:cTn>
-                              </p:par>
-                            </p:childTnLst>
-                          </p:cTn>
-                        </p:par>
-                      </p:childTnLst>
-                    </p:cTn>
-                  </p:par>
-                  <p:par>
-                    <p:cTn id="8" fill="hold">
-                      <p:stCondLst>
-                        <p:cond delay="indefinite"/>
-                      </p:stCondLst>
-                      <p:childTnLst>
-                        <p:par>
-                          <p:cTn id="9" fill="hold">
-                            <p:stCondLst>
-                              <p:cond delay="0"/>
-                            </p:stCondLst>
-                            <p:childTnLst>
-                              <p:par>
-                                <p:cTn id="10" presetID="3" presetClass="entr" presetSubtype="10" fill="hold" nodeType="clickEffect">
-                                  <p:stCondLst>
-                                    <p:cond delay="0"/>
-                                  </p:stCondLst>
-                                  <p:childTnLst>
-                                    <p:set>
-                                      <p:cBhvr>
-                                        <p:cTn id="11" dur="1" fill="hold">
-                                          <p:stCondLst>
-                                            <p:cond delay="0"/>
-                                          </p:stCondLst>
-                                        </p:cTn>
-                                        <p:tgtEl>
-                                          <p:spTgt spid="3">
-                                            <p:txEl>
-                                              <p:pRg st="2" end="2"/>
-                                            </p:txEl>
-                                          </p:spTgt>
-                                        </p:tgtEl>
-                                        <p:attrNameLst>
-                                          <p:attrName>style.visibility</p:attrName>
-                                        </p:attrNameLst>
-                                      </p:cBhvr>
-                                      <p:to>
-                                        <p:strVal val="visible"/>
-                                      </p:to>
-                                    </p:set>
-                                    <p:animEffect transition="in" filter="blinds(horizontal)">
-                                      <p:cBhvr>
-                                        <p:cTn id="12" dur="500"/>
-                                        <p:tgtEl>
-                                          <p:spTgt spid="3">
-                                            <p:txEl>
-                                              <p:pRg st="2" end="2"/>
-                                            </p:txEl>
-                                          </p:spTgt>
-                                        </p:tgtEl>
-                                      </p:cBhvr>
-                                    </p:animEffect>
-                                  </p:childTnLst>
-                                </p:cTn>
-                              </p:par>
-                              <p:par>
-                                <p:cTn id="13" presetID="3" presetClass="entr" presetSubtype="10" fill="hold" nodeType="withEffect">
-                                  <p:stCondLst>
-                                    <p:cond delay="0"/>
-                                  </p:stCondLst>
-                                  <p:childTnLst>
-                                    <p:set>
-                                      <p:cBhvr>
-                                        <p:cTn id="14" dur="1" fill="hold">
-                                          <p:stCondLst>
-                                            <p:cond delay="0"/>
-                                          </p:stCondLst>
-                                        </p:cTn>
-                                        <p:tgtEl>
-                                          <p:spTgt spid="3">
-                                            <p:txEl>
-                                              <p:pRg st="3" end="3"/>
-                                            </p:txEl>
-                                          </p:spTgt>
-                                        </p:tgtEl>
-                                        <p:attrNameLst>
-                                          <p:attrName>style.visibility</p:attrName>
-                                        </p:attrNameLst>
-                                      </p:cBhvr>
-                                      <p:to>
-                                        <p:strVal val="visible"/>
-                                      </p:to>
-                                    </p:set>
-                                    <p:animEffect transition="in" filter="blinds(horizontal)">
-                                      <p:cBhvr>
-                                        <p:cTn id="15" dur="500"/>
-                                        <p:tgtEl>
-                                          <p:spTgt spid="3">
-                                            <p:txEl>
-                                              <p:pRg st="3" end="3"/>
-                                            </p:txEl>
-                                          </p:spTgt>
-                                        </p:tgtEl>
-                                      </p:cBhvr>
-                                    </p:animEffect>
-                                  </p:childTnLst>
-                                </p:cTn>
-                              </p:par>
-                              <p:par>
-                                <p:cTn id="16" presetID="3" presetClass="entr" presetSubtype="10" fill="hold" nodeType="withEffect">
-                                  <p:stCondLst>
-                                    <p:cond delay="0"/>
-                                  </p:stCondLst>
-                                  <p:childTnLst>
-                                    <p:set>
-                                      <p:cBhvr>
-                                        <p:cTn id="17" dur="1" fill="hold">
-                                          <p:stCondLst>
-                                            <p:cond delay="0"/>
-                                          </p:stCondLst>
-                                        </p:cTn>
-                                        <p:tgtEl>
-                                          <p:spTgt spid="3">
-                                            <p:txEl>
-                                              <p:pRg st="4" end="4"/>
-                                            </p:txEl>
-                                          </p:spTgt>
-                                        </p:tgtEl>
-                                        <p:attrNameLst>
-                                          <p:attrName>style.visibility</p:attrName>
-                                        </p:attrNameLst>
-                                      </p:cBhvr>
-                                      <p:to>
-                                        <p:strVal val="visible"/>
-                                      </p:to>
-                                    </p:set>
-                                    <p:animEffect transition="in" filter="blinds(horizontal)">
-                                      <p:cBhvr>
-                                        <p:cTn id="18" dur="500"/>
-                                        <p:tgtEl>
-                                          <p:spTgt spid="3">
-                                            <p:txEl>
-                                              <p:pRg st="4" end="4"/>
-                                            </p:txEl>
-                                          </p:spTgt>
-                                        </p:tgtEl>
-                                      </p:cBhvr>
-                                    </p:animEffect>
-                                  </p:childTnLst>
-                                </p:cTn>
-                              </p:par>
-                              <p:par>
-                                <p:cTn id="19" presetID="3" presetClass="entr" presetSubtype="10" fill="hold" nodeType="withEffect">
-                                  <p:stCondLst>
-                                    <p:cond delay="0"/>
-                                  </p:stCondLst>
-                                  <p:childTnLst>
-                                    <p:set>
-                                      <p:cBhvr>
-                                        <p:cTn id="20" dur="1" fill="hold">
-                                          <p:stCondLst>
-                                            <p:cond delay="0"/>
-                                          </p:stCondLst>
-                                        </p:cTn>
-                                        <p:tgtEl>
-                                          <p:spTgt spid="3">
-                                            <p:txEl>
-                                              <p:pRg st="5" end="5"/>
-                                            </p:txEl>
-                                          </p:spTgt>
-                                        </p:tgtEl>
-                                        <p:attrNameLst>
-                                          <p:attrName>style.visibility</p:attrName>
-                                        </p:attrNameLst>
-                                      </p:cBhvr>
-                                      <p:to>
-                                        <p:strVal val="visible"/>
-                                      </p:to>
-                                    </p:set>
-                                    <p:animEffect transition="in" filter="blinds(horizontal)">
-                                      <p:cBhvr>
-                                        <p:cTn id="21" dur="500"/>
-                                        <p:tgtEl>
-                                          <p:spTgt spid="3">
-                                            <p:txEl>
-                                              <p:pRg st="5" end="5"/>
-                                            </p:txEl>
-                                          </p:spTgt>
-                                        </p:tgtEl>
-                                      </p:cBhvr>
-                                    </p:animEffect>
-                                  </p:childTnLst>
-                                </p:cTn>
-                              </p:par>
-                            </p:childTnLst>
-                          </p:cTn>
-                        </p:par>
-                      </p:childTnLst>
-                    </p:cTn>
-                  </p:par>
-                </p:childTnLst>
-              </p:cTn>
-              <p:prevCondLst>
-                <p:cond evt="onPrev" delay="0">
-                  <p:tgtEl>
-                    <p:sldTgt/>
-                  </p:tgtEl>
-                </p:cond>
-              </p:prevCondLst>
-              <p:nextCondLst>
-                <p:cond evt="onNext" delay="0">
-                  <p:tgtEl>
-                    <p:sldTgt/>
-                  </p:tgtEl>
-                </p:cond>
-              </p:nextCondLst>
-            </p:seq>
-          </p:childTnLst>
-        </p:cTn>
+        <p:cTn id="1" dur="indefinite" restart="never" nodeType="tmRoot"/>
       </p:par>
     </p:tnLst>
   </p:timing>
@@ -6496,6 +7558,3511 @@
       </p:grpSpPr>
       <p:sp>
         <p:nvSpPr>
+          <p:cNvPr id="3" name="内容占位符 2"/>
+          <p:cNvSpPr>
+            <a:spLocks noGrp="1"/>
+          </p:cNvSpPr>
+          <p:nvPr>
+            <p:ph idx="1"/>
+          </p:nvPr>
+        </p:nvSpPr>
+        <p:spPr>
+          <a:xfrm>
+            <a:off x="457200" y="440703"/>
+            <a:ext cx="8229600" cy="4525963"/>
+          </a:xfrm>
+        </p:spPr>
+        <p:txBody>
+          <a:bodyPr>
+            <a:normAutofit/>
+          </a:bodyPr>
+          <a:lstStyle/>
+          <a:p>
+            <a:pPr>
+              <a:buNone/>
+            </a:pPr>
+            <a:r>
+              <a:rPr lang="zh-CN" altLang="en-US" sz="2400" b="1" dirty="0" smtClean="0"/>
+              <a:t>②平面即时显示设备</a:t>
+            </a:r>
+            <a:endParaRPr lang="en-US" altLang="zh-CN" sz="2400" b="1" dirty="0" smtClean="0"/>
+          </a:p>
+          <a:p>
+            <a:pPr>
+              <a:buNone/>
+            </a:pPr>
+            <a:endParaRPr lang="zh-CN" altLang="en-US" sz="2400" b="1" dirty="0"/>
+          </a:p>
+        </p:txBody>
+      </p:sp>
+      <p:sp>
+        <p:nvSpPr>
+          <p:cNvPr id="4" name="圆角矩形 3"/>
+          <p:cNvSpPr/>
+          <p:nvPr/>
+        </p:nvSpPr>
+        <p:spPr>
+          <a:xfrm>
+            <a:off x="1435100" y="1416050"/>
+            <a:ext cx="1625600" cy="812800"/>
+          </a:xfrm>
+          <a:prstGeom prst="roundRect">
+            <a:avLst/>
+          </a:prstGeom>
+        </p:spPr>
+        <p:style>
+          <a:lnRef idx="2">
+            <a:schemeClr val="accent1">
+              <a:shade val="50000"/>
+            </a:schemeClr>
+          </a:lnRef>
+          <a:fillRef idx="1">
+            <a:schemeClr val="accent1"/>
+          </a:fillRef>
+          <a:effectRef idx="0">
+            <a:schemeClr val="accent1"/>
+          </a:effectRef>
+          <a:fontRef idx="minor">
+            <a:schemeClr val="lt1"/>
+          </a:fontRef>
+        </p:style>
+        <p:txBody>
+          <a:bodyPr rtlCol="0" anchor="ctr"/>
+          <a:lstStyle/>
+          <a:p>
+            <a:pPr algn="ctr"/>
+            <a:r>
+              <a:rPr lang="en-US" altLang="zh-CN" dirty="0" smtClean="0"/>
+              <a:t> </a:t>
+            </a:r>
+            <a:r>
+              <a:rPr lang="zh-CN" altLang="en-US" dirty="0" smtClean="0"/>
+              <a:t>存储设备</a:t>
+            </a:r>
+            <a:endParaRPr lang="zh-CN" altLang="en-US" dirty="0"/>
+          </a:p>
+        </p:txBody>
+      </p:sp>
+      <p:sp>
+        <p:nvSpPr>
+          <p:cNvPr id="5" name="圆角矩形 4"/>
+          <p:cNvSpPr/>
+          <p:nvPr/>
+        </p:nvSpPr>
+        <p:spPr>
+          <a:xfrm>
+            <a:off x="3784600" y="1416050"/>
+            <a:ext cx="1625600" cy="812800"/>
+          </a:xfrm>
+          <a:prstGeom prst="roundRect">
+            <a:avLst/>
+          </a:prstGeom>
+        </p:spPr>
+        <p:style>
+          <a:lnRef idx="2">
+            <a:schemeClr val="accent1">
+              <a:shade val="50000"/>
+            </a:schemeClr>
+          </a:lnRef>
+          <a:fillRef idx="1">
+            <a:schemeClr val="accent1"/>
+          </a:fillRef>
+          <a:effectRef idx="0">
+            <a:schemeClr val="accent1"/>
+          </a:effectRef>
+          <a:fontRef idx="minor">
+            <a:schemeClr val="lt1"/>
+          </a:fontRef>
+        </p:style>
+        <p:txBody>
+          <a:bodyPr rtlCol="0" anchor="ctr"/>
+          <a:lstStyle/>
+          <a:p>
+            <a:pPr algn="ctr"/>
+            <a:r>
+              <a:rPr lang="en-US" altLang="zh-CN" dirty="0" smtClean="0"/>
+              <a:t> </a:t>
+            </a:r>
+            <a:r>
+              <a:rPr lang="zh-CN" altLang="en-US" dirty="0" smtClean="0"/>
+              <a:t>转换设备</a:t>
+            </a:r>
+            <a:endParaRPr lang="zh-CN" altLang="en-US" dirty="0"/>
+          </a:p>
+        </p:txBody>
+      </p:sp>
+      <p:sp>
+        <p:nvSpPr>
+          <p:cNvPr id="6" name="圆角矩形 5"/>
+          <p:cNvSpPr/>
+          <p:nvPr/>
+        </p:nvSpPr>
+        <p:spPr>
+          <a:xfrm>
+            <a:off x="6146800" y="1416050"/>
+            <a:ext cx="1625600" cy="812800"/>
+          </a:xfrm>
+          <a:prstGeom prst="roundRect">
+            <a:avLst/>
+          </a:prstGeom>
+        </p:spPr>
+        <p:style>
+          <a:lnRef idx="2">
+            <a:schemeClr val="accent1">
+              <a:shade val="50000"/>
+            </a:schemeClr>
+          </a:lnRef>
+          <a:fillRef idx="1">
+            <a:schemeClr val="accent1"/>
+          </a:fillRef>
+          <a:effectRef idx="0">
+            <a:schemeClr val="accent1"/>
+          </a:effectRef>
+          <a:fontRef idx="minor">
+            <a:schemeClr val="lt1"/>
+          </a:fontRef>
+        </p:style>
+        <p:txBody>
+          <a:bodyPr rtlCol="0" anchor="ctr"/>
+          <a:lstStyle/>
+          <a:p>
+            <a:pPr algn="ctr"/>
+            <a:r>
+              <a:rPr lang="en-US" altLang="zh-CN" dirty="0" smtClean="0"/>
+              <a:t> </a:t>
+            </a:r>
+            <a:r>
+              <a:rPr lang="zh-CN" altLang="en-US" dirty="0" smtClean="0"/>
+              <a:t>显示设备</a:t>
+            </a:r>
+            <a:endParaRPr lang="zh-CN" altLang="en-US" dirty="0"/>
+          </a:p>
+        </p:txBody>
+      </p:sp>
+      <p:cxnSp>
+        <p:nvCxnSpPr>
+          <p:cNvPr id="7" name="直接箭头连接符 6"/>
+          <p:cNvCxnSpPr>
+            <a:stCxn id="4" idx="3"/>
+            <a:endCxn id="5" idx="1"/>
+          </p:cNvCxnSpPr>
+          <p:nvPr/>
+        </p:nvCxnSpPr>
+        <p:spPr>
+          <a:xfrm>
+            <a:off x="3060700" y="1822450"/>
+            <a:ext cx="723900" cy="1588"/>
+          </a:xfrm>
+          <a:prstGeom prst="straightConnector1">
+            <a:avLst/>
+          </a:prstGeom>
+          <a:ln>
+            <a:tailEnd type="arrow"/>
+          </a:ln>
+        </p:spPr>
+        <p:style>
+          <a:lnRef idx="1">
+            <a:schemeClr val="accent1"/>
+          </a:lnRef>
+          <a:fillRef idx="0">
+            <a:schemeClr val="accent1"/>
+          </a:fillRef>
+          <a:effectRef idx="0">
+            <a:schemeClr val="accent1"/>
+          </a:effectRef>
+          <a:fontRef idx="minor">
+            <a:schemeClr val="tx1"/>
+          </a:fontRef>
+        </p:style>
+      </p:cxnSp>
+      <p:cxnSp>
+        <p:nvCxnSpPr>
+          <p:cNvPr id="8" name="直接箭头连接符 7"/>
+          <p:cNvCxnSpPr/>
+          <p:nvPr/>
+        </p:nvCxnSpPr>
+        <p:spPr>
+          <a:xfrm>
+            <a:off x="5410200" y="1784350"/>
+            <a:ext cx="723900" cy="1588"/>
+          </a:xfrm>
+          <a:prstGeom prst="straightConnector1">
+            <a:avLst/>
+          </a:prstGeom>
+          <a:ln>
+            <a:tailEnd type="arrow"/>
+          </a:ln>
+        </p:spPr>
+        <p:style>
+          <a:lnRef idx="1">
+            <a:schemeClr val="accent1"/>
+          </a:lnRef>
+          <a:fillRef idx="0">
+            <a:schemeClr val="accent1"/>
+          </a:fillRef>
+          <a:effectRef idx="0">
+            <a:schemeClr val="accent1"/>
+          </a:effectRef>
+          <a:fontRef idx="minor">
+            <a:schemeClr val="tx1"/>
+          </a:fontRef>
+        </p:style>
+      </p:cxnSp>
+      <p:sp>
+        <p:nvSpPr>
+          <p:cNvPr id="9" name="矩形 8"/>
+          <p:cNvSpPr/>
+          <p:nvPr/>
+        </p:nvSpPr>
+        <p:spPr>
+          <a:xfrm>
+            <a:off x="3343275" y="2307334"/>
+            <a:ext cx="2419350" cy="1034129"/>
+          </a:xfrm>
+          <a:prstGeom prst="rect">
+            <a:avLst/>
+          </a:prstGeom>
+        </p:spPr>
+        <p:txBody>
+          <a:bodyPr wrap="square">
+            <a:spAutoFit/>
+          </a:bodyPr>
+          <a:lstStyle/>
+          <a:p>
+            <a:pPr marL="342900" lvl="0" indent="-342900" algn="ctr">
+              <a:spcBef>
+                <a:spcPct val="20000"/>
+              </a:spcBef>
+            </a:pPr>
+            <a:r>
+              <a:rPr lang="zh-CN" altLang="en-US" b="1" dirty="0" smtClean="0">
+                <a:solidFill>
+                  <a:prstClr val="black"/>
+                </a:solidFill>
+              </a:rPr>
+              <a:t>视频</a:t>
+            </a:r>
+            <a:r>
+              <a:rPr lang="zh-CN" altLang="en-US" b="1" dirty="0" smtClean="0">
+                <a:solidFill>
+                  <a:prstClr val="black"/>
+                </a:solidFill>
+              </a:rPr>
+              <a:t>控制器</a:t>
+            </a:r>
+            <a:endParaRPr lang="en-US" altLang="zh-CN" b="1" dirty="0" smtClean="0">
+              <a:solidFill>
+                <a:prstClr val="black"/>
+              </a:solidFill>
+            </a:endParaRPr>
+          </a:p>
+          <a:p>
+            <a:pPr marL="342900" lvl="0" indent="-342900" algn="ctr">
+              <a:spcBef>
+                <a:spcPct val="20000"/>
+              </a:spcBef>
+            </a:pPr>
+            <a:r>
+              <a:rPr lang="zh-CN" altLang="en-US" b="1" dirty="0" smtClean="0">
+                <a:solidFill>
+                  <a:prstClr val="black"/>
+                </a:solidFill>
+              </a:rPr>
+              <a:t>显示卡</a:t>
+            </a:r>
+            <a:r>
+              <a:rPr lang="en-US" altLang="zh-CN" b="1" dirty="0" smtClean="0">
+                <a:solidFill>
+                  <a:prstClr val="black"/>
+                </a:solidFill>
+              </a:rPr>
+              <a:t>(Display Card</a:t>
+            </a:r>
+            <a:r>
+              <a:rPr lang="en-US" altLang="zh-CN" b="1" dirty="0" smtClean="0">
+                <a:solidFill>
+                  <a:prstClr val="black"/>
+                </a:solidFill>
+              </a:rPr>
+              <a:t>)</a:t>
+            </a:r>
+            <a:endParaRPr lang="en-US" altLang="zh-CN" b="1" dirty="0" smtClean="0">
+              <a:solidFill>
+                <a:prstClr val="black"/>
+              </a:solidFill>
+            </a:endParaRPr>
+          </a:p>
+          <a:p>
+            <a:pPr marL="342900" lvl="0" indent="-342900" algn="ctr">
+              <a:spcBef>
+                <a:spcPct val="20000"/>
+              </a:spcBef>
+            </a:pPr>
+            <a:r>
+              <a:rPr lang="zh-CN" altLang="en-US" b="1" dirty="0" smtClean="0">
+                <a:solidFill>
+                  <a:prstClr val="black"/>
+                </a:solidFill>
+              </a:rPr>
+              <a:t>图形卡</a:t>
+            </a:r>
+            <a:r>
+              <a:rPr lang="en-US" altLang="zh-CN" b="1" dirty="0" smtClean="0">
+                <a:solidFill>
+                  <a:prstClr val="black"/>
+                </a:solidFill>
+              </a:rPr>
+              <a:t>(Graphics Card)</a:t>
+            </a:r>
+          </a:p>
+        </p:txBody>
+      </p:sp>
+      <p:sp>
+        <p:nvSpPr>
+          <p:cNvPr id="10" name="矩形 9"/>
+          <p:cNvSpPr/>
+          <p:nvPr/>
+        </p:nvSpPr>
+        <p:spPr>
+          <a:xfrm>
+            <a:off x="1428750" y="2621659"/>
+            <a:ext cx="1247775" cy="369332"/>
+          </a:xfrm>
+          <a:prstGeom prst="rect">
+            <a:avLst/>
+          </a:prstGeom>
+        </p:spPr>
+        <p:txBody>
+          <a:bodyPr wrap="square">
+            <a:spAutoFit/>
+          </a:bodyPr>
+          <a:lstStyle/>
+          <a:p>
+            <a:pPr marL="342900" lvl="0" indent="-342900" algn="ctr">
+              <a:spcBef>
+                <a:spcPct val="20000"/>
+              </a:spcBef>
+            </a:pPr>
+            <a:r>
+              <a:rPr lang="zh-CN" altLang="en-US" b="1" dirty="0" smtClean="0">
+                <a:solidFill>
+                  <a:prstClr val="black"/>
+                </a:solidFill>
+              </a:rPr>
+              <a:t>内存</a:t>
+            </a:r>
+            <a:endParaRPr lang="en-US" altLang="zh-CN" b="1" dirty="0" smtClean="0">
+              <a:solidFill>
+                <a:prstClr val="black"/>
+              </a:solidFill>
+            </a:endParaRPr>
+          </a:p>
+        </p:txBody>
+      </p:sp>
+      <p:sp>
+        <p:nvSpPr>
+          <p:cNvPr id="11" name="矩形 10"/>
+          <p:cNvSpPr/>
+          <p:nvPr/>
+        </p:nvSpPr>
+        <p:spPr>
+          <a:xfrm>
+            <a:off x="6372225" y="2469259"/>
+            <a:ext cx="1247775" cy="701731"/>
+          </a:xfrm>
+          <a:prstGeom prst="rect">
+            <a:avLst/>
+          </a:prstGeom>
+        </p:spPr>
+        <p:txBody>
+          <a:bodyPr wrap="square">
+            <a:spAutoFit/>
+          </a:bodyPr>
+          <a:lstStyle/>
+          <a:p>
+            <a:pPr marL="342900" lvl="0" indent="-342900" algn="ctr">
+              <a:spcBef>
+                <a:spcPct val="20000"/>
+              </a:spcBef>
+            </a:pPr>
+            <a:r>
+              <a:rPr lang="en-US" altLang="zh-CN" b="1" dirty="0" smtClean="0">
+                <a:solidFill>
+                  <a:prstClr val="black"/>
+                </a:solidFill>
+              </a:rPr>
+              <a:t>CRT</a:t>
+            </a:r>
+          </a:p>
+          <a:p>
+            <a:pPr marL="342900" lvl="0" indent="-342900" algn="ctr">
+              <a:spcBef>
+                <a:spcPct val="20000"/>
+              </a:spcBef>
+            </a:pPr>
+            <a:r>
+              <a:rPr lang="en-US" altLang="zh-CN" b="1" dirty="0" smtClean="0">
+                <a:solidFill>
+                  <a:prstClr val="black"/>
+                </a:solidFill>
+              </a:rPr>
+              <a:t>LCD</a:t>
+            </a:r>
+          </a:p>
+        </p:txBody>
+      </p:sp>
+      <p:sp>
+        <p:nvSpPr>
+          <p:cNvPr id="14" name="圆角矩形 13"/>
+          <p:cNvSpPr/>
+          <p:nvPr/>
+        </p:nvSpPr>
+        <p:spPr>
+          <a:xfrm>
+            <a:off x="1838325" y="3724275"/>
+            <a:ext cx="495300" cy="1524000"/>
+          </a:xfrm>
+          <a:prstGeom prst="roundRect">
+            <a:avLst/>
+          </a:prstGeom>
+          <a:noFill/>
+          <a:ln>
+            <a:solidFill>
+              <a:schemeClr val="tx1"/>
+            </a:solidFill>
+          </a:ln>
+        </p:spPr>
+        <p:style>
+          <a:lnRef idx="2">
+            <a:schemeClr val="accent1">
+              <a:shade val="50000"/>
+            </a:schemeClr>
+          </a:lnRef>
+          <a:fillRef idx="1">
+            <a:schemeClr val="accent1"/>
+          </a:fillRef>
+          <a:effectRef idx="0">
+            <a:schemeClr val="accent1"/>
+          </a:effectRef>
+          <a:fontRef idx="minor">
+            <a:schemeClr val="lt1"/>
+          </a:fontRef>
+        </p:style>
+        <p:txBody>
+          <a:bodyPr rtlCol="0" anchor="ctr"/>
+          <a:lstStyle/>
+          <a:p>
+            <a:pPr algn="ctr"/>
+            <a:endParaRPr lang="zh-CN" altLang="en-US"/>
+          </a:p>
+        </p:txBody>
+      </p:sp>
+      <p:cxnSp>
+        <p:nvCxnSpPr>
+          <p:cNvPr id="16" name="直接连接符 15"/>
+          <p:cNvCxnSpPr/>
+          <p:nvPr/>
+        </p:nvCxnSpPr>
+        <p:spPr>
+          <a:xfrm>
+            <a:off x="1826895" y="4768215"/>
+            <a:ext cx="504825" cy="1588"/>
+          </a:xfrm>
+          <a:prstGeom prst="line">
+            <a:avLst/>
+          </a:prstGeom>
+          <a:ln w="28575">
+            <a:solidFill>
+              <a:schemeClr val="tx1"/>
+            </a:solidFill>
+          </a:ln>
+        </p:spPr>
+        <p:style>
+          <a:lnRef idx="1">
+            <a:schemeClr val="accent1"/>
+          </a:lnRef>
+          <a:fillRef idx="0">
+            <a:schemeClr val="accent1"/>
+          </a:fillRef>
+          <a:effectRef idx="0">
+            <a:schemeClr val="accent1"/>
+          </a:effectRef>
+          <a:fontRef idx="minor">
+            <a:schemeClr val="tx1"/>
+          </a:fontRef>
+        </p:style>
+      </p:cxnSp>
+      <p:sp>
+        <p:nvSpPr>
+          <p:cNvPr id="20" name="矩形 19"/>
+          <p:cNvSpPr/>
+          <p:nvPr/>
+        </p:nvSpPr>
+        <p:spPr>
+          <a:xfrm>
+            <a:off x="628650" y="4002784"/>
+            <a:ext cx="1247775" cy="369332"/>
+          </a:xfrm>
+          <a:prstGeom prst="rect">
+            <a:avLst/>
+          </a:prstGeom>
+        </p:spPr>
+        <p:txBody>
+          <a:bodyPr wrap="square">
+            <a:spAutoFit/>
+          </a:bodyPr>
+          <a:lstStyle/>
+          <a:p>
+            <a:pPr marL="342900" lvl="0" indent="-342900" algn="ctr">
+              <a:spcBef>
+                <a:spcPct val="20000"/>
+              </a:spcBef>
+            </a:pPr>
+            <a:r>
+              <a:rPr lang="zh-CN" altLang="en-US" b="1" dirty="0" smtClean="0">
+                <a:solidFill>
+                  <a:prstClr val="black"/>
+                </a:solidFill>
+              </a:rPr>
+              <a:t>系统内存</a:t>
+            </a:r>
+            <a:endParaRPr lang="en-US" altLang="zh-CN" b="1" dirty="0" smtClean="0">
+              <a:solidFill>
+                <a:prstClr val="black"/>
+              </a:solidFill>
+            </a:endParaRPr>
+          </a:p>
+        </p:txBody>
+      </p:sp>
+      <p:sp>
+        <p:nvSpPr>
+          <p:cNvPr id="21" name="矩形 20"/>
+          <p:cNvSpPr/>
+          <p:nvPr/>
+        </p:nvSpPr>
+        <p:spPr>
+          <a:xfrm>
+            <a:off x="381000" y="4821934"/>
+            <a:ext cx="1695450" cy="369332"/>
+          </a:xfrm>
+          <a:prstGeom prst="rect">
+            <a:avLst/>
+          </a:prstGeom>
+        </p:spPr>
+        <p:txBody>
+          <a:bodyPr wrap="square">
+            <a:spAutoFit/>
+          </a:bodyPr>
+          <a:lstStyle/>
+          <a:p>
+            <a:pPr marL="342900" lvl="0" indent="-342900" algn="ctr">
+              <a:spcBef>
+                <a:spcPct val="20000"/>
+              </a:spcBef>
+            </a:pPr>
+            <a:r>
+              <a:rPr lang="zh-CN" altLang="en-US" b="1" dirty="0" smtClean="0">
+                <a:solidFill>
+                  <a:prstClr val="black"/>
+                </a:solidFill>
+              </a:rPr>
+              <a:t>帧缓存</a:t>
+            </a:r>
+            <a:r>
+              <a:rPr lang="en-US" altLang="zh-CN" b="1" dirty="0" smtClean="0">
+                <a:solidFill>
+                  <a:prstClr val="black"/>
+                </a:solidFill>
+              </a:rPr>
+              <a:t>FM</a:t>
+            </a:r>
+            <a:endParaRPr lang="en-US" altLang="zh-CN" b="1" dirty="0" smtClean="0">
+              <a:solidFill>
+                <a:prstClr val="black"/>
+              </a:solidFill>
+            </a:endParaRPr>
+          </a:p>
+        </p:txBody>
+      </p:sp>
+      <p:sp>
+        <p:nvSpPr>
+          <p:cNvPr id="22" name="TextBox 21"/>
+          <p:cNvSpPr txBox="1"/>
+          <p:nvPr/>
+        </p:nvSpPr>
+        <p:spPr>
+          <a:xfrm>
+            <a:off x="3254375" y="5029200"/>
+            <a:ext cx="1790618" cy="369332"/>
+          </a:xfrm>
+          <a:prstGeom prst="rect">
+            <a:avLst/>
+          </a:prstGeom>
+          <a:noFill/>
+        </p:spPr>
+        <p:txBody>
+          <a:bodyPr wrap="none" rtlCol="0">
+            <a:spAutoFit/>
+          </a:bodyPr>
+          <a:lstStyle/>
+          <a:p>
+            <a:r>
+              <a:rPr lang="en-US" altLang="zh-CN" dirty="0" smtClean="0"/>
+              <a:t>per unit per pixel</a:t>
+            </a:r>
+            <a:endParaRPr lang="zh-CN" altLang="en-US" dirty="0"/>
+          </a:p>
+        </p:txBody>
+      </p:sp>
+      <p:grpSp>
+        <p:nvGrpSpPr>
+          <p:cNvPr id="81" name="组合 80"/>
+          <p:cNvGrpSpPr/>
+          <p:nvPr/>
+        </p:nvGrpSpPr>
+        <p:grpSpPr>
+          <a:xfrm>
+            <a:off x="6216650" y="3667125"/>
+            <a:ext cx="1790700" cy="1771650"/>
+            <a:chOff x="6076950" y="3686175"/>
+            <a:chExt cx="1790700" cy="1771650"/>
+          </a:xfrm>
+        </p:grpSpPr>
+        <p:sp>
+          <p:nvSpPr>
+            <p:cNvPr id="23" name="圆角矩形 22"/>
+            <p:cNvSpPr/>
+            <p:nvPr/>
+          </p:nvSpPr>
+          <p:spPr>
+            <a:xfrm>
+              <a:off x="6076950" y="3686175"/>
+              <a:ext cx="1790700" cy="1771650"/>
+            </a:xfrm>
+            <a:prstGeom prst="roundRect">
+              <a:avLst/>
+            </a:prstGeom>
+            <a:noFill/>
+            <a:ln>
+              <a:solidFill>
+                <a:schemeClr val="tx1"/>
+              </a:solidFill>
+            </a:ln>
+          </p:spPr>
+          <p:style>
+            <a:lnRef idx="2">
+              <a:schemeClr val="accent1">
+                <a:shade val="50000"/>
+              </a:schemeClr>
+            </a:lnRef>
+            <a:fillRef idx="1">
+              <a:schemeClr val="accent1"/>
+            </a:fillRef>
+            <a:effectRef idx="0">
+              <a:schemeClr val="accent1"/>
+            </a:effectRef>
+            <a:fontRef idx="minor">
+              <a:schemeClr val="lt1"/>
+            </a:fontRef>
+          </p:style>
+          <p:txBody>
+            <a:bodyPr rtlCol="0" anchor="ctr"/>
+            <a:lstStyle/>
+            <a:p>
+              <a:pPr algn="ctr"/>
+              <a:endParaRPr lang="zh-CN" altLang="en-US"/>
+            </a:p>
+          </p:txBody>
+        </p:sp>
+        <p:sp>
+          <p:nvSpPr>
+            <p:cNvPr id="25" name="椭圆 24"/>
+            <p:cNvSpPr/>
+            <p:nvPr/>
+          </p:nvSpPr>
+          <p:spPr>
+            <a:xfrm>
+              <a:off x="6296025" y="3924300"/>
+              <a:ext cx="45719" cy="50006"/>
+            </a:xfrm>
+            <a:prstGeom prst="ellipse">
+              <a:avLst/>
+            </a:prstGeom>
+            <a:solidFill>
+              <a:schemeClr val="tx1"/>
+            </a:solidFill>
+            <a:ln>
+              <a:solidFill>
+                <a:schemeClr val="tx1"/>
+              </a:solidFill>
+            </a:ln>
+          </p:spPr>
+          <p:style>
+            <a:lnRef idx="2">
+              <a:schemeClr val="accent1">
+                <a:shade val="50000"/>
+              </a:schemeClr>
+            </a:lnRef>
+            <a:fillRef idx="1">
+              <a:schemeClr val="accent1"/>
+            </a:fillRef>
+            <a:effectRef idx="0">
+              <a:schemeClr val="accent1"/>
+            </a:effectRef>
+            <a:fontRef idx="minor">
+              <a:schemeClr val="lt1"/>
+            </a:fontRef>
+          </p:style>
+          <p:txBody>
+            <a:bodyPr rtlCol="0" anchor="ctr"/>
+            <a:lstStyle/>
+            <a:p>
+              <a:pPr algn="ctr"/>
+              <a:endParaRPr lang="zh-CN" altLang="en-US" baseline="-25000" dirty="0"/>
+            </a:p>
+          </p:txBody>
+        </p:sp>
+        <p:sp>
+          <p:nvSpPr>
+            <p:cNvPr id="26" name="椭圆 25"/>
+            <p:cNvSpPr/>
+            <p:nvPr/>
+          </p:nvSpPr>
+          <p:spPr>
+            <a:xfrm>
+              <a:off x="6481763" y="3921918"/>
+              <a:ext cx="45719" cy="50006"/>
+            </a:xfrm>
+            <a:prstGeom prst="ellipse">
+              <a:avLst/>
+            </a:prstGeom>
+            <a:solidFill>
+              <a:schemeClr val="tx1"/>
+            </a:solidFill>
+            <a:ln>
+              <a:solidFill>
+                <a:schemeClr val="tx1"/>
+              </a:solidFill>
+            </a:ln>
+          </p:spPr>
+          <p:style>
+            <a:lnRef idx="2">
+              <a:schemeClr val="accent1">
+                <a:shade val="50000"/>
+              </a:schemeClr>
+            </a:lnRef>
+            <a:fillRef idx="1">
+              <a:schemeClr val="accent1"/>
+            </a:fillRef>
+            <a:effectRef idx="0">
+              <a:schemeClr val="accent1"/>
+            </a:effectRef>
+            <a:fontRef idx="minor">
+              <a:schemeClr val="lt1"/>
+            </a:fontRef>
+          </p:style>
+          <p:txBody>
+            <a:bodyPr rtlCol="0" anchor="ctr"/>
+            <a:lstStyle/>
+            <a:p>
+              <a:pPr algn="ctr"/>
+              <a:endParaRPr lang="zh-CN" altLang="en-US" baseline="-25000" dirty="0"/>
+            </a:p>
+          </p:txBody>
+        </p:sp>
+        <p:sp>
+          <p:nvSpPr>
+            <p:cNvPr id="27" name="椭圆 26"/>
+            <p:cNvSpPr/>
+            <p:nvPr/>
+          </p:nvSpPr>
+          <p:spPr>
+            <a:xfrm>
+              <a:off x="6653213" y="3921918"/>
+              <a:ext cx="45719" cy="50006"/>
+            </a:xfrm>
+            <a:prstGeom prst="ellipse">
+              <a:avLst/>
+            </a:prstGeom>
+            <a:solidFill>
+              <a:schemeClr val="tx1"/>
+            </a:solidFill>
+            <a:ln>
+              <a:solidFill>
+                <a:schemeClr val="tx1"/>
+              </a:solidFill>
+            </a:ln>
+          </p:spPr>
+          <p:style>
+            <a:lnRef idx="2">
+              <a:schemeClr val="accent1">
+                <a:shade val="50000"/>
+              </a:schemeClr>
+            </a:lnRef>
+            <a:fillRef idx="1">
+              <a:schemeClr val="accent1"/>
+            </a:fillRef>
+            <a:effectRef idx="0">
+              <a:schemeClr val="accent1"/>
+            </a:effectRef>
+            <a:fontRef idx="minor">
+              <a:schemeClr val="lt1"/>
+            </a:fontRef>
+          </p:style>
+          <p:txBody>
+            <a:bodyPr rtlCol="0" anchor="ctr"/>
+            <a:lstStyle/>
+            <a:p>
+              <a:pPr algn="ctr"/>
+              <a:endParaRPr lang="zh-CN" altLang="en-US" baseline="-25000" dirty="0"/>
+            </a:p>
+          </p:txBody>
+        </p:sp>
+        <p:sp>
+          <p:nvSpPr>
+            <p:cNvPr id="28" name="椭圆 27"/>
+            <p:cNvSpPr/>
+            <p:nvPr/>
+          </p:nvSpPr>
+          <p:spPr>
+            <a:xfrm>
+              <a:off x="6838950" y="3921918"/>
+              <a:ext cx="45719" cy="50006"/>
+            </a:xfrm>
+            <a:prstGeom prst="ellipse">
+              <a:avLst/>
+            </a:prstGeom>
+            <a:solidFill>
+              <a:schemeClr val="tx1"/>
+            </a:solidFill>
+            <a:ln>
+              <a:solidFill>
+                <a:schemeClr val="tx1"/>
+              </a:solidFill>
+            </a:ln>
+          </p:spPr>
+          <p:style>
+            <a:lnRef idx="2">
+              <a:schemeClr val="accent1">
+                <a:shade val="50000"/>
+              </a:schemeClr>
+            </a:lnRef>
+            <a:fillRef idx="1">
+              <a:schemeClr val="accent1"/>
+            </a:fillRef>
+            <a:effectRef idx="0">
+              <a:schemeClr val="accent1"/>
+            </a:effectRef>
+            <a:fontRef idx="minor">
+              <a:schemeClr val="lt1"/>
+            </a:fontRef>
+          </p:style>
+          <p:txBody>
+            <a:bodyPr rtlCol="0" anchor="ctr"/>
+            <a:lstStyle/>
+            <a:p>
+              <a:pPr algn="ctr"/>
+              <a:endParaRPr lang="zh-CN" altLang="en-US" baseline="-25000" dirty="0"/>
+            </a:p>
+          </p:txBody>
+        </p:sp>
+        <p:sp>
+          <p:nvSpPr>
+            <p:cNvPr id="29" name="椭圆 28"/>
+            <p:cNvSpPr/>
+            <p:nvPr/>
+          </p:nvSpPr>
+          <p:spPr>
+            <a:xfrm>
+              <a:off x="7037388" y="3921918"/>
+              <a:ext cx="45719" cy="50006"/>
+            </a:xfrm>
+            <a:prstGeom prst="ellipse">
+              <a:avLst/>
+            </a:prstGeom>
+            <a:solidFill>
+              <a:schemeClr val="tx1"/>
+            </a:solidFill>
+            <a:ln>
+              <a:solidFill>
+                <a:schemeClr val="tx1"/>
+              </a:solidFill>
+            </a:ln>
+          </p:spPr>
+          <p:style>
+            <a:lnRef idx="2">
+              <a:schemeClr val="accent1">
+                <a:shade val="50000"/>
+              </a:schemeClr>
+            </a:lnRef>
+            <a:fillRef idx="1">
+              <a:schemeClr val="accent1"/>
+            </a:fillRef>
+            <a:effectRef idx="0">
+              <a:schemeClr val="accent1"/>
+            </a:effectRef>
+            <a:fontRef idx="minor">
+              <a:schemeClr val="lt1"/>
+            </a:fontRef>
+          </p:style>
+          <p:txBody>
+            <a:bodyPr rtlCol="0" anchor="ctr"/>
+            <a:lstStyle/>
+            <a:p>
+              <a:pPr algn="ctr"/>
+              <a:endParaRPr lang="zh-CN" altLang="en-US" baseline="-25000" dirty="0"/>
+            </a:p>
+          </p:txBody>
+        </p:sp>
+        <p:sp>
+          <p:nvSpPr>
+            <p:cNvPr id="30" name="椭圆 29"/>
+            <p:cNvSpPr/>
+            <p:nvPr/>
+          </p:nvSpPr>
+          <p:spPr>
+            <a:xfrm>
+              <a:off x="7229476" y="3929062"/>
+              <a:ext cx="45719" cy="50006"/>
+            </a:xfrm>
+            <a:prstGeom prst="ellipse">
+              <a:avLst/>
+            </a:prstGeom>
+            <a:solidFill>
+              <a:schemeClr val="tx1"/>
+            </a:solidFill>
+            <a:ln>
+              <a:solidFill>
+                <a:schemeClr val="tx1"/>
+              </a:solidFill>
+            </a:ln>
+          </p:spPr>
+          <p:style>
+            <a:lnRef idx="2">
+              <a:schemeClr val="accent1">
+                <a:shade val="50000"/>
+              </a:schemeClr>
+            </a:lnRef>
+            <a:fillRef idx="1">
+              <a:schemeClr val="accent1"/>
+            </a:fillRef>
+            <a:effectRef idx="0">
+              <a:schemeClr val="accent1"/>
+            </a:effectRef>
+            <a:fontRef idx="minor">
+              <a:schemeClr val="lt1"/>
+            </a:fontRef>
+          </p:style>
+          <p:txBody>
+            <a:bodyPr rtlCol="0" anchor="ctr"/>
+            <a:lstStyle/>
+            <a:p>
+              <a:pPr algn="ctr"/>
+              <a:endParaRPr lang="zh-CN" altLang="en-US" baseline="-25000" dirty="0"/>
+            </a:p>
+          </p:txBody>
+        </p:sp>
+        <p:sp>
+          <p:nvSpPr>
+            <p:cNvPr id="31" name="椭圆 30"/>
+            <p:cNvSpPr/>
+            <p:nvPr/>
+          </p:nvSpPr>
+          <p:spPr>
+            <a:xfrm>
+              <a:off x="7415213" y="3929062"/>
+              <a:ext cx="45719" cy="50006"/>
+            </a:xfrm>
+            <a:prstGeom prst="ellipse">
+              <a:avLst/>
+            </a:prstGeom>
+            <a:solidFill>
+              <a:schemeClr val="tx1"/>
+            </a:solidFill>
+            <a:ln>
+              <a:solidFill>
+                <a:schemeClr val="tx1"/>
+              </a:solidFill>
+            </a:ln>
+          </p:spPr>
+          <p:style>
+            <a:lnRef idx="2">
+              <a:schemeClr val="accent1">
+                <a:shade val="50000"/>
+              </a:schemeClr>
+            </a:lnRef>
+            <a:fillRef idx="1">
+              <a:schemeClr val="accent1"/>
+            </a:fillRef>
+            <a:effectRef idx="0">
+              <a:schemeClr val="accent1"/>
+            </a:effectRef>
+            <a:fontRef idx="minor">
+              <a:schemeClr val="lt1"/>
+            </a:fontRef>
+          </p:style>
+          <p:txBody>
+            <a:bodyPr rtlCol="0" anchor="ctr"/>
+            <a:lstStyle/>
+            <a:p>
+              <a:pPr algn="ctr"/>
+              <a:endParaRPr lang="zh-CN" altLang="en-US" baseline="-25000" dirty="0"/>
+            </a:p>
+          </p:txBody>
+        </p:sp>
+        <p:sp>
+          <p:nvSpPr>
+            <p:cNvPr id="32" name="椭圆 31"/>
+            <p:cNvSpPr/>
+            <p:nvPr/>
+          </p:nvSpPr>
+          <p:spPr>
+            <a:xfrm>
+              <a:off x="7613651" y="3929062"/>
+              <a:ext cx="45719" cy="50006"/>
+            </a:xfrm>
+            <a:prstGeom prst="ellipse">
+              <a:avLst/>
+            </a:prstGeom>
+            <a:solidFill>
+              <a:schemeClr val="tx1"/>
+            </a:solidFill>
+            <a:ln>
+              <a:solidFill>
+                <a:schemeClr val="tx1"/>
+              </a:solidFill>
+            </a:ln>
+          </p:spPr>
+          <p:style>
+            <a:lnRef idx="2">
+              <a:schemeClr val="accent1">
+                <a:shade val="50000"/>
+              </a:schemeClr>
+            </a:lnRef>
+            <a:fillRef idx="1">
+              <a:schemeClr val="accent1"/>
+            </a:fillRef>
+            <a:effectRef idx="0">
+              <a:schemeClr val="accent1"/>
+            </a:effectRef>
+            <a:fontRef idx="minor">
+              <a:schemeClr val="lt1"/>
+            </a:fontRef>
+          </p:style>
+          <p:txBody>
+            <a:bodyPr rtlCol="0" anchor="ctr"/>
+            <a:lstStyle/>
+            <a:p>
+              <a:pPr algn="ctr"/>
+              <a:endParaRPr lang="zh-CN" altLang="en-US" baseline="-25000" dirty="0"/>
+            </a:p>
+          </p:txBody>
+        </p:sp>
+        <p:sp>
+          <p:nvSpPr>
+            <p:cNvPr id="33" name="椭圆 32"/>
+            <p:cNvSpPr/>
+            <p:nvPr/>
+          </p:nvSpPr>
+          <p:spPr>
+            <a:xfrm>
+              <a:off x="6298406" y="4145756"/>
+              <a:ext cx="45719" cy="50006"/>
+            </a:xfrm>
+            <a:prstGeom prst="ellipse">
+              <a:avLst/>
+            </a:prstGeom>
+            <a:solidFill>
+              <a:schemeClr val="tx1"/>
+            </a:solidFill>
+            <a:ln>
+              <a:solidFill>
+                <a:schemeClr val="tx1"/>
+              </a:solidFill>
+            </a:ln>
+          </p:spPr>
+          <p:style>
+            <a:lnRef idx="2">
+              <a:schemeClr val="accent1">
+                <a:shade val="50000"/>
+              </a:schemeClr>
+            </a:lnRef>
+            <a:fillRef idx="1">
+              <a:schemeClr val="accent1"/>
+            </a:fillRef>
+            <a:effectRef idx="0">
+              <a:schemeClr val="accent1"/>
+            </a:effectRef>
+            <a:fontRef idx="minor">
+              <a:schemeClr val="lt1"/>
+            </a:fontRef>
+          </p:style>
+          <p:txBody>
+            <a:bodyPr rtlCol="0" anchor="ctr"/>
+            <a:lstStyle/>
+            <a:p>
+              <a:pPr algn="ctr"/>
+              <a:endParaRPr lang="zh-CN" altLang="en-US" baseline="-25000" dirty="0"/>
+            </a:p>
+          </p:txBody>
+        </p:sp>
+        <p:sp>
+          <p:nvSpPr>
+            <p:cNvPr id="34" name="椭圆 33"/>
+            <p:cNvSpPr/>
+            <p:nvPr/>
+          </p:nvSpPr>
+          <p:spPr>
+            <a:xfrm>
+              <a:off x="6484144" y="4143374"/>
+              <a:ext cx="45719" cy="50006"/>
+            </a:xfrm>
+            <a:prstGeom prst="ellipse">
+              <a:avLst/>
+            </a:prstGeom>
+            <a:solidFill>
+              <a:schemeClr val="tx1"/>
+            </a:solidFill>
+            <a:ln>
+              <a:solidFill>
+                <a:schemeClr val="tx1"/>
+              </a:solidFill>
+            </a:ln>
+          </p:spPr>
+          <p:style>
+            <a:lnRef idx="2">
+              <a:schemeClr val="accent1">
+                <a:shade val="50000"/>
+              </a:schemeClr>
+            </a:lnRef>
+            <a:fillRef idx="1">
+              <a:schemeClr val="accent1"/>
+            </a:fillRef>
+            <a:effectRef idx="0">
+              <a:schemeClr val="accent1"/>
+            </a:effectRef>
+            <a:fontRef idx="minor">
+              <a:schemeClr val="lt1"/>
+            </a:fontRef>
+          </p:style>
+          <p:txBody>
+            <a:bodyPr rtlCol="0" anchor="ctr"/>
+            <a:lstStyle/>
+            <a:p>
+              <a:pPr algn="ctr"/>
+              <a:endParaRPr lang="zh-CN" altLang="en-US" baseline="-25000" dirty="0"/>
+            </a:p>
+          </p:txBody>
+        </p:sp>
+        <p:sp>
+          <p:nvSpPr>
+            <p:cNvPr id="35" name="椭圆 34"/>
+            <p:cNvSpPr/>
+            <p:nvPr/>
+          </p:nvSpPr>
+          <p:spPr>
+            <a:xfrm>
+              <a:off x="6655594" y="4143374"/>
+              <a:ext cx="45719" cy="50006"/>
+            </a:xfrm>
+            <a:prstGeom prst="ellipse">
+              <a:avLst/>
+            </a:prstGeom>
+            <a:solidFill>
+              <a:schemeClr val="tx1"/>
+            </a:solidFill>
+            <a:ln>
+              <a:solidFill>
+                <a:schemeClr val="tx1"/>
+              </a:solidFill>
+            </a:ln>
+          </p:spPr>
+          <p:style>
+            <a:lnRef idx="2">
+              <a:schemeClr val="accent1">
+                <a:shade val="50000"/>
+              </a:schemeClr>
+            </a:lnRef>
+            <a:fillRef idx="1">
+              <a:schemeClr val="accent1"/>
+            </a:fillRef>
+            <a:effectRef idx="0">
+              <a:schemeClr val="accent1"/>
+            </a:effectRef>
+            <a:fontRef idx="minor">
+              <a:schemeClr val="lt1"/>
+            </a:fontRef>
+          </p:style>
+          <p:txBody>
+            <a:bodyPr rtlCol="0" anchor="ctr"/>
+            <a:lstStyle/>
+            <a:p>
+              <a:pPr algn="ctr"/>
+              <a:endParaRPr lang="zh-CN" altLang="en-US" baseline="-25000" dirty="0"/>
+            </a:p>
+          </p:txBody>
+        </p:sp>
+        <p:sp>
+          <p:nvSpPr>
+            <p:cNvPr id="36" name="椭圆 35"/>
+            <p:cNvSpPr/>
+            <p:nvPr/>
+          </p:nvSpPr>
+          <p:spPr>
+            <a:xfrm>
+              <a:off x="6841331" y="4143374"/>
+              <a:ext cx="45719" cy="50006"/>
+            </a:xfrm>
+            <a:prstGeom prst="ellipse">
+              <a:avLst/>
+            </a:prstGeom>
+            <a:solidFill>
+              <a:schemeClr val="tx1"/>
+            </a:solidFill>
+            <a:ln>
+              <a:solidFill>
+                <a:schemeClr val="tx1"/>
+              </a:solidFill>
+            </a:ln>
+          </p:spPr>
+          <p:style>
+            <a:lnRef idx="2">
+              <a:schemeClr val="accent1">
+                <a:shade val="50000"/>
+              </a:schemeClr>
+            </a:lnRef>
+            <a:fillRef idx="1">
+              <a:schemeClr val="accent1"/>
+            </a:fillRef>
+            <a:effectRef idx="0">
+              <a:schemeClr val="accent1"/>
+            </a:effectRef>
+            <a:fontRef idx="minor">
+              <a:schemeClr val="lt1"/>
+            </a:fontRef>
+          </p:style>
+          <p:txBody>
+            <a:bodyPr rtlCol="0" anchor="ctr"/>
+            <a:lstStyle/>
+            <a:p>
+              <a:pPr algn="ctr"/>
+              <a:endParaRPr lang="zh-CN" altLang="en-US" baseline="-25000" dirty="0"/>
+            </a:p>
+          </p:txBody>
+        </p:sp>
+        <p:sp>
+          <p:nvSpPr>
+            <p:cNvPr id="37" name="椭圆 36"/>
+            <p:cNvSpPr/>
+            <p:nvPr/>
+          </p:nvSpPr>
+          <p:spPr>
+            <a:xfrm>
+              <a:off x="7039769" y="4143374"/>
+              <a:ext cx="45719" cy="50006"/>
+            </a:xfrm>
+            <a:prstGeom prst="ellipse">
+              <a:avLst/>
+            </a:prstGeom>
+            <a:solidFill>
+              <a:schemeClr val="tx1"/>
+            </a:solidFill>
+            <a:ln>
+              <a:solidFill>
+                <a:schemeClr val="tx1"/>
+              </a:solidFill>
+            </a:ln>
+          </p:spPr>
+          <p:style>
+            <a:lnRef idx="2">
+              <a:schemeClr val="accent1">
+                <a:shade val="50000"/>
+              </a:schemeClr>
+            </a:lnRef>
+            <a:fillRef idx="1">
+              <a:schemeClr val="accent1"/>
+            </a:fillRef>
+            <a:effectRef idx="0">
+              <a:schemeClr val="accent1"/>
+            </a:effectRef>
+            <a:fontRef idx="minor">
+              <a:schemeClr val="lt1"/>
+            </a:fontRef>
+          </p:style>
+          <p:txBody>
+            <a:bodyPr rtlCol="0" anchor="ctr"/>
+            <a:lstStyle/>
+            <a:p>
+              <a:pPr algn="ctr"/>
+              <a:endParaRPr lang="zh-CN" altLang="en-US" baseline="-25000" dirty="0"/>
+            </a:p>
+          </p:txBody>
+        </p:sp>
+        <p:sp>
+          <p:nvSpPr>
+            <p:cNvPr id="38" name="椭圆 37"/>
+            <p:cNvSpPr/>
+            <p:nvPr/>
+          </p:nvSpPr>
+          <p:spPr>
+            <a:xfrm>
+              <a:off x="7231857" y="4150518"/>
+              <a:ext cx="45719" cy="50006"/>
+            </a:xfrm>
+            <a:prstGeom prst="ellipse">
+              <a:avLst/>
+            </a:prstGeom>
+            <a:solidFill>
+              <a:schemeClr val="tx1"/>
+            </a:solidFill>
+            <a:ln>
+              <a:solidFill>
+                <a:schemeClr val="tx1"/>
+              </a:solidFill>
+            </a:ln>
+          </p:spPr>
+          <p:style>
+            <a:lnRef idx="2">
+              <a:schemeClr val="accent1">
+                <a:shade val="50000"/>
+              </a:schemeClr>
+            </a:lnRef>
+            <a:fillRef idx="1">
+              <a:schemeClr val="accent1"/>
+            </a:fillRef>
+            <a:effectRef idx="0">
+              <a:schemeClr val="accent1"/>
+            </a:effectRef>
+            <a:fontRef idx="minor">
+              <a:schemeClr val="lt1"/>
+            </a:fontRef>
+          </p:style>
+          <p:txBody>
+            <a:bodyPr rtlCol="0" anchor="ctr"/>
+            <a:lstStyle/>
+            <a:p>
+              <a:pPr algn="ctr"/>
+              <a:endParaRPr lang="zh-CN" altLang="en-US" baseline="-25000" dirty="0"/>
+            </a:p>
+          </p:txBody>
+        </p:sp>
+        <p:sp>
+          <p:nvSpPr>
+            <p:cNvPr id="39" name="椭圆 38"/>
+            <p:cNvSpPr/>
+            <p:nvPr/>
+          </p:nvSpPr>
+          <p:spPr>
+            <a:xfrm>
+              <a:off x="7417594" y="4150518"/>
+              <a:ext cx="45719" cy="50006"/>
+            </a:xfrm>
+            <a:prstGeom prst="ellipse">
+              <a:avLst/>
+            </a:prstGeom>
+            <a:solidFill>
+              <a:schemeClr val="tx1"/>
+            </a:solidFill>
+            <a:ln>
+              <a:solidFill>
+                <a:schemeClr val="tx1"/>
+              </a:solidFill>
+            </a:ln>
+          </p:spPr>
+          <p:style>
+            <a:lnRef idx="2">
+              <a:schemeClr val="accent1">
+                <a:shade val="50000"/>
+              </a:schemeClr>
+            </a:lnRef>
+            <a:fillRef idx="1">
+              <a:schemeClr val="accent1"/>
+            </a:fillRef>
+            <a:effectRef idx="0">
+              <a:schemeClr val="accent1"/>
+            </a:effectRef>
+            <a:fontRef idx="minor">
+              <a:schemeClr val="lt1"/>
+            </a:fontRef>
+          </p:style>
+          <p:txBody>
+            <a:bodyPr rtlCol="0" anchor="ctr"/>
+            <a:lstStyle/>
+            <a:p>
+              <a:pPr algn="ctr"/>
+              <a:endParaRPr lang="zh-CN" altLang="en-US" baseline="-25000" dirty="0"/>
+            </a:p>
+          </p:txBody>
+        </p:sp>
+        <p:sp>
+          <p:nvSpPr>
+            <p:cNvPr id="40" name="椭圆 39"/>
+            <p:cNvSpPr/>
+            <p:nvPr/>
+          </p:nvSpPr>
+          <p:spPr>
+            <a:xfrm>
+              <a:off x="7616032" y="4150518"/>
+              <a:ext cx="45719" cy="50006"/>
+            </a:xfrm>
+            <a:prstGeom prst="ellipse">
+              <a:avLst/>
+            </a:prstGeom>
+            <a:solidFill>
+              <a:schemeClr val="tx1"/>
+            </a:solidFill>
+            <a:ln>
+              <a:solidFill>
+                <a:schemeClr val="tx1"/>
+              </a:solidFill>
+            </a:ln>
+          </p:spPr>
+          <p:style>
+            <a:lnRef idx="2">
+              <a:schemeClr val="accent1">
+                <a:shade val="50000"/>
+              </a:schemeClr>
+            </a:lnRef>
+            <a:fillRef idx="1">
+              <a:schemeClr val="accent1"/>
+            </a:fillRef>
+            <a:effectRef idx="0">
+              <a:schemeClr val="accent1"/>
+            </a:effectRef>
+            <a:fontRef idx="minor">
+              <a:schemeClr val="lt1"/>
+            </a:fontRef>
+          </p:style>
+          <p:txBody>
+            <a:bodyPr rtlCol="0" anchor="ctr"/>
+            <a:lstStyle/>
+            <a:p>
+              <a:pPr algn="ctr"/>
+              <a:endParaRPr lang="zh-CN" altLang="en-US" baseline="-25000" dirty="0"/>
+            </a:p>
+          </p:txBody>
+        </p:sp>
+        <p:sp>
+          <p:nvSpPr>
+            <p:cNvPr id="41" name="椭圆 40"/>
+            <p:cNvSpPr/>
+            <p:nvPr/>
+          </p:nvSpPr>
+          <p:spPr>
+            <a:xfrm>
+              <a:off x="6298406" y="4364831"/>
+              <a:ext cx="45719" cy="50006"/>
+            </a:xfrm>
+            <a:prstGeom prst="ellipse">
+              <a:avLst/>
+            </a:prstGeom>
+            <a:solidFill>
+              <a:schemeClr val="tx1"/>
+            </a:solidFill>
+            <a:ln>
+              <a:solidFill>
+                <a:schemeClr val="tx1"/>
+              </a:solidFill>
+            </a:ln>
+          </p:spPr>
+          <p:style>
+            <a:lnRef idx="2">
+              <a:schemeClr val="accent1">
+                <a:shade val="50000"/>
+              </a:schemeClr>
+            </a:lnRef>
+            <a:fillRef idx="1">
+              <a:schemeClr val="accent1"/>
+            </a:fillRef>
+            <a:effectRef idx="0">
+              <a:schemeClr val="accent1"/>
+            </a:effectRef>
+            <a:fontRef idx="minor">
+              <a:schemeClr val="lt1"/>
+            </a:fontRef>
+          </p:style>
+          <p:txBody>
+            <a:bodyPr rtlCol="0" anchor="ctr"/>
+            <a:lstStyle/>
+            <a:p>
+              <a:pPr algn="ctr"/>
+              <a:endParaRPr lang="zh-CN" altLang="en-US" baseline="-25000" dirty="0"/>
+            </a:p>
+          </p:txBody>
+        </p:sp>
+        <p:sp>
+          <p:nvSpPr>
+            <p:cNvPr id="42" name="椭圆 41"/>
+            <p:cNvSpPr/>
+            <p:nvPr/>
+          </p:nvSpPr>
+          <p:spPr>
+            <a:xfrm>
+              <a:off x="6484144" y="4362449"/>
+              <a:ext cx="45719" cy="50006"/>
+            </a:xfrm>
+            <a:prstGeom prst="ellipse">
+              <a:avLst/>
+            </a:prstGeom>
+            <a:solidFill>
+              <a:schemeClr val="tx1"/>
+            </a:solidFill>
+            <a:ln>
+              <a:solidFill>
+                <a:schemeClr val="tx1"/>
+              </a:solidFill>
+            </a:ln>
+          </p:spPr>
+          <p:style>
+            <a:lnRef idx="2">
+              <a:schemeClr val="accent1">
+                <a:shade val="50000"/>
+              </a:schemeClr>
+            </a:lnRef>
+            <a:fillRef idx="1">
+              <a:schemeClr val="accent1"/>
+            </a:fillRef>
+            <a:effectRef idx="0">
+              <a:schemeClr val="accent1"/>
+            </a:effectRef>
+            <a:fontRef idx="minor">
+              <a:schemeClr val="lt1"/>
+            </a:fontRef>
+          </p:style>
+          <p:txBody>
+            <a:bodyPr rtlCol="0" anchor="ctr"/>
+            <a:lstStyle/>
+            <a:p>
+              <a:pPr algn="ctr"/>
+              <a:endParaRPr lang="zh-CN" altLang="en-US" baseline="-25000" dirty="0"/>
+            </a:p>
+          </p:txBody>
+        </p:sp>
+        <p:sp>
+          <p:nvSpPr>
+            <p:cNvPr id="43" name="椭圆 42"/>
+            <p:cNvSpPr/>
+            <p:nvPr/>
+          </p:nvSpPr>
+          <p:spPr>
+            <a:xfrm>
+              <a:off x="6655594" y="4362449"/>
+              <a:ext cx="45719" cy="50006"/>
+            </a:xfrm>
+            <a:prstGeom prst="ellipse">
+              <a:avLst/>
+            </a:prstGeom>
+            <a:solidFill>
+              <a:schemeClr val="tx1"/>
+            </a:solidFill>
+            <a:ln>
+              <a:solidFill>
+                <a:schemeClr val="tx1"/>
+              </a:solidFill>
+            </a:ln>
+          </p:spPr>
+          <p:style>
+            <a:lnRef idx="2">
+              <a:schemeClr val="accent1">
+                <a:shade val="50000"/>
+              </a:schemeClr>
+            </a:lnRef>
+            <a:fillRef idx="1">
+              <a:schemeClr val="accent1"/>
+            </a:fillRef>
+            <a:effectRef idx="0">
+              <a:schemeClr val="accent1"/>
+            </a:effectRef>
+            <a:fontRef idx="minor">
+              <a:schemeClr val="lt1"/>
+            </a:fontRef>
+          </p:style>
+          <p:txBody>
+            <a:bodyPr rtlCol="0" anchor="ctr"/>
+            <a:lstStyle/>
+            <a:p>
+              <a:pPr algn="ctr"/>
+              <a:endParaRPr lang="zh-CN" altLang="en-US" baseline="-25000" dirty="0"/>
+            </a:p>
+          </p:txBody>
+        </p:sp>
+        <p:sp>
+          <p:nvSpPr>
+            <p:cNvPr id="44" name="椭圆 43"/>
+            <p:cNvSpPr/>
+            <p:nvPr/>
+          </p:nvSpPr>
+          <p:spPr>
+            <a:xfrm>
+              <a:off x="6841331" y="4362449"/>
+              <a:ext cx="45719" cy="50006"/>
+            </a:xfrm>
+            <a:prstGeom prst="ellipse">
+              <a:avLst/>
+            </a:prstGeom>
+            <a:solidFill>
+              <a:schemeClr val="tx1"/>
+            </a:solidFill>
+            <a:ln>
+              <a:solidFill>
+                <a:schemeClr val="tx1"/>
+              </a:solidFill>
+            </a:ln>
+          </p:spPr>
+          <p:style>
+            <a:lnRef idx="2">
+              <a:schemeClr val="accent1">
+                <a:shade val="50000"/>
+              </a:schemeClr>
+            </a:lnRef>
+            <a:fillRef idx="1">
+              <a:schemeClr val="accent1"/>
+            </a:fillRef>
+            <a:effectRef idx="0">
+              <a:schemeClr val="accent1"/>
+            </a:effectRef>
+            <a:fontRef idx="minor">
+              <a:schemeClr val="lt1"/>
+            </a:fontRef>
+          </p:style>
+          <p:txBody>
+            <a:bodyPr rtlCol="0" anchor="ctr"/>
+            <a:lstStyle/>
+            <a:p>
+              <a:pPr algn="ctr"/>
+              <a:endParaRPr lang="zh-CN" altLang="en-US" baseline="-25000" dirty="0"/>
+            </a:p>
+          </p:txBody>
+        </p:sp>
+        <p:sp>
+          <p:nvSpPr>
+            <p:cNvPr id="45" name="椭圆 44"/>
+            <p:cNvSpPr/>
+            <p:nvPr/>
+          </p:nvSpPr>
+          <p:spPr>
+            <a:xfrm>
+              <a:off x="7039769" y="4362449"/>
+              <a:ext cx="45719" cy="50006"/>
+            </a:xfrm>
+            <a:prstGeom prst="ellipse">
+              <a:avLst/>
+            </a:prstGeom>
+            <a:solidFill>
+              <a:schemeClr val="tx1"/>
+            </a:solidFill>
+            <a:ln>
+              <a:solidFill>
+                <a:schemeClr val="tx1"/>
+              </a:solidFill>
+            </a:ln>
+          </p:spPr>
+          <p:style>
+            <a:lnRef idx="2">
+              <a:schemeClr val="accent1">
+                <a:shade val="50000"/>
+              </a:schemeClr>
+            </a:lnRef>
+            <a:fillRef idx="1">
+              <a:schemeClr val="accent1"/>
+            </a:fillRef>
+            <a:effectRef idx="0">
+              <a:schemeClr val="accent1"/>
+            </a:effectRef>
+            <a:fontRef idx="minor">
+              <a:schemeClr val="lt1"/>
+            </a:fontRef>
+          </p:style>
+          <p:txBody>
+            <a:bodyPr rtlCol="0" anchor="ctr"/>
+            <a:lstStyle/>
+            <a:p>
+              <a:pPr algn="ctr"/>
+              <a:endParaRPr lang="zh-CN" altLang="en-US" baseline="-25000" dirty="0"/>
+            </a:p>
+          </p:txBody>
+        </p:sp>
+        <p:sp>
+          <p:nvSpPr>
+            <p:cNvPr id="46" name="椭圆 45"/>
+            <p:cNvSpPr/>
+            <p:nvPr/>
+          </p:nvSpPr>
+          <p:spPr>
+            <a:xfrm>
+              <a:off x="7231857" y="4369593"/>
+              <a:ext cx="45719" cy="50006"/>
+            </a:xfrm>
+            <a:prstGeom prst="ellipse">
+              <a:avLst/>
+            </a:prstGeom>
+            <a:solidFill>
+              <a:schemeClr val="tx1"/>
+            </a:solidFill>
+            <a:ln>
+              <a:solidFill>
+                <a:schemeClr val="tx1"/>
+              </a:solidFill>
+            </a:ln>
+          </p:spPr>
+          <p:style>
+            <a:lnRef idx="2">
+              <a:schemeClr val="accent1">
+                <a:shade val="50000"/>
+              </a:schemeClr>
+            </a:lnRef>
+            <a:fillRef idx="1">
+              <a:schemeClr val="accent1"/>
+            </a:fillRef>
+            <a:effectRef idx="0">
+              <a:schemeClr val="accent1"/>
+            </a:effectRef>
+            <a:fontRef idx="minor">
+              <a:schemeClr val="lt1"/>
+            </a:fontRef>
+          </p:style>
+          <p:txBody>
+            <a:bodyPr rtlCol="0" anchor="ctr"/>
+            <a:lstStyle/>
+            <a:p>
+              <a:pPr algn="ctr"/>
+              <a:endParaRPr lang="zh-CN" altLang="en-US" baseline="-25000" dirty="0"/>
+            </a:p>
+          </p:txBody>
+        </p:sp>
+        <p:sp>
+          <p:nvSpPr>
+            <p:cNvPr id="47" name="椭圆 46"/>
+            <p:cNvSpPr/>
+            <p:nvPr/>
+          </p:nvSpPr>
+          <p:spPr>
+            <a:xfrm>
+              <a:off x="7417594" y="4369593"/>
+              <a:ext cx="45719" cy="50006"/>
+            </a:xfrm>
+            <a:prstGeom prst="ellipse">
+              <a:avLst/>
+            </a:prstGeom>
+            <a:solidFill>
+              <a:schemeClr val="tx1"/>
+            </a:solidFill>
+            <a:ln>
+              <a:solidFill>
+                <a:schemeClr val="tx1"/>
+              </a:solidFill>
+            </a:ln>
+          </p:spPr>
+          <p:style>
+            <a:lnRef idx="2">
+              <a:schemeClr val="accent1">
+                <a:shade val="50000"/>
+              </a:schemeClr>
+            </a:lnRef>
+            <a:fillRef idx="1">
+              <a:schemeClr val="accent1"/>
+            </a:fillRef>
+            <a:effectRef idx="0">
+              <a:schemeClr val="accent1"/>
+            </a:effectRef>
+            <a:fontRef idx="minor">
+              <a:schemeClr val="lt1"/>
+            </a:fontRef>
+          </p:style>
+          <p:txBody>
+            <a:bodyPr rtlCol="0" anchor="ctr"/>
+            <a:lstStyle/>
+            <a:p>
+              <a:pPr algn="ctr"/>
+              <a:endParaRPr lang="zh-CN" altLang="en-US" baseline="-25000" dirty="0"/>
+            </a:p>
+          </p:txBody>
+        </p:sp>
+        <p:sp>
+          <p:nvSpPr>
+            <p:cNvPr id="48" name="椭圆 47"/>
+            <p:cNvSpPr/>
+            <p:nvPr/>
+          </p:nvSpPr>
+          <p:spPr>
+            <a:xfrm>
+              <a:off x="7616032" y="4369593"/>
+              <a:ext cx="45719" cy="50006"/>
+            </a:xfrm>
+            <a:prstGeom prst="ellipse">
+              <a:avLst/>
+            </a:prstGeom>
+            <a:solidFill>
+              <a:schemeClr val="tx1"/>
+            </a:solidFill>
+            <a:ln>
+              <a:solidFill>
+                <a:schemeClr val="tx1"/>
+              </a:solidFill>
+            </a:ln>
+          </p:spPr>
+          <p:style>
+            <a:lnRef idx="2">
+              <a:schemeClr val="accent1">
+                <a:shade val="50000"/>
+              </a:schemeClr>
+            </a:lnRef>
+            <a:fillRef idx="1">
+              <a:schemeClr val="accent1"/>
+            </a:fillRef>
+            <a:effectRef idx="0">
+              <a:schemeClr val="accent1"/>
+            </a:effectRef>
+            <a:fontRef idx="minor">
+              <a:schemeClr val="lt1"/>
+            </a:fontRef>
+          </p:style>
+          <p:txBody>
+            <a:bodyPr rtlCol="0" anchor="ctr"/>
+            <a:lstStyle/>
+            <a:p>
+              <a:pPr algn="ctr"/>
+              <a:endParaRPr lang="zh-CN" altLang="en-US" baseline="-25000" dirty="0"/>
+            </a:p>
+          </p:txBody>
+        </p:sp>
+        <p:sp>
+          <p:nvSpPr>
+            <p:cNvPr id="49" name="椭圆 48"/>
+            <p:cNvSpPr/>
+            <p:nvPr/>
+          </p:nvSpPr>
+          <p:spPr>
+            <a:xfrm>
+              <a:off x="6298406" y="4572000"/>
+              <a:ext cx="45719" cy="50006"/>
+            </a:xfrm>
+            <a:prstGeom prst="ellipse">
+              <a:avLst/>
+            </a:prstGeom>
+            <a:solidFill>
+              <a:schemeClr val="tx1"/>
+            </a:solidFill>
+            <a:ln>
+              <a:solidFill>
+                <a:schemeClr val="tx1"/>
+              </a:solidFill>
+            </a:ln>
+          </p:spPr>
+          <p:style>
+            <a:lnRef idx="2">
+              <a:schemeClr val="accent1">
+                <a:shade val="50000"/>
+              </a:schemeClr>
+            </a:lnRef>
+            <a:fillRef idx="1">
+              <a:schemeClr val="accent1"/>
+            </a:fillRef>
+            <a:effectRef idx="0">
+              <a:schemeClr val="accent1"/>
+            </a:effectRef>
+            <a:fontRef idx="minor">
+              <a:schemeClr val="lt1"/>
+            </a:fontRef>
+          </p:style>
+          <p:txBody>
+            <a:bodyPr rtlCol="0" anchor="ctr"/>
+            <a:lstStyle/>
+            <a:p>
+              <a:pPr algn="ctr"/>
+              <a:endParaRPr lang="zh-CN" altLang="en-US" baseline="-25000" dirty="0"/>
+            </a:p>
+          </p:txBody>
+        </p:sp>
+        <p:sp>
+          <p:nvSpPr>
+            <p:cNvPr id="50" name="椭圆 49"/>
+            <p:cNvSpPr/>
+            <p:nvPr/>
+          </p:nvSpPr>
+          <p:spPr>
+            <a:xfrm>
+              <a:off x="6484144" y="4569618"/>
+              <a:ext cx="45719" cy="50006"/>
+            </a:xfrm>
+            <a:prstGeom prst="ellipse">
+              <a:avLst/>
+            </a:prstGeom>
+            <a:solidFill>
+              <a:schemeClr val="tx1"/>
+            </a:solidFill>
+            <a:ln>
+              <a:solidFill>
+                <a:schemeClr val="tx1"/>
+              </a:solidFill>
+            </a:ln>
+          </p:spPr>
+          <p:style>
+            <a:lnRef idx="2">
+              <a:schemeClr val="accent1">
+                <a:shade val="50000"/>
+              </a:schemeClr>
+            </a:lnRef>
+            <a:fillRef idx="1">
+              <a:schemeClr val="accent1"/>
+            </a:fillRef>
+            <a:effectRef idx="0">
+              <a:schemeClr val="accent1"/>
+            </a:effectRef>
+            <a:fontRef idx="minor">
+              <a:schemeClr val="lt1"/>
+            </a:fontRef>
+          </p:style>
+          <p:txBody>
+            <a:bodyPr rtlCol="0" anchor="ctr"/>
+            <a:lstStyle/>
+            <a:p>
+              <a:pPr algn="ctr"/>
+              <a:endParaRPr lang="zh-CN" altLang="en-US" baseline="-25000" dirty="0"/>
+            </a:p>
+          </p:txBody>
+        </p:sp>
+        <p:sp>
+          <p:nvSpPr>
+            <p:cNvPr id="51" name="椭圆 50"/>
+            <p:cNvSpPr/>
+            <p:nvPr/>
+          </p:nvSpPr>
+          <p:spPr>
+            <a:xfrm>
+              <a:off x="6655594" y="4569618"/>
+              <a:ext cx="45719" cy="50006"/>
+            </a:xfrm>
+            <a:prstGeom prst="ellipse">
+              <a:avLst/>
+            </a:prstGeom>
+            <a:solidFill>
+              <a:schemeClr val="tx1"/>
+            </a:solidFill>
+            <a:ln>
+              <a:solidFill>
+                <a:schemeClr val="tx1"/>
+              </a:solidFill>
+            </a:ln>
+          </p:spPr>
+          <p:style>
+            <a:lnRef idx="2">
+              <a:schemeClr val="accent1">
+                <a:shade val="50000"/>
+              </a:schemeClr>
+            </a:lnRef>
+            <a:fillRef idx="1">
+              <a:schemeClr val="accent1"/>
+            </a:fillRef>
+            <a:effectRef idx="0">
+              <a:schemeClr val="accent1"/>
+            </a:effectRef>
+            <a:fontRef idx="minor">
+              <a:schemeClr val="lt1"/>
+            </a:fontRef>
+          </p:style>
+          <p:txBody>
+            <a:bodyPr rtlCol="0" anchor="ctr"/>
+            <a:lstStyle/>
+            <a:p>
+              <a:pPr algn="ctr"/>
+              <a:endParaRPr lang="zh-CN" altLang="en-US" baseline="-25000" dirty="0"/>
+            </a:p>
+          </p:txBody>
+        </p:sp>
+        <p:sp>
+          <p:nvSpPr>
+            <p:cNvPr id="52" name="椭圆 51"/>
+            <p:cNvSpPr/>
+            <p:nvPr/>
+          </p:nvSpPr>
+          <p:spPr>
+            <a:xfrm>
+              <a:off x="6841331" y="4569618"/>
+              <a:ext cx="45719" cy="50006"/>
+            </a:xfrm>
+            <a:prstGeom prst="ellipse">
+              <a:avLst/>
+            </a:prstGeom>
+            <a:solidFill>
+              <a:schemeClr val="tx1"/>
+            </a:solidFill>
+            <a:ln>
+              <a:solidFill>
+                <a:schemeClr val="tx1"/>
+              </a:solidFill>
+            </a:ln>
+          </p:spPr>
+          <p:style>
+            <a:lnRef idx="2">
+              <a:schemeClr val="accent1">
+                <a:shade val="50000"/>
+              </a:schemeClr>
+            </a:lnRef>
+            <a:fillRef idx="1">
+              <a:schemeClr val="accent1"/>
+            </a:fillRef>
+            <a:effectRef idx="0">
+              <a:schemeClr val="accent1"/>
+            </a:effectRef>
+            <a:fontRef idx="minor">
+              <a:schemeClr val="lt1"/>
+            </a:fontRef>
+          </p:style>
+          <p:txBody>
+            <a:bodyPr rtlCol="0" anchor="ctr"/>
+            <a:lstStyle/>
+            <a:p>
+              <a:pPr algn="ctr"/>
+              <a:endParaRPr lang="zh-CN" altLang="en-US" baseline="-25000" dirty="0"/>
+            </a:p>
+          </p:txBody>
+        </p:sp>
+        <p:sp>
+          <p:nvSpPr>
+            <p:cNvPr id="53" name="椭圆 52"/>
+            <p:cNvSpPr/>
+            <p:nvPr/>
+          </p:nvSpPr>
+          <p:spPr>
+            <a:xfrm>
+              <a:off x="7039769" y="4569618"/>
+              <a:ext cx="45719" cy="50006"/>
+            </a:xfrm>
+            <a:prstGeom prst="ellipse">
+              <a:avLst/>
+            </a:prstGeom>
+            <a:solidFill>
+              <a:schemeClr val="tx1"/>
+            </a:solidFill>
+            <a:ln>
+              <a:solidFill>
+                <a:schemeClr val="tx1"/>
+              </a:solidFill>
+            </a:ln>
+          </p:spPr>
+          <p:style>
+            <a:lnRef idx="2">
+              <a:schemeClr val="accent1">
+                <a:shade val="50000"/>
+              </a:schemeClr>
+            </a:lnRef>
+            <a:fillRef idx="1">
+              <a:schemeClr val="accent1"/>
+            </a:fillRef>
+            <a:effectRef idx="0">
+              <a:schemeClr val="accent1"/>
+            </a:effectRef>
+            <a:fontRef idx="minor">
+              <a:schemeClr val="lt1"/>
+            </a:fontRef>
+          </p:style>
+          <p:txBody>
+            <a:bodyPr rtlCol="0" anchor="ctr"/>
+            <a:lstStyle/>
+            <a:p>
+              <a:pPr algn="ctr"/>
+              <a:endParaRPr lang="zh-CN" altLang="en-US" baseline="-25000" dirty="0"/>
+            </a:p>
+          </p:txBody>
+        </p:sp>
+        <p:sp>
+          <p:nvSpPr>
+            <p:cNvPr id="54" name="椭圆 53"/>
+            <p:cNvSpPr/>
+            <p:nvPr/>
+          </p:nvSpPr>
+          <p:spPr>
+            <a:xfrm>
+              <a:off x="7231857" y="4576762"/>
+              <a:ext cx="45719" cy="50006"/>
+            </a:xfrm>
+            <a:prstGeom prst="ellipse">
+              <a:avLst/>
+            </a:prstGeom>
+            <a:solidFill>
+              <a:schemeClr val="tx1"/>
+            </a:solidFill>
+            <a:ln>
+              <a:solidFill>
+                <a:schemeClr val="tx1"/>
+              </a:solidFill>
+            </a:ln>
+          </p:spPr>
+          <p:style>
+            <a:lnRef idx="2">
+              <a:schemeClr val="accent1">
+                <a:shade val="50000"/>
+              </a:schemeClr>
+            </a:lnRef>
+            <a:fillRef idx="1">
+              <a:schemeClr val="accent1"/>
+            </a:fillRef>
+            <a:effectRef idx="0">
+              <a:schemeClr val="accent1"/>
+            </a:effectRef>
+            <a:fontRef idx="minor">
+              <a:schemeClr val="lt1"/>
+            </a:fontRef>
+          </p:style>
+          <p:txBody>
+            <a:bodyPr rtlCol="0" anchor="ctr"/>
+            <a:lstStyle/>
+            <a:p>
+              <a:pPr algn="ctr"/>
+              <a:endParaRPr lang="zh-CN" altLang="en-US" baseline="-25000" dirty="0"/>
+            </a:p>
+          </p:txBody>
+        </p:sp>
+        <p:sp>
+          <p:nvSpPr>
+            <p:cNvPr id="55" name="椭圆 54"/>
+            <p:cNvSpPr/>
+            <p:nvPr/>
+          </p:nvSpPr>
+          <p:spPr>
+            <a:xfrm>
+              <a:off x="7417594" y="4576762"/>
+              <a:ext cx="45719" cy="50006"/>
+            </a:xfrm>
+            <a:prstGeom prst="ellipse">
+              <a:avLst/>
+            </a:prstGeom>
+            <a:solidFill>
+              <a:schemeClr val="tx1"/>
+            </a:solidFill>
+            <a:ln>
+              <a:solidFill>
+                <a:schemeClr val="tx1"/>
+              </a:solidFill>
+            </a:ln>
+          </p:spPr>
+          <p:style>
+            <a:lnRef idx="2">
+              <a:schemeClr val="accent1">
+                <a:shade val="50000"/>
+              </a:schemeClr>
+            </a:lnRef>
+            <a:fillRef idx="1">
+              <a:schemeClr val="accent1"/>
+            </a:fillRef>
+            <a:effectRef idx="0">
+              <a:schemeClr val="accent1"/>
+            </a:effectRef>
+            <a:fontRef idx="minor">
+              <a:schemeClr val="lt1"/>
+            </a:fontRef>
+          </p:style>
+          <p:txBody>
+            <a:bodyPr rtlCol="0" anchor="ctr"/>
+            <a:lstStyle/>
+            <a:p>
+              <a:pPr algn="ctr"/>
+              <a:endParaRPr lang="zh-CN" altLang="en-US" baseline="-25000" dirty="0"/>
+            </a:p>
+          </p:txBody>
+        </p:sp>
+        <p:sp>
+          <p:nvSpPr>
+            <p:cNvPr id="56" name="椭圆 55"/>
+            <p:cNvSpPr/>
+            <p:nvPr/>
+          </p:nvSpPr>
+          <p:spPr>
+            <a:xfrm>
+              <a:off x="7616032" y="4576762"/>
+              <a:ext cx="45719" cy="50006"/>
+            </a:xfrm>
+            <a:prstGeom prst="ellipse">
+              <a:avLst/>
+            </a:prstGeom>
+            <a:solidFill>
+              <a:schemeClr val="tx1"/>
+            </a:solidFill>
+            <a:ln>
+              <a:solidFill>
+                <a:schemeClr val="tx1"/>
+              </a:solidFill>
+            </a:ln>
+          </p:spPr>
+          <p:style>
+            <a:lnRef idx="2">
+              <a:schemeClr val="accent1">
+                <a:shade val="50000"/>
+              </a:schemeClr>
+            </a:lnRef>
+            <a:fillRef idx="1">
+              <a:schemeClr val="accent1"/>
+            </a:fillRef>
+            <a:effectRef idx="0">
+              <a:schemeClr val="accent1"/>
+            </a:effectRef>
+            <a:fontRef idx="minor">
+              <a:schemeClr val="lt1"/>
+            </a:fontRef>
+          </p:style>
+          <p:txBody>
+            <a:bodyPr rtlCol="0" anchor="ctr"/>
+            <a:lstStyle/>
+            <a:p>
+              <a:pPr algn="ctr"/>
+              <a:endParaRPr lang="zh-CN" altLang="en-US" baseline="-25000" dirty="0"/>
+            </a:p>
+          </p:txBody>
+        </p:sp>
+        <p:sp>
+          <p:nvSpPr>
+            <p:cNvPr id="57" name="椭圆 56"/>
+            <p:cNvSpPr/>
+            <p:nvPr/>
+          </p:nvSpPr>
+          <p:spPr>
+            <a:xfrm>
+              <a:off x="6298406" y="4786314"/>
+              <a:ext cx="45719" cy="50006"/>
+            </a:xfrm>
+            <a:prstGeom prst="ellipse">
+              <a:avLst/>
+            </a:prstGeom>
+            <a:solidFill>
+              <a:schemeClr val="tx1"/>
+            </a:solidFill>
+            <a:ln>
+              <a:solidFill>
+                <a:schemeClr val="tx1"/>
+              </a:solidFill>
+            </a:ln>
+          </p:spPr>
+          <p:style>
+            <a:lnRef idx="2">
+              <a:schemeClr val="accent1">
+                <a:shade val="50000"/>
+              </a:schemeClr>
+            </a:lnRef>
+            <a:fillRef idx="1">
+              <a:schemeClr val="accent1"/>
+            </a:fillRef>
+            <a:effectRef idx="0">
+              <a:schemeClr val="accent1"/>
+            </a:effectRef>
+            <a:fontRef idx="minor">
+              <a:schemeClr val="lt1"/>
+            </a:fontRef>
+          </p:style>
+          <p:txBody>
+            <a:bodyPr rtlCol="0" anchor="ctr"/>
+            <a:lstStyle/>
+            <a:p>
+              <a:pPr algn="ctr"/>
+              <a:endParaRPr lang="zh-CN" altLang="en-US" baseline="-25000" dirty="0"/>
+            </a:p>
+          </p:txBody>
+        </p:sp>
+        <p:sp>
+          <p:nvSpPr>
+            <p:cNvPr id="58" name="椭圆 57"/>
+            <p:cNvSpPr/>
+            <p:nvPr/>
+          </p:nvSpPr>
+          <p:spPr>
+            <a:xfrm>
+              <a:off x="6484144" y="4783932"/>
+              <a:ext cx="45719" cy="50006"/>
+            </a:xfrm>
+            <a:prstGeom prst="ellipse">
+              <a:avLst/>
+            </a:prstGeom>
+            <a:solidFill>
+              <a:schemeClr val="tx1"/>
+            </a:solidFill>
+            <a:ln>
+              <a:solidFill>
+                <a:schemeClr val="tx1"/>
+              </a:solidFill>
+            </a:ln>
+          </p:spPr>
+          <p:style>
+            <a:lnRef idx="2">
+              <a:schemeClr val="accent1">
+                <a:shade val="50000"/>
+              </a:schemeClr>
+            </a:lnRef>
+            <a:fillRef idx="1">
+              <a:schemeClr val="accent1"/>
+            </a:fillRef>
+            <a:effectRef idx="0">
+              <a:schemeClr val="accent1"/>
+            </a:effectRef>
+            <a:fontRef idx="minor">
+              <a:schemeClr val="lt1"/>
+            </a:fontRef>
+          </p:style>
+          <p:txBody>
+            <a:bodyPr rtlCol="0" anchor="ctr"/>
+            <a:lstStyle/>
+            <a:p>
+              <a:pPr algn="ctr"/>
+              <a:endParaRPr lang="zh-CN" altLang="en-US" baseline="-25000" dirty="0"/>
+            </a:p>
+          </p:txBody>
+        </p:sp>
+        <p:sp>
+          <p:nvSpPr>
+            <p:cNvPr id="59" name="椭圆 58"/>
+            <p:cNvSpPr/>
+            <p:nvPr/>
+          </p:nvSpPr>
+          <p:spPr>
+            <a:xfrm>
+              <a:off x="6655594" y="4783932"/>
+              <a:ext cx="45719" cy="50006"/>
+            </a:xfrm>
+            <a:prstGeom prst="ellipse">
+              <a:avLst/>
+            </a:prstGeom>
+            <a:solidFill>
+              <a:schemeClr val="tx1"/>
+            </a:solidFill>
+            <a:ln>
+              <a:solidFill>
+                <a:schemeClr val="tx1"/>
+              </a:solidFill>
+            </a:ln>
+          </p:spPr>
+          <p:style>
+            <a:lnRef idx="2">
+              <a:schemeClr val="accent1">
+                <a:shade val="50000"/>
+              </a:schemeClr>
+            </a:lnRef>
+            <a:fillRef idx="1">
+              <a:schemeClr val="accent1"/>
+            </a:fillRef>
+            <a:effectRef idx="0">
+              <a:schemeClr val="accent1"/>
+            </a:effectRef>
+            <a:fontRef idx="minor">
+              <a:schemeClr val="lt1"/>
+            </a:fontRef>
+          </p:style>
+          <p:txBody>
+            <a:bodyPr rtlCol="0" anchor="ctr"/>
+            <a:lstStyle/>
+            <a:p>
+              <a:pPr algn="ctr"/>
+              <a:endParaRPr lang="zh-CN" altLang="en-US" baseline="-25000" dirty="0"/>
+            </a:p>
+          </p:txBody>
+        </p:sp>
+        <p:sp>
+          <p:nvSpPr>
+            <p:cNvPr id="60" name="椭圆 59"/>
+            <p:cNvSpPr/>
+            <p:nvPr/>
+          </p:nvSpPr>
+          <p:spPr>
+            <a:xfrm>
+              <a:off x="6841331" y="4783932"/>
+              <a:ext cx="45719" cy="50006"/>
+            </a:xfrm>
+            <a:prstGeom prst="ellipse">
+              <a:avLst/>
+            </a:prstGeom>
+            <a:solidFill>
+              <a:schemeClr val="tx1"/>
+            </a:solidFill>
+            <a:ln>
+              <a:solidFill>
+                <a:schemeClr val="tx1"/>
+              </a:solidFill>
+            </a:ln>
+          </p:spPr>
+          <p:style>
+            <a:lnRef idx="2">
+              <a:schemeClr val="accent1">
+                <a:shade val="50000"/>
+              </a:schemeClr>
+            </a:lnRef>
+            <a:fillRef idx="1">
+              <a:schemeClr val="accent1"/>
+            </a:fillRef>
+            <a:effectRef idx="0">
+              <a:schemeClr val="accent1"/>
+            </a:effectRef>
+            <a:fontRef idx="minor">
+              <a:schemeClr val="lt1"/>
+            </a:fontRef>
+          </p:style>
+          <p:txBody>
+            <a:bodyPr rtlCol="0" anchor="ctr"/>
+            <a:lstStyle/>
+            <a:p>
+              <a:pPr algn="ctr"/>
+              <a:endParaRPr lang="zh-CN" altLang="en-US" baseline="-25000" dirty="0"/>
+            </a:p>
+          </p:txBody>
+        </p:sp>
+        <p:sp>
+          <p:nvSpPr>
+            <p:cNvPr id="61" name="椭圆 60"/>
+            <p:cNvSpPr/>
+            <p:nvPr/>
+          </p:nvSpPr>
+          <p:spPr>
+            <a:xfrm>
+              <a:off x="7039769" y="4783932"/>
+              <a:ext cx="45719" cy="50006"/>
+            </a:xfrm>
+            <a:prstGeom prst="ellipse">
+              <a:avLst/>
+            </a:prstGeom>
+            <a:solidFill>
+              <a:schemeClr val="tx1"/>
+            </a:solidFill>
+            <a:ln>
+              <a:solidFill>
+                <a:schemeClr val="tx1"/>
+              </a:solidFill>
+            </a:ln>
+          </p:spPr>
+          <p:style>
+            <a:lnRef idx="2">
+              <a:schemeClr val="accent1">
+                <a:shade val="50000"/>
+              </a:schemeClr>
+            </a:lnRef>
+            <a:fillRef idx="1">
+              <a:schemeClr val="accent1"/>
+            </a:fillRef>
+            <a:effectRef idx="0">
+              <a:schemeClr val="accent1"/>
+            </a:effectRef>
+            <a:fontRef idx="minor">
+              <a:schemeClr val="lt1"/>
+            </a:fontRef>
+          </p:style>
+          <p:txBody>
+            <a:bodyPr rtlCol="0" anchor="ctr"/>
+            <a:lstStyle/>
+            <a:p>
+              <a:pPr algn="ctr"/>
+              <a:endParaRPr lang="zh-CN" altLang="en-US" baseline="-25000" dirty="0"/>
+            </a:p>
+          </p:txBody>
+        </p:sp>
+        <p:sp>
+          <p:nvSpPr>
+            <p:cNvPr id="62" name="椭圆 61"/>
+            <p:cNvSpPr/>
+            <p:nvPr/>
+          </p:nvSpPr>
+          <p:spPr>
+            <a:xfrm>
+              <a:off x="7231857" y="4791076"/>
+              <a:ext cx="45719" cy="50006"/>
+            </a:xfrm>
+            <a:prstGeom prst="ellipse">
+              <a:avLst/>
+            </a:prstGeom>
+            <a:solidFill>
+              <a:schemeClr val="tx1"/>
+            </a:solidFill>
+            <a:ln>
+              <a:solidFill>
+                <a:schemeClr val="tx1"/>
+              </a:solidFill>
+            </a:ln>
+          </p:spPr>
+          <p:style>
+            <a:lnRef idx="2">
+              <a:schemeClr val="accent1">
+                <a:shade val="50000"/>
+              </a:schemeClr>
+            </a:lnRef>
+            <a:fillRef idx="1">
+              <a:schemeClr val="accent1"/>
+            </a:fillRef>
+            <a:effectRef idx="0">
+              <a:schemeClr val="accent1"/>
+            </a:effectRef>
+            <a:fontRef idx="minor">
+              <a:schemeClr val="lt1"/>
+            </a:fontRef>
+          </p:style>
+          <p:txBody>
+            <a:bodyPr rtlCol="0" anchor="ctr"/>
+            <a:lstStyle/>
+            <a:p>
+              <a:pPr algn="ctr"/>
+              <a:endParaRPr lang="zh-CN" altLang="en-US" baseline="-25000" dirty="0"/>
+            </a:p>
+          </p:txBody>
+        </p:sp>
+        <p:sp>
+          <p:nvSpPr>
+            <p:cNvPr id="63" name="椭圆 62"/>
+            <p:cNvSpPr/>
+            <p:nvPr/>
+          </p:nvSpPr>
+          <p:spPr>
+            <a:xfrm>
+              <a:off x="7417594" y="4791076"/>
+              <a:ext cx="45719" cy="50006"/>
+            </a:xfrm>
+            <a:prstGeom prst="ellipse">
+              <a:avLst/>
+            </a:prstGeom>
+            <a:solidFill>
+              <a:schemeClr val="tx1"/>
+            </a:solidFill>
+            <a:ln>
+              <a:solidFill>
+                <a:schemeClr val="tx1"/>
+              </a:solidFill>
+            </a:ln>
+          </p:spPr>
+          <p:style>
+            <a:lnRef idx="2">
+              <a:schemeClr val="accent1">
+                <a:shade val="50000"/>
+              </a:schemeClr>
+            </a:lnRef>
+            <a:fillRef idx="1">
+              <a:schemeClr val="accent1"/>
+            </a:fillRef>
+            <a:effectRef idx="0">
+              <a:schemeClr val="accent1"/>
+            </a:effectRef>
+            <a:fontRef idx="minor">
+              <a:schemeClr val="lt1"/>
+            </a:fontRef>
+          </p:style>
+          <p:txBody>
+            <a:bodyPr rtlCol="0" anchor="ctr"/>
+            <a:lstStyle/>
+            <a:p>
+              <a:pPr algn="ctr"/>
+              <a:endParaRPr lang="zh-CN" altLang="en-US" baseline="-25000" dirty="0"/>
+            </a:p>
+          </p:txBody>
+        </p:sp>
+        <p:sp>
+          <p:nvSpPr>
+            <p:cNvPr id="64" name="椭圆 63"/>
+            <p:cNvSpPr/>
+            <p:nvPr/>
+          </p:nvSpPr>
+          <p:spPr>
+            <a:xfrm>
+              <a:off x="7616032" y="4791076"/>
+              <a:ext cx="45719" cy="50006"/>
+            </a:xfrm>
+            <a:prstGeom prst="ellipse">
+              <a:avLst/>
+            </a:prstGeom>
+            <a:solidFill>
+              <a:schemeClr val="tx1"/>
+            </a:solidFill>
+            <a:ln>
+              <a:solidFill>
+                <a:schemeClr val="tx1"/>
+              </a:solidFill>
+            </a:ln>
+          </p:spPr>
+          <p:style>
+            <a:lnRef idx="2">
+              <a:schemeClr val="accent1">
+                <a:shade val="50000"/>
+              </a:schemeClr>
+            </a:lnRef>
+            <a:fillRef idx="1">
+              <a:schemeClr val="accent1"/>
+            </a:fillRef>
+            <a:effectRef idx="0">
+              <a:schemeClr val="accent1"/>
+            </a:effectRef>
+            <a:fontRef idx="minor">
+              <a:schemeClr val="lt1"/>
+            </a:fontRef>
+          </p:style>
+          <p:txBody>
+            <a:bodyPr rtlCol="0" anchor="ctr"/>
+            <a:lstStyle/>
+            <a:p>
+              <a:pPr algn="ctr"/>
+              <a:endParaRPr lang="zh-CN" altLang="en-US" baseline="-25000" dirty="0"/>
+            </a:p>
+          </p:txBody>
+        </p:sp>
+        <p:sp>
+          <p:nvSpPr>
+            <p:cNvPr id="65" name="椭圆 64"/>
+            <p:cNvSpPr/>
+            <p:nvPr/>
+          </p:nvSpPr>
+          <p:spPr>
+            <a:xfrm>
+              <a:off x="6296025" y="5017295"/>
+              <a:ext cx="45719" cy="50006"/>
+            </a:xfrm>
+            <a:prstGeom prst="ellipse">
+              <a:avLst/>
+            </a:prstGeom>
+            <a:solidFill>
+              <a:schemeClr val="tx1"/>
+            </a:solidFill>
+            <a:ln>
+              <a:solidFill>
+                <a:schemeClr val="tx1"/>
+              </a:solidFill>
+            </a:ln>
+          </p:spPr>
+          <p:style>
+            <a:lnRef idx="2">
+              <a:schemeClr val="accent1">
+                <a:shade val="50000"/>
+              </a:schemeClr>
+            </a:lnRef>
+            <a:fillRef idx="1">
+              <a:schemeClr val="accent1"/>
+            </a:fillRef>
+            <a:effectRef idx="0">
+              <a:schemeClr val="accent1"/>
+            </a:effectRef>
+            <a:fontRef idx="minor">
+              <a:schemeClr val="lt1"/>
+            </a:fontRef>
+          </p:style>
+          <p:txBody>
+            <a:bodyPr rtlCol="0" anchor="ctr"/>
+            <a:lstStyle/>
+            <a:p>
+              <a:pPr algn="ctr"/>
+              <a:endParaRPr lang="zh-CN" altLang="en-US" baseline="-25000" dirty="0"/>
+            </a:p>
+          </p:txBody>
+        </p:sp>
+        <p:sp>
+          <p:nvSpPr>
+            <p:cNvPr id="66" name="椭圆 65"/>
+            <p:cNvSpPr/>
+            <p:nvPr/>
+          </p:nvSpPr>
+          <p:spPr>
+            <a:xfrm>
+              <a:off x="6481763" y="5014913"/>
+              <a:ext cx="45719" cy="50006"/>
+            </a:xfrm>
+            <a:prstGeom prst="ellipse">
+              <a:avLst/>
+            </a:prstGeom>
+            <a:solidFill>
+              <a:schemeClr val="tx1"/>
+            </a:solidFill>
+            <a:ln>
+              <a:solidFill>
+                <a:schemeClr val="tx1"/>
+              </a:solidFill>
+            </a:ln>
+          </p:spPr>
+          <p:style>
+            <a:lnRef idx="2">
+              <a:schemeClr val="accent1">
+                <a:shade val="50000"/>
+              </a:schemeClr>
+            </a:lnRef>
+            <a:fillRef idx="1">
+              <a:schemeClr val="accent1"/>
+            </a:fillRef>
+            <a:effectRef idx="0">
+              <a:schemeClr val="accent1"/>
+            </a:effectRef>
+            <a:fontRef idx="minor">
+              <a:schemeClr val="lt1"/>
+            </a:fontRef>
+          </p:style>
+          <p:txBody>
+            <a:bodyPr rtlCol="0" anchor="ctr"/>
+            <a:lstStyle/>
+            <a:p>
+              <a:pPr algn="ctr"/>
+              <a:endParaRPr lang="zh-CN" altLang="en-US" baseline="-25000" dirty="0"/>
+            </a:p>
+          </p:txBody>
+        </p:sp>
+        <p:sp>
+          <p:nvSpPr>
+            <p:cNvPr id="67" name="椭圆 66"/>
+            <p:cNvSpPr/>
+            <p:nvPr/>
+          </p:nvSpPr>
+          <p:spPr>
+            <a:xfrm>
+              <a:off x="6653213" y="5014913"/>
+              <a:ext cx="45719" cy="50006"/>
+            </a:xfrm>
+            <a:prstGeom prst="ellipse">
+              <a:avLst/>
+            </a:prstGeom>
+            <a:solidFill>
+              <a:schemeClr val="tx1"/>
+            </a:solidFill>
+            <a:ln>
+              <a:solidFill>
+                <a:schemeClr val="tx1"/>
+              </a:solidFill>
+            </a:ln>
+          </p:spPr>
+          <p:style>
+            <a:lnRef idx="2">
+              <a:schemeClr val="accent1">
+                <a:shade val="50000"/>
+              </a:schemeClr>
+            </a:lnRef>
+            <a:fillRef idx="1">
+              <a:schemeClr val="accent1"/>
+            </a:fillRef>
+            <a:effectRef idx="0">
+              <a:schemeClr val="accent1"/>
+            </a:effectRef>
+            <a:fontRef idx="minor">
+              <a:schemeClr val="lt1"/>
+            </a:fontRef>
+          </p:style>
+          <p:txBody>
+            <a:bodyPr rtlCol="0" anchor="ctr"/>
+            <a:lstStyle/>
+            <a:p>
+              <a:pPr algn="ctr"/>
+              <a:endParaRPr lang="zh-CN" altLang="en-US" baseline="-25000" dirty="0"/>
+            </a:p>
+          </p:txBody>
+        </p:sp>
+        <p:sp>
+          <p:nvSpPr>
+            <p:cNvPr id="68" name="椭圆 67"/>
+            <p:cNvSpPr/>
+            <p:nvPr/>
+          </p:nvSpPr>
+          <p:spPr>
+            <a:xfrm>
+              <a:off x="6838950" y="5014913"/>
+              <a:ext cx="45719" cy="50006"/>
+            </a:xfrm>
+            <a:prstGeom prst="ellipse">
+              <a:avLst/>
+            </a:prstGeom>
+            <a:solidFill>
+              <a:schemeClr val="tx1"/>
+            </a:solidFill>
+            <a:ln>
+              <a:solidFill>
+                <a:schemeClr val="tx1"/>
+              </a:solidFill>
+            </a:ln>
+          </p:spPr>
+          <p:style>
+            <a:lnRef idx="2">
+              <a:schemeClr val="accent1">
+                <a:shade val="50000"/>
+              </a:schemeClr>
+            </a:lnRef>
+            <a:fillRef idx="1">
+              <a:schemeClr val="accent1"/>
+            </a:fillRef>
+            <a:effectRef idx="0">
+              <a:schemeClr val="accent1"/>
+            </a:effectRef>
+            <a:fontRef idx="minor">
+              <a:schemeClr val="lt1"/>
+            </a:fontRef>
+          </p:style>
+          <p:txBody>
+            <a:bodyPr rtlCol="0" anchor="ctr"/>
+            <a:lstStyle/>
+            <a:p>
+              <a:pPr algn="ctr"/>
+              <a:endParaRPr lang="zh-CN" altLang="en-US" baseline="-25000" dirty="0"/>
+            </a:p>
+          </p:txBody>
+        </p:sp>
+        <p:sp>
+          <p:nvSpPr>
+            <p:cNvPr id="69" name="椭圆 68"/>
+            <p:cNvSpPr/>
+            <p:nvPr/>
+          </p:nvSpPr>
+          <p:spPr>
+            <a:xfrm>
+              <a:off x="7037388" y="5014913"/>
+              <a:ext cx="45719" cy="50006"/>
+            </a:xfrm>
+            <a:prstGeom prst="ellipse">
+              <a:avLst/>
+            </a:prstGeom>
+            <a:solidFill>
+              <a:schemeClr val="tx1"/>
+            </a:solidFill>
+            <a:ln>
+              <a:solidFill>
+                <a:schemeClr val="tx1"/>
+              </a:solidFill>
+            </a:ln>
+          </p:spPr>
+          <p:style>
+            <a:lnRef idx="2">
+              <a:schemeClr val="accent1">
+                <a:shade val="50000"/>
+              </a:schemeClr>
+            </a:lnRef>
+            <a:fillRef idx="1">
+              <a:schemeClr val="accent1"/>
+            </a:fillRef>
+            <a:effectRef idx="0">
+              <a:schemeClr val="accent1"/>
+            </a:effectRef>
+            <a:fontRef idx="minor">
+              <a:schemeClr val="lt1"/>
+            </a:fontRef>
+          </p:style>
+          <p:txBody>
+            <a:bodyPr rtlCol="0" anchor="ctr"/>
+            <a:lstStyle/>
+            <a:p>
+              <a:pPr algn="ctr"/>
+              <a:endParaRPr lang="zh-CN" altLang="en-US" baseline="-25000" dirty="0"/>
+            </a:p>
+          </p:txBody>
+        </p:sp>
+        <p:sp>
+          <p:nvSpPr>
+            <p:cNvPr id="70" name="椭圆 69"/>
+            <p:cNvSpPr/>
+            <p:nvPr/>
+          </p:nvSpPr>
+          <p:spPr>
+            <a:xfrm>
+              <a:off x="7229476" y="5022057"/>
+              <a:ext cx="45719" cy="50006"/>
+            </a:xfrm>
+            <a:prstGeom prst="ellipse">
+              <a:avLst/>
+            </a:prstGeom>
+            <a:solidFill>
+              <a:schemeClr val="tx1"/>
+            </a:solidFill>
+            <a:ln>
+              <a:solidFill>
+                <a:schemeClr val="tx1"/>
+              </a:solidFill>
+            </a:ln>
+          </p:spPr>
+          <p:style>
+            <a:lnRef idx="2">
+              <a:schemeClr val="accent1">
+                <a:shade val="50000"/>
+              </a:schemeClr>
+            </a:lnRef>
+            <a:fillRef idx="1">
+              <a:schemeClr val="accent1"/>
+            </a:fillRef>
+            <a:effectRef idx="0">
+              <a:schemeClr val="accent1"/>
+            </a:effectRef>
+            <a:fontRef idx="minor">
+              <a:schemeClr val="lt1"/>
+            </a:fontRef>
+          </p:style>
+          <p:txBody>
+            <a:bodyPr rtlCol="0" anchor="ctr"/>
+            <a:lstStyle/>
+            <a:p>
+              <a:pPr algn="ctr"/>
+              <a:endParaRPr lang="zh-CN" altLang="en-US" baseline="-25000" dirty="0"/>
+            </a:p>
+          </p:txBody>
+        </p:sp>
+        <p:sp>
+          <p:nvSpPr>
+            <p:cNvPr id="71" name="椭圆 70"/>
+            <p:cNvSpPr/>
+            <p:nvPr/>
+          </p:nvSpPr>
+          <p:spPr>
+            <a:xfrm>
+              <a:off x="7415213" y="5022057"/>
+              <a:ext cx="45719" cy="50006"/>
+            </a:xfrm>
+            <a:prstGeom prst="ellipse">
+              <a:avLst/>
+            </a:prstGeom>
+            <a:solidFill>
+              <a:schemeClr val="tx1"/>
+            </a:solidFill>
+            <a:ln>
+              <a:solidFill>
+                <a:schemeClr val="tx1"/>
+              </a:solidFill>
+            </a:ln>
+          </p:spPr>
+          <p:style>
+            <a:lnRef idx="2">
+              <a:schemeClr val="accent1">
+                <a:shade val="50000"/>
+              </a:schemeClr>
+            </a:lnRef>
+            <a:fillRef idx="1">
+              <a:schemeClr val="accent1"/>
+            </a:fillRef>
+            <a:effectRef idx="0">
+              <a:schemeClr val="accent1"/>
+            </a:effectRef>
+            <a:fontRef idx="minor">
+              <a:schemeClr val="lt1"/>
+            </a:fontRef>
+          </p:style>
+          <p:txBody>
+            <a:bodyPr rtlCol="0" anchor="ctr"/>
+            <a:lstStyle/>
+            <a:p>
+              <a:pPr algn="ctr"/>
+              <a:endParaRPr lang="zh-CN" altLang="en-US" baseline="-25000" dirty="0"/>
+            </a:p>
+          </p:txBody>
+        </p:sp>
+        <p:sp>
+          <p:nvSpPr>
+            <p:cNvPr id="72" name="椭圆 71"/>
+            <p:cNvSpPr/>
+            <p:nvPr/>
+          </p:nvSpPr>
+          <p:spPr>
+            <a:xfrm>
+              <a:off x="7613651" y="5022057"/>
+              <a:ext cx="45719" cy="50006"/>
+            </a:xfrm>
+            <a:prstGeom prst="ellipse">
+              <a:avLst/>
+            </a:prstGeom>
+            <a:solidFill>
+              <a:schemeClr val="tx1"/>
+            </a:solidFill>
+            <a:ln>
+              <a:solidFill>
+                <a:schemeClr val="tx1"/>
+              </a:solidFill>
+            </a:ln>
+          </p:spPr>
+          <p:style>
+            <a:lnRef idx="2">
+              <a:schemeClr val="accent1">
+                <a:shade val="50000"/>
+              </a:schemeClr>
+            </a:lnRef>
+            <a:fillRef idx="1">
+              <a:schemeClr val="accent1"/>
+            </a:fillRef>
+            <a:effectRef idx="0">
+              <a:schemeClr val="accent1"/>
+            </a:effectRef>
+            <a:fontRef idx="minor">
+              <a:schemeClr val="lt1"/>
+            </a:fontRef>
+          </p:style>
+          <p:txBody>
+            <a:bodyPr rtlCol="0" anchor="ctr"/>
+            <a:lstStyle/>
+            <a:p>
+              <a:pPr algn="ctr"/>
+              <a:endParaRPr lang="zh-CN" altLang="en-US" baseline="-25000" dirty="0"/>
+            </a:p>
+          </p:txBody>
+        </p:sp>
+        <p:sp>
+          <p:nvSpPr>
+            <p:cNvPr id="73" name="椭圆 72"/>
+            <p:cNvSpPr/>
+            <p:nvPr/>
+          </p:nvSpPr>
+          <p:spPr>
+            <a:xfrm>
+              <a:off x="6298406" y="5236370"/>
+              <a:ext cx="45719" cy="50006"/>
+            </a:xfrm>
+            <a:prstGeom prst="ellipse">
+              <a:avLst/>
+            </a:prstGeom>
+            <a:solidFill>
+              <a:schemeClr val="tx1"/>
+            </a:solidFill>
+            <a:ln>
+              <a:solidFill>
+                <a:schemeClr val="tx1"/>
+              </a:solidFill>
+            </a:ln>
+          </p:spPr>
+          <p:style>
+            <a:lnRef idx="2">
+              <a:schemeClr val="accent1">
+                <a:shade val="50000"/>
+              </a:schemeClr>
+            </a:lnRef>
+            <a:fillRef idx="1">
+              <a:schemeClr val="accent1"/>
+            </a:fillRef>
+            <a:effectRef idx="0">
+              <a:schemeClr val="accent1"/>
+            </a:effectRef>
+            <a:fontRef idx="minor">
+              <a:schemeClr val="lt1"/>
+            </a:fontRef>
+          </p:style>
+          <p:txBody>
+            <a:bodyPr rtlCol="0" anchor="ctr"/>
+            <a:lstStyle/>
+            <a:p>
+              <a:pPr algn="ctr"/>
+              <a:endParaRPr lang="zh-CN" altLang="en-US" baseline="-25000" dirty="0"/>
+            </a:p>
+          </p:txBody>
+        </p:sp>
+        <p:sp>
+          <p:nvSpPr>
+            <p:cNvPr id="74" name="椭圆 73"/>
+            <p:cNvSpPr/>
+            <p:nvPr/>
+          </p:nvSpPr>
+          <p:spPr>
+            <a:xfrm>
+              <a:off x="6484144" y="5233988"/>
+              <a:ext cx="45719" cy="50006"/>
+            </a:xfrm>
+            <a:prstGeom prst="ellipse">
+              <a:avLst/>
+            </a:prstGeom>
+            <a:solidFill>
+              <a:schemeClr val="tx1"/>
+            </a:solidFill>
+            <a:ln>
+              <a:solidFill>
+                <a:schemeClr val="tx1"/>
+              </a:solidFill>
+            </a:ln>
+          </p:spPr>
+          <p:style>
+            <a:lnRef idx="2">
+              <a:schemeClr val="accent1">
+                <a:shade val="50000"/>
+              </a:schemeClr>
+            </a:lnRef>
+            <a:fillRef idx="1">
+              <a:schemeClr val="accent1"/>
+            </a:fillRef>
+            <a:effectRef idx="0">
+              <a:schemeClr val="accent1"/>
+            </a:effectRef>
+            <a:fontRef idx="minor">
+              <a:schemeClr val="lt1"/>
+            </a:fontRef>
+          </p:style>
+          <p:txBody>
+            <a:bodyPr rtlCol="0" anchor="ctr"/>
+            <a:lstStyle/>
+            <a:p>
+              <a:pPr algn="ctr"/>
+              <a:endParaRPr lang="zh-CN" altLang="en-US" baseline="-25000" dirty="0"/>
+            </a:p>
+          </p:txBody>
+        </p:sp>
+        <p:sp>
+          <p:nvSpPr>
+            <p:cNvPr id="75" name="椭圆 74"/>
+            <p:cNvSpPr/>
+            <p:nvPr/>
+          </p:nvSpPr>
+          <p:spPr>
+            <a:xfrm>
+              <a:off x="6655594" y="5233988"/>
+              <a:ext cx="45719" cy="50006"/>
+            </a:xfrm>
+            <a:prstGeom prst="ellipse">
+              <a:avLst/>
+            </a:prstGeom>
+            <a:solidFill>
+              <a:schemeClr val="tx1"/>
+            </a:solidFill>
+            <a:ln>
+              <a:solidFill>
+                <a:schemeClr val="tx1"/>
+              </a:solidFill>
+            </a:ln>
+          </p:spPr>
+          <p:style>
+            <a:lnRef idx="2">
+              <a:schemeClr val="accent1">
+                <a:shade val="50000"/>
+              </a:schemeClr>
+            </a:lnRef>
+            <a:fillRef idx="1">
+              <a:schemeClr val="accent1"/>
+            </a:fillRef>
+            <a:effectRef idx="0">
+              <a:schemeClr val="accent1"/>
+            </a:effectRef>
+            <a:fontRef idx="minor">
+              <a:schemeClr val="lt1"/>
+            </a:fontRef>
+          </p:style>
+          <p:txBody>
+            <a:bodyPr rtlCol="0" anchor="ctr"/>
+            <a:lstStyle/>
+            <a:p>
+              <a:pPr algn="ctr"/>
+              <a:endParaRPr lang="zh-CN" altLang="en-US" baseline="-25000" dirty="0"/>
+            </a:p>
+          </p:txBody>
+        </p:sp>
+        <p:sp>
+          <p:nvSpPr>
+            <p:cNvPr id="76" name="椭圆 75"/>
+            <p:cNvSpPr/>
+            <p:nvPr/>
+          </p:nvSpPr>
+          <p:spPr>
+            <a:xfrm>
+              <a:off x="6841331" y="5233988"/>
+              <a:ext cx="45719" cy="50006"/>
+            </a:xfrm>
+            <a:prstGeom prst="ellipse">
+              <a:avLst/>
+            </a:prstGeom>
+            <a:solidFill>
+              <a:schemeClr val="tx1"/>
+            </a:solidFill>
+            <a:ln>
+              <a:solidFill>
+                <a:schemeClr val="tx1"/>
+              </a:solidFill>
+            </a:ln>
+          </p:spPr>
+          <p:style>
+            <a:lnRef idx="2">
+              <a:schemeClr val="accent1">
+                <a:shade val="50000"/>
+              </a:schemeClr>
+            </a:lnRef>
+            <a:fillRef idx="1">
+              <a:schemeClr val="accent1"/>
+            </a:fillRef>
+            <a:effectRef idx="0">
+              <a:schemeClr val="accent1"/>
+            </a:effectRef>
+            <a:fontRef idx="minor">
+              <a:schemeClr val="lt1"/>
+            </a:fontRef>
+          </p:style>
+          <p:txBody>
+            <a:bodyPr rtlCol="0" anchor="ctr"/>
+            <a:lstStyle/>
+            <a:p>
+              <a:pPr algn="ctr"/>
+              <a:endParaRPr lang="zh-CN" altLang="en-US" baseline="-25000" dirty="0"/>
+            </a:p>
+          </p:txBody>
+        </p:sp>
+        <p:sp>
+          <p:nvSpPr>
+            <p:cNvPr id="77" name="椭圆 76"/>
+            <p:cNvSpPr/>
+            <p:nvPr/>
+          </p:nvSpPr>
+          <p:spPr>
+            <a:xfrm>
+              <a:off x="7039769" y="5233988"/>
+              <a:ext cx="45719" cy="50006"/>
+            </a:xfrm>
+            <a:prstGeom prst="ellipse">
+              <a:avLst/>
+            </a:prstGeom>
+            <a:solidFill>
+              <a:schemeClr val="tx1"/>
+            </a:solidFill>
+            <a:ln>
+              <a:solidFill>
+                <a:schemeClr val="tx1"/>
+              </a:solidFill>
+            </a:ln>
+          </p:spPr>
+          <p:style>
+            <a:lnRef idx="2">
+              <a:schemeClr val="accent1">
+                <a:shade val="50000"/>
+              </a:schemeClr>
+            </a:lnRef>
+            <a:fillRef idx="1">
+              <a:schemeClr val="accent1"/>
+            </a:fillRef>
+            <a:effectRef idx="0">
+              <a:schemeClr val="accent1"/>
+            </a:effectRef>
+            <a:fontRef idx="minor">
+              <a:schemeClr val="lt1"/>
+            </a:fontRef>
+          </p:style>
+          <p:txBody>
+            <a:bodyPr rtlCol="0" anchor="ctr"/>
+            <a:lstStyle/>
+            <a:p>
+              <a:pPr algn="ctr"/>
+              <a:endParaRPr lang="zh-CN" altLang="en-US" baseline="-25000" dirty="0"/>
+            </a:p>
+          </p:txBody>
+        </p:sp>
+        <p:sp>
+          <p:nvSpPr>
+            <p:cNvPr id="78" name="椭圆 77"/>
+            <p:cNvSpPr/>
+            <p:nvPr/>
+          </p:nvSpPr>
+          <p:spPr>
+            <a:xfrm>
+              <a:off x="7231857" y="5241132"/>
+              <a:ext cx="45719" cy="50006"/>
+            </a:xfrm>
+            <a:prstGeom prst="ellipse">
+              <a:avLst/>
+            </a:prstGeom>
+            <a:solidFill>
+              <a:schemeClr val="tx1"/>
+            </a:solidFill>
+            <a:ln>
+              <a:solidFill>
+                <a:schemeClr val="tx1"/>
+              </a:solidFill>
+            </a:ln>
+          </p:spPr>
+          <p:style>
+            <a:lnRef idx="2">
+              <a:schemeClr val="accent1">
+                <a:shade val="50000"/>
+              </a:schemeClr>
+            </a:lnRef>
+            <a:fillRef idx="1">
+              <a:schemeClr val="accent1"/>
+            </a:fillRef>
+            <a:effectRef idx="0">
+              <a:schemeClr val="accent1"/>
+            </a:effectRef>
+            <a:fontRef idx="minor">
+              <a:schemeClr val="lt1"/>
+            </a:fontRef>
+          </p:style>
+          <p:txBody>
+            <a:bodyPr rtlCol="0" anchor="ctr"/>
+            <a:lstStyle/>
+            <a:p>
+              <a:pPr algn="ctr"/>
+              <a:endParaRPr lang="zh-CN" altLang="en-US" baseline="-25000" dirty="0"/>
+            </a:p>
+          </p:txBody>
+        </p:sp>
+        <p:sp>
+          <p:nvSpPr>
+            <p:cNvPr id="79" name="椭圆 78"/>
+            <p:cNvSpPr/>
+            <p:nvPr/>
+          </p:nvSpPr>
+          <p:spPr>
+            <a:xfrm>
+              <a:off x="7417594" y="5241132"/>
+              <a:ext cx="45719" cy="50006"/>
+            </a:xfrm>
+            <a:prstGeom prst="ellipse">
+              <a:avLst/>
+            </a:prstGeom>
+            <a:solidFill>
+              <a:schemeClr val="tx1"/>
+            </a:solidFill>
+            <a:ln>
+              <a:solidFill>
+                <a:schemeClr val="tx1"/>
+              </a:solidFill>
+            </a:ln>
+          </p:spPr>
+          <p:style>
+            <a:lnRef idx="2">
+              <a:schemeClr val="accent1">
+                <a:shade val="50000"/>
+              </a:schemeClr>
+            </a:lnRef>
+            <a:fillRef idx="1">
+              <a:schemeClr val="accent1"/>
+            </a:fillRef>
+            <a:effectRef idx="0">
+              <a:schemeClr val="accent1"/>
+            </a:effectRef>
+            <a:fontRef idx="minor">
+              <a:schemeClr val="lt1"/>
+            </a:fontRef>
+          </p:style>
+          <p:txBody>
+            <a:bodyPr rtlCol="0" anchor="ctr"/>
+            <a:lstStyle/>
+            <a:p>
+              <a:pPr algn="ctr"/>
+              <a:endParaRPr lang="zh-CN" altLang="en-US" baseline="-25000" dirty="0"/>
+            </a:p>
+          </p:txBody>
+        </p:sp>
+        <p:sp>
+          <p:nvSpPr>
+            <p:cNvPr id="80" name="椭圆 79"/>
+            <p:cNvSpPr/>
+            <p:nvPr/>
+          </p:nvSpPr>
+          <p:spPr>
+            <a:xfrm>
+              <a:off x="7616032" y="5241132"/>
+              <a:ext cx="45719" cy="50006"/>
+            </a:xfrm>
+            <a:prstGeom prst="ellipse">
+              <a:avLst/>
+            </a:prstGeom>
+            <a:solidFill>
+              <a:schemeClr val="tx1"/>
+            </a:solidFill>
+            <a:ln>
+              <a:solidFill>
+                <a:schemeClr val="tx1"/>
+              </a:solidFill>
+            </a:ln>
+          </p:spPr>
+          <p:style>
+            <a:lnRef idx="2">
+              <a:schemeClr val="accent1">
+                <a:shade val="50000"/>
+              </a:schemeClr>
+            </a:lnRef>
+            <a:fillRef idx="1">
+              <a:schemeClr val="accent1"/>
+            </a:fillRef>
+            <a:effectRef idx="0">
+              <a:schemeClr val="accent1"/>
+            </a:effectRef>
+            <a:fontRef idx="minor">
+              <a:schemeClr val="lt1"/>
+            </a:fontRef>
+          </p:style>
+          <p:txBody>
+            <a:bodyPr rtlCol="0" anchor="ctr"/>
+            <a:lstStyle/>
+            <a:p>
+              <a:pPr algn="ctr"/>
+              <a:endParaRPr lang="zh-CN" altLang="en-US" baseline="-25000" dirty="0"/>
+            </a:p>
+          </p:txBody>
+        </p:sp>
+      </p:grpSp>
+      <p:cxnSp>
+        <p:nvCxnSpPr>
+          <p:cNvPr id="83" name="直接箭头连接符 82"/>
+          <p:cNvCxnSpPr/>
+          <p:nvPr/>
+        </p:nvCxnSpPr>
+        <p:spPr>
+          <a:xfrm>
+            <a:off x="2466975" y="5000625"/>
+            <a:ext cx="3609975" cy="19050"/>
+          </a:xfrm>
+          <a:prstGeom prst="straightConnector1">
+            <a:avLst/>
+          </a:prstGeom>
+          <a:ln>
+            <a:tailEnd type="arrow"/>
+          </a:ln>
+        </p:spPr>
+        <p:style>
+          <a:lnRef idx="1">
+            <a:schemeClr val="accent1"/>
+          </a:lnRef>
+          <a:fillRef idx="0">
+            <a:schemeClr val="accent1"/>
+          </a:fillRef>
+          <a:effectRef idx="0">
+            <a:schemeClr val="accent1"/>
+          </a:effectRef>
+          <a:fontRef idx="minor">
+            <a:schemeClr val="tx1"/>
+          </a:fontRef>
+        </p:style>
+      </p:cxnSp>
+      <p:pic>
+        <p:nvPicPr>
+          <p:cNvPr id="12289" name="Picture 1"/>
+          <p:cNvPicPr>
+            <a:picLocks noChangeAspect="1" noChangeArrowheads="1"/>
+          </p:cNvPicPr>
+          <p:nvPr/>
+        </p:nvPicPr>
+        <p:blipFill>
+          <a:blip r:embed="rId2"/>
+          <a:srcRect/>
+          <a:stretch>
+            <a:fillRect/>
+          </a:stretch>
+        </p:blipFill>
+        <p:spPr bwMode="auto">
+          <a:xfrm>
+            <a:off x="61913" y="1071563"/>
+            <a:ext cx="8924925" cy="5305425"/>
+          </a:xfrm>
+          <a:prstGeom prst="rect">
+            <a:avLst/>
+          </a:prstGeom>
+          <a:noFill/>
+          <a:ln w="9525">
+            <a:noFill/>
+            <a:miter lim="800000"/>
+            <a:headEnd/>
+            <a:tailEnd/>
+          </a:ln>
+          <a:effectLst/>
+        </p:spPr>
+      </p:pic>
+    </p:spTree>
+  </p:cSld>
+  <p:clrMapOvr>
+    <a:masterClrMapping/>
+  </p:clrMapOvr>
+  <p:timing>
+    <p:tnLst>
+      <p:par>
+        <p:cTn id="1" dur="indefinite" restart="never" nodeType="tmRoot"/>
+      </p:par>
+    </p:tnLst>
+  </p:timing>
+</p:sld>
+</file>
+
+<file path=ppt/slides/slide7.xml><?xml version="1.0" encoding="utf-8"?>
+<p:sld xmlns:a="http://schemas.openxmlformats.org/drawingml/2006/main" xmlns:r="http://schemas.openxmlformats.org/officeDocument/2006/relationships" xmlns:p="http://schemas.openxmlformats.org/presentationml/2006/main">
+  <p:cSld>
+    <p:spTree>
+      <p:nvGrpSpPr>
+        <p:cNvPr id="1" name=""/>
+        <p:cNvGrpSpPr/>
+        <p:nvPr/>
+      </p:nvGrpSpPr>
+      <p:grpSpPr>
+        <a:xfrm>
+          <a:off x="0" y="0"/>
+          <a:ext cx="0" cy="0"/>
+          <a:chOff x="0" y="0"/>
+          <a:chExt cx="0" cy="0"/>
+        </a:xfrm>
+      </p:grpSpPr>
+      <p:sp>
+        <p:nvSpPr>
           <p:cNvPr id="4" name="内容占位符 3"/>
           <p:cNvSpPr>
             <a:spLocks noGrp="1"/>
@@ -6558,69 +11125,6 @@
             </a:endParaRPr>
           </a:p>
           <a:p>
-            <a:pPr marL="0" lvl="0">
-              <a:buNone/>
-            </a:pPr>
-            <a:r>
-              <a:rPr lang="zh-CN" altLang="en-US" sz="2400" b="1" dirty="0" smtClean="0">
-                <a:solidFill>
-                  <a:prstClr val="black"/>
-                </a:solidFill>
-              </a:rPr>
-              <a:t>显示卡</a:t>
-            </a:r>
-            <a:r>
-              <a:rPr lang="en-US" altLang="zh-CN" sz="2400" b="1" dirty="0" smtClean="0">
-                <a:solidFill>
-                  <a:prstClr val="black"/>
-                </a:solidFill>
-              </a:rPr>
-              <a:t>(Display Card)</a:t>
-            </a:r>
-            <a:r>
-              <a:rPr lang="zh-CN" altLang="en-US" sz="2400" b="1" dirty="0" smtClean="0">
-                <a:solidFill>
-                  <a:prstClr val="black"/>
-                </a:solidFill>
-              </a:rPr>
-              <a:t>→图形卡</a:t>
-            </a:r>
-            <a:r>
-              <a:rPr lang="en-US" altLang="zh-CN" sz="2400" b="1" dirty="0" smtClean="0">
-                <a:solidFill>
-                  <a:prstClr val="black"/>
-                </a:solidFill>
-              </a:rPr>
-              <a:t>(Graphics Card)</a:t>
-            </a:r>
-            <a:r>
-              <a:rPr lang="zh-CN" altLang="en-US" sz="2400" b="1" dirty="0" smtClean="0">
-                <a:solidFill>
-                  <a:prstClr val="black"/>
-                </a:solidFill>
-              </a:rPr>
-              <a:t>→</a:t>
-            </a:r>
-            <a:r>
-              <a:rPr lang="en-US" altLang="zh-CN" sz="2400" b="1" dirty="0" smtClean="0">
-                <a:solidFill>
-                  <a:prstClr val="black"/>
-                </a:solidFill>
-              </a:rPr>
-              <a:t>GPU</a:t>
-            </a:r>
-          </a:p>
-          <a:p>
-            <a:pPr marL="0" lvl="0">
-              <a:buNone/>
-            </a:pPr>
-            <a:endParaRPr lang="en-US" altLang="zh-CN" sz="2400" b="1" dirty="0" smtClean="0">
-              <a:solidFill>
-                <a:prstClr val="black"/>
-              </a:solidFill>
-            </a:endParaRPr>
-          </a:p>
-          <a:p>
             <a:pPr marL="0">
               <a:buNone/>
             </a:pPr>
@@ -6649,7 +11153,23 @@
             </a:r>
             <a:r>
               <a:rPr lang="zh-CN" altLang="en-US" sz="2400" b="1" dirty="0" smtClean="0"/>
-              <a:t>将多边形转换和光照处理整合到显示处理单元中</a:t>
+              <a:t>将多边形转换和</a:t>
+            </a:r>
+            <a:r>
+              <a:rPr lang="zh-CN" altLang="en-US" sz="2400" b="1" dirty="0" smtClean="0"/>
+              <a:t>光照处理</a:t>
+            </a:r>
+            <a:r>
+              <a:rPr lang="en-US" altLang="zh-CN" sz="2400" b="1" dirty="0" smtClean="0"/>
+              <a:t>(T&amp;L)</a:t>
+            </a:r>
+            <a:r>
+              <a:rPr lang="zh-CN" altLang="en-US" sz="2400" b="1" dirty="0" smtClean="0"/>
+              <a:t>整合</a:t>
+            </a:r>
+            <a:r>
+              <a:rPr lang="zh-CN" altLang="en-US" sz="2400" b="1" dirty="0" smtClean="0"/>
+              <a:t>到显示处理单元中</a:t>
             </a:r>
             <a:endParaRPr lang="zh-CN" altLang="en-US" sz="2400" b="1" dirty="0"/>
           </a:p>
@@ -6663,202 +11183,14 @@
   <p:timing>
     <p:tnLst>
       <p:par>
-        <p:cTn id="1" dur="indefinite" restart="never" nodeType="tmRoot">
-          <p:childTnLst>
-            <p:seq concurrent="1" nextAc="seek">
-              <p:cTn id="2" dur="indefinite" nodeType="mainSeq">
-                <p:childTnLst>
-                  <p:par>
-                    <p:cTn id="3" fill="hold">
-                      <p:stCondLst>
-                        <p:cond delay="indefinite"/>
-                      </p:stCondLst>
-                      <p:childTnLst>
-                        <p:par>
-                          <p:cTn id="4" fill="hold">
-                            <p:stCondLst>
-                              <p:cond delay="0"/>
-                            </p:stCondLst>
-                            <p:childTnLst>
-                              <p:par>
-                                <p:cTn id="5" presetID="3" presetClass="entr" presetSubtype="10" fill="hold" nodeType="clickEffect">
-                                  <p:stCondLst>
-                                    <p:cond delay="0"/>
-                                  </p:stCondLst>
-                                  <p:childTnLst>
-                                    <p:set>
-                                      <p:cBhvr>
-                                        <p:cTn id="6" dur="1" fill="hold">
-                                          <p:stCondLst>
-                                            <p:cond delay="0"/>
-                                          </p:stCondLst>
-                                        </p:cTn>
-                                        <p:tgtEl>
-                                          <p:spTgt spid="4">
-                                            <p:txEl>
-                                              <p:pRg st="2" end="2"/>
-                                            </p:txEl>
-                                          </p:spTgt>
-                                        </p:tgtEl>
-                                        <p:attrNameLst>
-                                          <p:attrName>style.visibility</p:attrName>
-                                        </p:attrNameLst>
-                                      </p:cBhvr>
-                                      <p:to>
-                                        <p:strVal val="visible"/>
-                                      </p:to>
-                                    </p:set>
-                                    <p:animEffect transition="in" filter="blinds(horizontal)">
-                                      <p:cBhvr>
-                                        <p:cTn id="7" dur="500"/>
-                                        <p:tgtEl>
-                                          <p:spTgt spid="4">
-                                            <p:txEl>
-                                              <p:pRg st="2" end="2"/>
-                                            </p:txEl>
-                                          </p:spTgt>
-                                        </p:tgtEl>
-                                      </p:cBhvr>
-                                    </p:animEffect>
-                                  </p:childTnLst>
-                                </p:cTn>
-                              </p:par>
-                            </p:childTnLst>
-                          </p:cTn>
-                        </p:par>
-                      </p:childTnLst>
-                    </p:cTn>
-                  </p:par>
-                  <p:par>
-                    <p:cTn id="8" fill="hold">
-                      <p:stCondLst>
-                        <p:cond delay="indefinite"/>
-                      </p:stCondLst>
-                      <p:childTnLst>
-                        <p:par>
-                          <p:cTn id="9" fill="hold">
-                            <p:stCondLst>
-                              <p:cond delay="0"/>
-                            </p:stCondLst>
-                            <p:childTnLst>
-                              <p:par>
-                                <p:cTn id="10" presetID="3" presetClass="entr" presetSubtype="10" fill="hold" nodeType="clickEffect">
-                                  <p:stCondLst>
-                                    <p:cond delay="0"/>
-                                  </p:stCondLst>
-                                  <p:childTnLst>
-                                    <p:set>
-                                      <p:cBhvr>
-                                        <p:cTn id="11" dur="1" fill="hold">
-                                          <p:stCondLst>
-                                            <p:cond delay="0"/>
-                                          </p:stCondLst>
-                                        </p:cTn>
-                                        <p:tgtEl>
-                                          <p:spTgt spid="4">
-                                            <p:txEl>
-                                              <p:pRg st="4" end="4"/>
-                                            </p:txEl>
-                                          </p:spTgt>
-                                        </p:tgtEl>
-                                        <p:attrNameLst>
-                                          <p:attrName>style.visibility</p:attrName>
-                                        </p:attrNameLst>
-                                      </p:cBhvr>
-                                      <p:to>
-                                        <p:strVal val="visible"/>
-                                      </p:to>
-                                    </p:set>
-                                    <p:animEffect transition="in" filter="blinds(horizontal)">
-                                      <p:cBhvr>
-                                        <p:cTn id="12" dur="500"/>
-                                        <p:tgtEl>
-                                          <p:spTgt spid="4">
-                                            <p:txEl>
-                                              <p:pRg st="4" end="4"/>
-                                            </p:txEl>
-                                          </p:spTgt>
-                                        </p:tgtEl>
-                                      </p:cBhvr>
-                                    </p:animEffect>
-                                  </p:childTnLst>
-                                </p:cTn>
-                              </p:par>
-                              <p:par>
-                                <p:cTn id="13" presetID="3" presetClass="entr" presetSubtype="10" fill="hold" nodeType="withEffect">
-                                  <p:stCondLst>
-                                    <p:cond delay="0"/>
-                                  </p:stCondLst>
-                                  <p:childTnLst>
-                                    <p:set>
-                                      <p:cBhvr>
-                                        <p:cTn id="14" dur="1" fill="hold">
-                                          <p:stCondLst>
-                                            <p:cond delay="0"/>
-                                          </p:stCondLst>
-                                        </p:cTn>
-                                        <p:tgtEl>
-                                          <p:spTgt spid="4">
-                                            <p:txEl>
-                                              <p:pRg st="5" end="5"/>
-                                            </p:txEl>
-                                          </p:spTgt>
-                                        </p:tgtEl>
-                                        <p:attrNameLst>
-                                          <p:attrName>style.visibility</p:attrName>
-                                        </p:attrNameLst>
-                                      </p:cBhvr>
-                                      <p:to>
-                                        <p:strVal val="visible"/>
-                                      </p:to>
-                                    </p:set>
-                                    <p:animEffect transition="in" filter="blinds(horizontal)">
-                                      <p:cBhvr>
-                                        <p:cTn id="15" dur="500"/>
-                                        <p:tgtEl>
-                                          <p:spTgt spid="4">
-                                            <p:txEl>
-                                              <p:pRg st="5" end="5"/>
-                                            </p:txEl>
-                                          </p:spTgt>
-                                        </p:tgtEl>
-                                      </p:cBhvr>
-                                    </p:animEffect>
-                                  </p:childTnLst>
-                                </p:cTn>
-                              </p:par>
-                            </p:childTnLst>
-                          </p:cTn>
-                        </p:par>
-                      </p:childTnLst>
-                    </p:cTn>
-                  </p:par>
-                </p:childTnLst>
-              </p:cTn>
-              <p:prevCondLst>
-                <p:cond evt="onPrev" delay="0">
-                  <p:tgtEl>
-                    <p:sldTgt/>
-                  </p:tgtEl>
-                </p:cond>
-              </p:prevCondLst>
-              <p:nextCondLst>
-                <p:cond evt="onNext" delay="0">
-                  <p:tgtEl>
-                    <p:sldTgt/>
-                  </p:tgtEl>
-                </p:cond>
-              </p:nextCondLst>
-            </p:seq>
-          </p:childTnLst>
-        </p:cTn>
+        <p:cTn id="1" dur="indefinite" restart="never" nodeType="tmRoot"/>
       </p:par>
     </p:tnLst>
   </p:timing>
 </p:sld>
 </file>
 
-<file path=ppt/slides/slide7.xml><?xml version="1.0" encoding="utf-8"?>
+<file path=ppt/slides/slide8.xml><?xml version="1.0" encoding="utf-8"?>
 <p:sld xmlns:a="http://schemas.openxmlformats.org/drawingml/2006/main" xmlns:r="http://schemas.openxmlformats.org/officeDocument/2006/relationships" xmlns:p="http://schemas.openxmlformats.org/presentationml/2006/main">
   <p:cSld>
     <p:spTree>
@@ -7486,321 +11818,6 @@
 </p:sld>
 </file>
 
-<file path=ppt/slides/slide8.xml><?xml version="1.0" encoding="utf-8"?>
-<p:sld xmlns:a="http://schemas.openxmlformats.org/drawingml/2006/main" xmlns:r="http://schemas.openxmlformats.org/officeDocument/2006/relationships" xmlns:p="http://schemas.openxmlformats.org/presentationml/2006/main">
-  <p:cSld>
-    <p:spTree>
-      <p:nvGrpSpPr>
-        <p:cNvPr id="1" name=""/>
-        <p:cNvGrpSpPr/>
-        <p:nvPr/>
-      </p:nvGrpSpPr>
-      <p:grpSpPr>
-        <a:xfrm>
-          <a:off x="0" y="0"/>
-          <a:ext cx="0" cy="0"/>
-          <a:chOff x="0" y="0"/>
-          <a:chExt cx="0" cy="0"/>
-        </a:xfrm>
-      </p:grpSpPr>
-      <p:sp>
-        <p:nvSpPr>
-          <p:cNvPr id="3" name="内容占位符 2"/>
-          <p:cNvSpPr>
-            <a:spLocks noGrp="1"/>
-          </p:cNvSpPr>
-          <p:nvPr>
-            <p:ph idx="1"/>
-          </p:nvPr>
-        </p:nvSpPr>
-        <p:spPr>
-          <a:xfrm>
-            <a:off x="447773" y="534971"/>
-            <a:ext cx="8229600" cy="4525963"/>
-          </a:xfrm>
-        </p:spPr>
-        <p:txBody>
-          <a:bodyPr>
-            <a:normAutofit/>
-          </a:bodyPr>
-          <a:lstStyle/>
-          <a:p>
-            <a:pPr>
-              <a:buNone/>
-            </a:pPr>
-            <a:r>
-              <a:rPr lang="zh-CN" altLang="en-US" sz="2400" b="1" dirty="0" smtClean="0"/>
-              <a:t>②两种渲染方式</a:t>
-            </a:r>
-            <a:endParaRPr lang="en-US" altLang="zh-CN" sz="2400" b="1" dirty="0" smtClean="0"/>
-          </a:p>
-          <a:p>
-            <a:pPr>
-              <a:buNone/>
-            </a:pPr>
-            <a:r>
-              <a:rPr lang="en-US" altLang="zh-CN" sz="2400" b="1" dirty="0" smtClean="0"/>
-              <a:t>a. Fixed Function Pipeline   </a:t>
-            </a:r>
-            <a:r>
-              <a:rPr lang="zh-CN" altLang="en-US" sz="2400" b="1" dirty="0" smtClean="0"/>
-              <a:t>固定功能管线  </a:t>
-            </a:r>
-            <a:r>
-              <a:rPr lang="en-US" altLang="zh-CN" sz="2400" b="1" dirty="0" smtClean="0"/>
-              <a:t>  </a:t>
-            </a:r>
-            <a:r>
-              <a:rPr lang="zh-CN" altLang="en-US" sz="2400" b="1" dirty="0" smtClean="0"/>
-              <a:t>显卡“编程”</a:t>
-            </a:r>
-            <a:endParaRPr lang="en-US" altLang="zh-CN" sz="2400" b="1" dirty="0" smtClean="0"/>
-          </a:p>
-          <a:p>
-            <a:pPr>
-              <a:buNone/>
-            </a:pPr>
-            <a:r>
-              <a:rPr lang="en-US" altLang="zh-CN" sz="2400" b="1" dirty="0" smtClean="0"/>
-              <a:t>b. Programmable Pipeline </a:t>
-            </a:r>
-            <a:r>
-              <a:rPr lang="zh-CN" altLang="en-US" sz="2400" b="1" dirty="0" smtClean="0"/>
-              <a:t>可编程管线</a:t>
-            </a:r>
-            <a:endParaRPr lang="en-US" altLang="zh-CN" sz="2400" b="1" dirty="0" smtClean="0"/>
-          </a:p>
-          <a:p>
-            <a:pPr>
-              <a:buNone/>
-            </a:pPr>
-            <a:r>
-              <a:rPr lang="en-US" altLang="zh-CN" sz="2400" b="1" dirty="0" smtClean="0"/>
-              <a:t>(OpenGL 3.0</a:t>
-            </a:r>
-            <a:r>
-              <a:rPr lang="zh-CN" altLang="en-US" sz="2400" b="1" dirty="0" smtClean="0"/>
-              <a:t>以上，</a:t>
-            </a:r>
-            <a:r>
-              <a:rPr lang="en-US" altLang="zh-CN" sz="2400" b="1" dirty="0" smtClean="0"/>
-              <a:t>D3D9</a:t>
-            </a:r>
-            <a:r>
-              <a:rPr lang="zh-CN" altLang="en-US" sz="2400" b="1" dirty="0" smtClean="0"/>
-              <a:t>以上</a:t>
-            </a:r>
-            <a:r>
-              <a:rPr lang="en-US" altLang="zh-CN" sz="2400" b="1" dirty="0" smtClean="0"/>
-              <a:t>)</a:t>
-            </a:r>
-            <a:endParaRPr lang="zh-CN" altLang="en-US" sz="2400" b="1" dirty="0"/>
-          </a:p>
-        </p:txBody>
-      </p:sp>
-    </p:spTree>
-  </p:cSld>
-  <p:clrMapOvr>
-    <a:masterClrMapping/>
-  </p:clrMapOvr>
-  <p:timing>
-    <p:tnLst>
-      <p:par>
-        <p:cTn id="1" dur="indefinite" restart="never" nodeType="tmRoot">
-          <p:childTnLst>
-            <p:seq concurrent="1" nextAc="seek">
-              <p:cTn id="2" dur="indefinite" nodeType="mainSeq">
-                <p:childTnLst>
-                  <p:par>
-                    <p:cTn id="3" fill="hold">
-                      <p:stCondLst>
-                        <p:cond delay="indefinite"/>
-                      </p:stCondLst>
-                      <p:childTnLst>
-                        <p:par>
-                          <p:cTn id="4" fill="hold">
-                            <p:stCondLst>
-                              <p:cond delay="0"/>
-                            </p:stCondLst>
-                            <p:childTnLst>
-                              <p:par>
-                                <p:cTn id="5" presetID="3" presetClass="entr" presetSubtype="10" fill="hold" nodeType="clickEffect">
-                                  <p:stCondLst>
-                                    <p:cond delay="0"/>
-                                  </p:stCondLst>
-                                  <p:childTnLst>
-                                    <p:set>
-                                      <p:cBhvr>
-                                        <p:cTn id="6" dur="1" fill="hold">
-                                          <p:stCondLst>
-                                            <p:cond delay="0"/>
-                                          </p:stCondLst>
-                                        </p:cTn>
-                                        <p:tgtEl>
-                                          <p:spTgt spid="3">
-                                            <p:txEl>
-                                              <p:pRg st="1" end="1"/>
-                                            </p:txEl>
-                                          </p:spTgt>
-                                        </p:tgtEl>
-                                        <p:attrNameLst>
-                                          <p:attrName>style.visibility</p:attrName>
-                                        </p:attrNameLst>
-                                      </p:cBhvr>
-                                      <p:to>
-                                        <p:strVal val="visible"/>
-                                      </p:to>
-                                    </p:set>
-                                    <p:animEffect transition="in" filter="blinds(horizontal)">
-                                      <p:cBhvr>
-                                        <p:cTn id="7" dur="500"/>
-                                        <p:tgtEl>
-                                          <p:spTgt spid="3">
-                                            <p:txEl>
-                                              <p:pRg st="1" end="1"/>
-                                            </p:txEl>
-                                          </p:spTgt>
-                                        </p:tgtEl>
-                                      </p:cBhvr>
-                                    </p:animEffect>
-                                  </p:childTnLst>
-                                </p:cTn>
-                              </p:par>
-                            </p:childTnLst>
-                          </p:cTn>
-                        </p:par>
-                      </p:childTnLst>
-                    </p:cTn>
-                  </p:par>
-                  <p:par>
-                    <p:cTn id="8" fill="hold">
-                      <p:stCondLst>
-                        <p:cond delay="indefinite"/>
-                      </p:stCondLst>
-                      <p:childTnLst>
-                        <p:par>
-                          <p:cTn id="9" fill="hold">
-                            <p:stCondLst>
-                              <p:cond delay="0"/>
-                            </p:stCondLst>
-                            <p:childTnLst>
-                              <p:par>
-                                <p:cTn id="10" presetID="3" presetClass="entr" presetSubtype="10" fill="hold" nodeType="clickEffect">
-                                  <p:stCondLst>
-                                    <p:cond delay="0"/>
-                                  </p:stCondLst>
-                                  <p:childTnLst>
-                                    <p:set>
-                                      <p:cBhvr>
-                                        <p:cTn id="11" dur="1" fill="hold">
-                                          <p:stCondLst>
-                                            <p:cond delay="0"/>
-                                          </p:stCondLst>
-                                        </p:cTn>
-                                        <p:tgtEl>
-                                          <p:spTgt spid="3">
-                                            <p:txEl>
-                                              <p:pRg st="2" end="2"/>
-                                            </p:txEl>
-                                          </p:spTgt>
-                                        </p:tgtEl>
-                                        <p:attrNameLst>
-                                          <p:attrName>style.visibility</p:attrName>
-                                        </p:attrNameLst>
-                                      </p:cBhvr>
-                                      <p:to>
-                                        <p:strVal val="visible"/>
-                                      </p:to>
-                                    </p:set>
-                                    <p:animEffect transition="in" filter="blinds(horizontal)">
-                                      <p:cBhvr>
-                                        <p:cTn id="12" dur="500"/>
-                                        <p:tgtEl>
-                                          <p:spTgt spid="3">
-                                            <p:txEl>
-                                              <p:pRg st="2" end="2"/>
-                                            </p:txEl>
-                                          </p:spTgt>
-                                        </p:tgtEl>
-                                      </p:cBhvr>
-                                    </p:animEffect>
-                                  </p:childTnLst>
-                                </p:cTn>
-                              </p:par>
-                              <p:par>
-                                <p:cTn id="13" presetID="3" presetClass="entr" presetSubtype="10" fill="hold" nodeType="withEffect">
-                                  <p:stCondLst>
-                                    <p:cond delay="0"/>
-                                  </p:stCondLst>
-                                  <p:childTnLst>
-                                    <p:set>
-                                      <p:cBhvr>
-                                        <p:cTn id="14" dur="1" fill="hold">
-                                          <p:stCondLst>
-                                            <p:cond delay="0"/>
-                                          </p:stCondLst>
-                                        </p:cTn>
-                                        <p:tgtEl>
-                                          <p:spTgt spid="3">
-                                            <p:txEl>
-                                              <p:pRg st="3" end="3"/>
-                                            </p:txEl>
-                                          </p:spTgt>
-                                        </p:tgtEl>
-                                        <p:attrNameLst>
-                                          <p:attrName>style.visibility</p:attrName>
-                                        </p:attrNameLst>
-                                      </p:cBhvr>
-                                      <p:to>
-                                        <p:strVal val="visible"/>
-                                      </p:to>
-                                    </p:set>
-                                    <p:animEffect transition="in" filter="blinds(horizontal)">
-                                      <p:cBhvr>
-                                        <p:cTn id="15" dur="500"/>
-                                        <p:tgtEl>
-                                          <p:spTgt spid="3">
-                                            <p:txEl>
-                                              <p:pRg st="3" end="3"/>
-                                            </p:txEl>
-                                          </p:spTgt>
-                                        </p:tgtEl>
-                                      </p:cBhvr>
-                                    </p:animEffect>
-                                  </p:childTnLst>
-                                </p:cTn>
-                              </p:par>
-                            </p:childTnLst>
-                          </p:cTn>
-                        </p:par>
-                      </p:childTnLst>
-                    </p:cTn>
-                  </p:par>
-                </p:childTnLst>
-              </p:cTn>
-              <p:prevCondLst>
-                <p:cond evt="onPrev" delay="0">
-                  <p:tgtEl>
-                    <p:sldTgt/>
-                  </p:tgtEl>
-                </p:cond>
-              </p:prevCondLst>
-              <p:nextCondLst>
-                <p:cond evt="onNext" delay="0">
-                  <p:tgtEl>
-                    <p:sldTgt/>
-                  </p:tgtEl>
-                </p:cond>
-              </p:nextCondLst>
-            </p:seq>
-          </p:childTnLst>
-        </p:cTn>
-      </p:par>
-    </p:tnLst>
-  </p:timing>
-</p:sld>
-</file>
-
 <file path=ppt/slides/slide9.xml><?xml version="1.0" encoding="utf-8"?>
 <p:sld xmlns:a="http://schemas.openxmlformats.org/drawingml/2006/main" xmlns:r="http://schemas.openxmlformats.org/officeDocument/2006/relationships" xmlns:p="http://schemas.openxmlformats.org/presentationml/2006/main">
   <p:cSld>
@@ -7830,38 +11847,62 @@
         </p:nvSpPr>
         <p:spPr>
           <a:xfrm>
-            <a:off x="1607270" y="2033833"/>
-            <a:ext cx="5726784" cy="1604913"/>
+            <a:off x="447773" y="534971"/>
+            <a:ext cx="8229600" cy="4525963"/>
           </a:xfrm>
         </p:spPr>
         <p:txBody>
-          <a:bodyPr/>
+          <a:bodyPr>
+            <a:normAutofit/>
+          </a:bodyPr>
           <a:lstStyle/>
           <a:p>
             <a:pPr>
               <a:buNone/>
             </a:pPr>
             <a:r>
-              <a:rPr lang="en-US" altLang="zh-CN" b="1" dirty="0" smtClean="0">
-                <a:latin typeface="Times New Roman" pitchFamily="18" charset="0"/>
-                <a:cs typeface="Times New Roman" pitchFamily="18" charset="0"/>
-              </a:rPr>
-              <a:t>III.  </a:t>
-            </a:r>
-            <a:r>
-              <a:rPr lang="en-US" altLang="zh-CN" b="1" dirty="0" smtClean="0"/>
-              <a:t>Hello, world.</a:t>
-            </a:r>
+              <a:rPr lang="zh-CN" altLang="en-US" sz="2400" b="1" dirty="0" smtClean="0"/>
+              <a:t>②</a:t>
+            </a:r>
+            <a:r>
+              <a:rPr lang="en-US" altLang="zh-CN" sz="2400" b="1" dirty="0" smtClean="0"/>
+              <a:t>Fixed </a:t>
+            </a:r>
+            <a:r>
+              <a:rPr lang="en-US" altLang="zh-CN" sz="2400" b="1" dirty="0" smtClean="0"/>
+              <a:t>Function Pipeline   </a:t>
+            </a:r>
+            <a:r>
+              <a:rPr lang="zh-CN" altLang="en-US" sz="2400" b="1" dirty="0" smtClean="0"/>
+              <a:t>固定</a:t>
+            </a:r>
+            <a:r>
+              <a:rPr lang="zh-CN" altLang="en-US" sz="2400" b="1" dirty="0" smtClean="0"/>
+              <a:t>功能管线  </a:t>
+            </a:r>
+            <a:r>
+              <a:rPr lang="en-US" altLang="zh-CN" sz="2400" b="1" dirty="0" smtClean="0"/>
+              <a:t>  </a:t>
+            </a:r>
+            <a:endParaRPr lang="en-US" altLang="zh-CN" sz="2400" b="1" dirty="0" smtClean="0"/>
           </a:p>
           <a:p>
             <a:pPr>
               <a:buNone/>
             </a:pPr>
             <a:r>
-              <a:rPr lang="en-US" altLang="zh-CN" b="1" dirty="0" smtClean="0"/>
-              <a:t>                             Hello, triangles.</a:t>
-            </a:r>
-            <a:endParaRPr lang="zh-CN" altLang="en-US" b="1" dirty="0"/>
+              <a:rPr lang="zh-CN" altLang="en-US" sz="2400" b="1" dirty="0" smtClean="0"/>
+              <a:t>显</a:t>
+            </a:r>
+            <a:r>
+              <a:rPr lang="zh-CN" altLang="en-US" sz="2400" b="1" dirty="0" smtClean="0"/>
+              <a:t>卡</a:t>
+            </a:r>
+            <a:r>
+              <a:rPr lang="zh-CN" altLang="en-US" sz="2400" b="1" dirty="0" smtClean="0"/>
+              <a:t>“编程”</a:t>
+            </a:r>
+            <a:endParaRPr lang="en-US" altLang="zh-CN" sz="2400" b="1" dirty="0" smtClean="0"/>
           </a:p>
         </p:txBody>
       </p:sp>

--- a/notes/FFP.pptx
+++ b/notes/FFP.pptx
@@ -207,7 +207,7 @@
             <a:fld id="{30DB42F3-A822-4DBA-A2AB-0D6AC23C54AF}" type="datetimeFigureOut">
               <a:rPr lang="zh-CN" altLang="en-US" smtClean="0"/>
               <a:pPr/>
-              <a:t>2011-12-13</a:t>
+              <a:t>2011-12-15</a:t>
             </a:fld>
             <a:endParaRPr lang="zh-CN" altLang="en-US"/>
           </a:p>
@@ -737,7 +737,7 @@
             <a:fld id="{5FA72200-67C1-42E8-945D-FA6D0561F8DE}" type="datetimeFigureOut">
               <a:rPr lang="zh-CN" altLang="en-US" smtClean="0"/>
               <a:pPr/>
-              <a:t>2011-12-13</a:t>
+              <a:t>2011-12-15</a:t>
             </a:fld>
             <a:endParaRPr lang="zh-CN" altLang="en-US"/>
           </a:p>
@@ -904,7 +904,7 @@
             <a:fld id="{5FA72200-67C1-42E8-945D-FA6D0561F8DE}" type="datetimeFigureOut">
               <a:rPr lang="zh-CN" altLang="en-US" smtClean="0"/>
               <a:pPr/>
-              <a:t>2011-12-13</a:t>
+              <a:t>2011-12-15</a:t>
             </a:fld>
             <a:endParaRPr lang="zh-CN" altLang="en-US"/>
           </a:p>
@@ -1081,7 +1081,7 @@
             <a:fld id="{5FA72200-67C1-42E8-945D-FA6D0561F8DE}" type="datetimeFigureOut">
               <a:rPr lang="zh-CN" altLang="en-US" smtClean="0"/>
               <a:pPr/>
-              <a:t>2011-12-13</a:t>
+              <a:t>2011-12-15</a:t>
             </a:fld>
             <a:endParaRPr lang="zh-CN" altLang="en-US"/>
           </a:p>
@@ -1248,7 +1248,7 @@
             <a:fld id="{5FA72200-67C1-42E8-945D-FA6D0561F8DE}" type="datetimeFigureOut">
               <a:rPr lang="zh-CN" altLang="en-US" smtClean="0"/>
               <a:pPr/>
-              <a:t>2011-12-13</a:t>
+              <a:t>2011-12-15</a:t>
             </a:fld>
             <a:endParaRPr lang="zh-CN" altLang="en-US"/>
           </a:p>
@@ -1491,7 +1491,7 @@
             <a:fld id="{5FA72200-67C1-42E8-945D-FA6D0561F8DE}" type="datetimeFigureOut">
               <a:rPr lang="zh-CN" altLang="en-US" smtClean="0"/>
               <a:pPr/>
-              <a:t>2011-12-13</a:t>
+              <a:t>2011-12-15</a:t>
             </a:fld>
             <a:endParaRPr lang="zh-CN" altLang="en-US"/>
           </a:p>
@@ -1776,7 +1776,7 @@
             <a:fld id="{5FA72200-67C1-42E8-945D-FA6D0561F8DE}" type="datetimeFigureOut">
               <a:rPr lang="zh-CN" altLang="en-US" smtClean="0"/>
               <a:pPr/>
-              <a:t>2011-12-13</a:t>
+              <a:t>2011-12-15</a:t>
             </a:fld>
             <a:endParaRPr lang="zh-CN" altLang="en-US"/>
           </a:p>
@@ -2195,7 +2195,7 @@
             <a:fld id="{5FA72200-67C1-42E8-945D-FA6D0561F8DE}" type="datetimeFigureOut">
               <a:rPr lang="zh-CN" altLang="en-US" smtClean="0"/>
               <a:pPr/>
-              <a:t>2011-12-13</a:t>
+              <a:t>2011-12-15</a:t>
             </a:fld>
             <a:endParaRPr lang="zh-CN" altLang="en-US"/>
           </a:p>
@@ -2310,7 +2310,7 @@
             <a:fld id="{5FA72200-67C1-42E8-945D-FA6D0561F8DE}" type="datetimeFigureOut">
               <a:rPr lang="zh-CN" altLang="en-US" smtClean="0"/>
               <a:pPr/>
-              <a:t>2011-12-13</a:t>
+              <a:t>2011-12-15</a:t>
             </a:fld>
             <a:endParaRPr lang="zh-CN" altLang="en-US"/>
           </a:p>
@@ -2402,7 +2402,7 @@
             <a:fld id="{5FA72200-67C1-42E8-945D-FA6D0561F8DE}" type="datetimeFigureOut">
               <a:rPr lang="zh-CN" altLang="en-US" smtClean="0"/>
               <a:pPr/>
-              <a:t>2011-12-13</a:t>
+              <a:t>2011-12-15</a:t>
             </a:fld>
             <a:endParaRPr lang="zh-CN" altLang="en-US"/>
           </a:p>
@@ -2676,7 +2676,7 @@
             <a:fld id="{5FA72200-67C1-42E8-945D-FA6D0561F8DE}" type="datetimeFigureOut">
               <a:rPr lang="zh-CN" altLang="en-US" smtClean="0"/>
               <a:pPr/>
-              <a:t>2011-12-13</a:t>
+              <a:t>2011-12-15</a:t>
             </a:fld>
             <a:endParaRPr lang="zh-CN" altLang="en-US"/>
           </a:p>
@@ -2926,7 +2926,7 @@
             <a:fld id="{5FA72200-67C1-42E8-945D-FA6D0561F8DE}" type="datetimeFigureOut">
               <a:rPr lang="zh-CN" altLang="en-US" smtClean="0"/>
               <a:pPr/>
-              <a:t>2011-12-13</a:t>
+              <a:t>2011-12-15</a:t>
             </a:fld>
             <a:endParaRPr lang="zh-CN" altLang="en-US"/>
           </a:p>
@@ -3145,7 +3145,7 @@
             <a:fld id="{5FA72200-67C1-42E8-945D-FA6D0561F8DE}" type="datetimeFigureOut">
               <a:rPr lang="zh-CN" altLang="en-US" smtClean="0"/>
               <a:pPr/>
-              <a:t>2011-12-13</a:t>
+              <a:t>2011-12-15</a:t>
             </a:fld>
             <a:endParaRPr lang="zh-CN" altLang="en-US"/>
           </a:p>
@@ -3643,15 +3643,7 @@
             </a:r>
             <a:r>
               <a:rPr lang="en-US" altLang="zh-CN" b="1" dirty="0" smtClean="0"/>
-              <a:t>Hello, </a:t>
-            </a:r>
-            <a:r>
-              <a:rPr lang="en-US" altLang="zh-CN" b="1" dirty="0" smtClean="0"/>
-              <a:t>world.   Hello</a:t>
-            </a:r>
-            <a:r>
-              <a:rPr lang="en-US" altLang="zh-CN" b="1" dirty="0" smtClean="0"/>
-              <a:t>, triangles.</a:t>
+              <a:t>Hello, world.   Hello, triangles.</a:t>
             </a:r>
             <a:endParaRPr lang="zh-CN" altLang="en-US" b="1" dirty="0"/>
           </a:p>
@@ -5844,27 +5836,7 @@
                 <a:latin typeface="Courier New" pitchFamily="49" charset="0"/>
                 <a:cs typeface="Courier New" pitchFamily="49" charset="0"/>
               </a:rPr>
-              <a:t>trace(“hello</a:t>
-            </a:r>
-            <a:r>
-              <a:rPr lang="en-US" altLang="zh-CN" sz="2000" b="1" dirty="0" smtClean="0">
-                <a:solidFill>
-                  <a:prstClr val="black"/>
-                </a:solidFill>
-                <a:latin typeface="Courier New" pitchFamily="49" charset="0"/>
-                <a:cs typeface="Courier New" pitchFamily="49" charset="0"/>
-              </a:rPr>
-              <a:t>, world</a:t>
-            </a:r>
-            <a:r>
-              <a:rPr lang="en-US" altLang="zh-CN" sz="2000" b="1" dirty="0" smtClean="0">
-                <a:solidFill>
-                  <a:prstClr val="black"/>
-                </a:solidFill>
-                <a:latin typeface="Courier New" pitchFamily="49" charset="0"/>
-                <a:cs typeface="Courier New" pitchFamily="49" charset="0"/>
-              </a:rPr>
-              <a:t>”);</a:t>
+              <a:t>trace(“hello, world”);</a:t>
             </a:r>
           </a:p>
           <a:p>
@@ -6229,11 +6201,7 @@
             </a:pPr>
             <a:r>
               <a:rPr lang="zh-CN" altLang="en-US" sz="2400" b="1" dirty="0" smtClean="0"/>
-              <a:t>①最原始的</a:t>
-            </a:r>
-            <a:r>
-              <a:rPr lang="zh-CN" altLang="en-US" sz="2400" b="1" dirty="0" smtClean="0"/>
-              <a:t>：</a:t>
+              <a:t>①最原始的：</a:t>
             </a:r>
             <a:endParaRPr lang="en-US" altLang="zh-CN" sz="2400" b="1" dirty="0" smtClean="0"/>
           </a:p>
@@ -6489,11 +6457,7 @@
             </a:r>
             <a:r>
               <a:rPr lang="zh-CN" altLang="en-US" b="1" dirty="0" smtClean="0"/>
-              <a:t>（配备打孔机</a:t>
-            </a:r>
-            <a:r>
-              <a:rPr lang="zh-CN" altLang="en-US" b="1" dirty="0" smtClean="0"/>
-              <a:t>）</a:t>
+              <a:t>（配备打孔机）</a:t>
             </a:r>
             <a:endParaRPr lang="zh-CN" altLang="en-US" dirty="0"/>
           </a:p>
@@ -7840,15 +7804,7 @@
                   <a:prstClr val="black"/>
                 </a:solidFill>
               </a:rPr>
-              <a:t>视频</a:t>
-            </a:r>
-            <a:r>
-              <a:rPr lang="zh-CN" altLang="en-US" b="1" dirty="0" smtClean="0">
-                <a:solidFill>
-                  <a:prstClr val="black"/>
-                </a:solidFill>
-              </a:rPr>
-              <a:t>控制器</a:t>
+              <a:t>视频控制器</a:t>
             </a:r>
             <a:endParaRPr lang="en-US" altLang="zh-CN" b="1" dirty="0" smtClean="0">
               <a:solidFill>
@@ -7876,21 +7832,8 @@
                   <a:prstClr val="black"/>
                 </a:solidFill>
               </a:rPr>
-              <a:t>(Display Card</a:t>
-            </a:r>
-            <a:r>
-              <a:rPr lang="en-US" altLang="zh-CN" b="1" dirty="0" smtClean="0">
-                <a:solidFill>
-                  <a:prstClr val="black"/>
-                </a:solidFill>
-              </a:rPr>
-              <a:t>)</a:t>
-            </a:r>
-            <a:endParaRPr lang="en-US" altLang="zh-CN" b="1" dirty="0" smtClean="0">
-              <a:solidFill>
-                <a:prstClr val="black"/>
-              </a:solidFill>
-            </a:endParaRPr>
+              <a:t>(Display Card)</a:t>
+            </a:r>
           </a:p>
           <a:p>
             <a:pPr marL="342900" lvl="0" indent="-342900" algn="ctr">
@@ -8176,11 +8119,6 @@
               </a:rPr>
               <a:t>FM</a:t>
             </a:r>
-            <a:endParaRPr lang="en-US" altLang="zh-CN" b="1" dirty="0" smtClean="0">
-              <a:solidFill>
-                <a:prstClr val="black"/>
-              </a:solidFill>
-            </a:endParaRPr>
           </a:p>
         </p:txBody>
       </p:sp>
@@ -11153,11 +11091,7 @@
             </a:r>
             <a:r>
               <a:rPr lang="zh-CN" altLang="en-US" sz="2400" b="1" dirty="0" smtClean="0"/>
-              <a:t>将多边形转换和</a:t>
-            </a:r>
-            <a:r>
-              <a:rPr lang="zh-CN" altLang="en-US" sz="2400" b="1" dirty="0" smtClean="0"/>
-              <a:t>光照处理</a:t>
+              <a:t>将多边形转换和光照处理</a:t>
             </a:r>
             <a:r>
               <a:rPr lang="en-US" altLang="zh-CN" sz="2400" b="1" dirty="0" smtClean="0"/>
@@ -11165,11 +11099,7 @@
             </a:r>
             <a:r>
               <a:rPr lang="zh-CN" altLang="en-US" sz="2400" b="1" dirty="0" smtClean="0"/>
-              <a:t>整合</a:t>
-            </a:r>
-            <a:r>
-              <a:rPr lang="zh-CN" altLang="en-US" sz="2400" b="1" dirty="0" smtClean="0"/>
-              <a:t>到显示处理单元中</a:t>
+              <a:t>整合到显示处理单元中</a:t>
             </a:r>
             <a:endParaRPr lang="zh-CN" altLang="en-US" sz="2400" b="1" dirty="0"/>
           </a:p>
@@ -11866,25 +11796,16 @@
             </a:r>
             <a:r>
               <a:rPr lang="en-US" altLang="zh-CN" sz="2400" b="1" dirty="0" smtClean="0"/>
-              <a:t>Fixed </a:t>
-            </a:r>
-            <a:r>
-              <a:rPr lang="en-US" altLang="zh-CN" sz="2400" b="1" dirty="0" smtClean="0"/>
-              <a:t>Function Pipeline   </a:t>
+              <a:t>Fixed Function Pipeline   </a:t>
             </a:r>
             <a:r>
               <a:rPr lang="zh-CN" altLang="en-US" sz="2400" b="1" dirty="0" smtClean="0"/>
-              <a:t>固定</a:t>
-            </a:r>
-            <a:r>
-              <a:rPr lang="zh-CN" altLang="en-US" sz="2400" b="1" dirty="0" smtClean="0"/>
-              <a:t>功能管线  </a:t>
+              <a:t>固定功能管线  </a:t>
             </a:r>
             <a:r>
               <a:rPr lang="en-US" altLang="zh-CN" sz="2400" b="1" dirty="0" smtClean="0"/>
               <a:t>  </a:t>
             </a:r>
-            <a:endParaRPr lang="en-US" altLang="zh-CN" sz="2400" b="1" dirty="0" smtClean="0"/>
           </a:p>
           <a:p>
             <a:pPr>
@@ -11892,15 +11813,7 @@
             </a:pPr>
             <a:r>
               <a:rPr lang="zh-CN" altLang="en-US" sz="2400" b="1" dirty="0" smtClean="0"/>
-              <a:t>显</a:t>
-            </a:r>
-            <a:r>
-              <a:rPr lang="zh-CN" altLang="en-US" sz="2400" b="1" dirty="0" smtClean="0"/>
-              <a:t>卡</a:t>
-            </a:r>
-            <a:r>
-              <a:rPr lang="zh-CN" altLang="en-US" sz="2400" b="1" dirty="0" smtClean="0"/>
-              <a:t>“编程”</a:t>
+              <a:t>显卡“编程”</a:t>
             </a:r>
             <a:endParaRPr lang="en-US" altLang="zh-CN" sz="2400" b="1" dirty="0" smtClean="0"/>
           </a:p>
